--- a/differentialExpressionAnalysis.pptx
+++ b/differentialExpressionAnalysis.pptx
@@ -5,7 +5,7 @@
     <p:sldMasterId id="2147483648" r:id="rId1"/>
   </p:sldMasterIdLst>
   <p:notesMasterIdLst>
-    <p:notesMasterId r:id="rId48"/>
+    <p:notesMasterId r:id="rId49"/>
   </p:notesMasterIdLst>
   <p:sldIdLst>
     <p:sldId id="256" r:id="rId2"/>
@@ -39,21 +39,22 @@
     <p:sldId id="298" r:id="rId30"/>
     <p:sldId id="302" r:id="rId31"/>
     <p:sldId id="303" r:id="rId32"/>
-    <p:sldId id="306" r:id="rId33"/>
-    <p:sldId id="312" r:id="rId34"/>
-    <p:sldId id="311" r:id="rId35"/>
-    <p:sldId id="307" r:id="rId36"/>
-    <p:sldId id="309" r:id="rId37"/>
-    <p:sldId id="308" r:id="rId38"/>
-    <p:sldId id="310" r:id="rId39"/>
-    <p:sldId id="286" r:id="rId40"/>
-    <p:sldId id="301" r:id="rId41"/>
-    <p:sldId id="313" r:id="rId42"/>
-    <p:sldId id="314" r:id="rId43"/>
-    <p:sldId id="287" r:id="rId44"/>
-    <p:sldId id="316" r:id="rId45"/>
-    <p:sldId id="318" r:id="rId46"/>
-    <p:sldId id="319" r:id="rId47"/>
+    <p:sldId id="321" r:id="rId33"/>
+    <p:sldId id="320" r:id="rId34"/>
+    <p:sldId id="312" r:id="rId35"/>
+    <p:sldId id="311" r:id="rId36"/>
+    <p:sldId id="307" r:id="rId37"/>
+    <p:sldId id="309" r:id="rId38"/>
+    <p:sldId id="308" r:id="rId39"/>
+    <p:sldId id="310" r:id="rId40"/>
+    <p:sldId id="286" r:id="rId41"/>
+    <p:sldId id="301" r:id="rId42"/>
+    <p:sldId id="313" r:id="rId43"/>
+    <p:sldId id="314" r:id="rId44"/>
+    <p:sldId id="287" r:id="rId45"/>
+    <p:sldId id="316" r:id="rId46"/>
+    <p:sldId id="318" r:id="rId47"/>
+    <p:sldId id="319" r:id="rId48"/>
   </p:sldIdLst>
   <p:sldSz cx="9144000" cy="6858000" type="screen4x3"/>
   <p:notesSz cx="6858000" cy="9144000"/>
@@ -2827,7 +2828,7 @@
           <a:bodyPr/>
           <a:lstStyle/>
           <a:p>
-            <a:endParaRPr lang="en-US" dirty="0"/>
+            <a:endParaRPr lang="en-US"/>
           </a:p>
         </p:txBody>
       </p:sp>
@@ -2857,7 +2858,7 @@
     </p:spTree>
     <p:extLst>
       <p:ext uri="{BB962C8B-B14F-4D97-AF65-F5344CB8AC3E}">
-        <p14:creationId xmlns:p14="http://schemas.microsoft.com/office/powerpoint/2010/main" val="4270790124"/>
+        <p14:creationId xmlns:p14="http://schemas.microsoft.com/office/powerpoint/2010/main" val="1244828911"/>
       </p:ext>
     </p:extLst>
   </p:cSld>
@@ -2911,7 +2912,7 @@
           <a:bodyPr/>
           <a:lstStyle/>
           <a:p>
-            <a:endParaRPr lang="en-US"/>
+            <a:endParaRPr lang="en-US" dirty="0"/>
           </a:p>
         </p:txBody>
       </p:sp>
@@ -2941,7 +2942,7 @@
     </p:spTree>
     <p:extLst>
       <p:ext uri="{BB962C8B-B14F-4D97-AF65-F5344CB8AC3E}">
-        <p14:creationId xmlns:p14="http://schemas.microsoft.com/office/powerpoint/2010/main" val="315500992"/>
+        <p14:creationId xmlns:p14="http://schemas.microsoft.com/office/powerpoint/2010/main" val="4270790124"/>
       </p:ext>
     </p:extLst>
   </p:cSld>
@@ -3025,7 +3026,7 @@
     </p:spTree>
     <p:extLst>
       <p:ext uri="{BB962C8B-B14F-4D97-AF65-F5344CB8AC3E}">
-        <p14:creationId xmlns:p14="http://schemas.microsoft.com/office/powerpoint/2010/main" val="4060570413"/>
+        <p14:creationId xmlns:p14="http://schemas.microsoft.com/office/powerpoint/2010/main" val="315500992"/>
       </p:ext>
     </p:extLst>
   </p:cSld>
@@ -3109,7 +3110,7 @@
     </p:spTree>
     <p:extLst>
       <p:ext uri="{BB962C8B-B14F-4D97-AF65-F5344CB8AC3E}">
-        <p14:creationId xmlns:p14="http://schemas.microsoft.com/office/powerpoint/2010/main" val="902933250"/>
+        <p14:creationId xmlns:p14="http://schemas.microsoft.com/office/powerpoint/2010/main" val="4060570413"/>
       </p:ext>
     </p:extLst>
   </p:cSld>
@@ -3193,7 +3194,7 @@
     </p:spTree>
     <p:extLst>
       <p:ext uri="{BB962C8B-B14F-4D97-AF65-F5344CB8AC3E}">
-        <p14:creationId xmlns:p14="http://schemas.microsoft.com/office/powerpoint/2010/main" val="536878861"/>
+        <p14:creationId xmlns:p14="http://schemas.microsoft.com/office/powerpoint/2010/main" val="902933250"/>
       </p:ext>
     </p:extLst>
   </p:cSld>
@@ -3277,7 +3278,7 @@
     </p:spTree>
     <p:extLst>
       <p:ext uri="{BB962C8B-B14F-4D97-AF65-F5344CB8AC3E}">
-        <p14:creationId xmlns:p14="http://schemas.microsoft.com/office/powerpoint/2010/main" val="2384395333"/>
+        <p14:creationId xmlns:p14="http://schemas.microsoft.com/office/powerpoint/2010/main" val="536878861"/>
       </p:ext>
     </p:extLst>
   </p:cSld>
@@ -3361,7 +3362,7 @@
     </p:spTree>
     <p:extLst>
       <p:ext uri="{BB962C8B-B14F-4D97-AF65-F5344CB8AC3E}">
-        <p14:creationId xmlns:p14="http://schemas.microsoft.com/office/powerpoint/2010/main" val="3482824395"/>
+        <p14:creationId xmlns:p14="http://schemas.microsoft.com/office/powerpoint/2010/main" val="2384395333"/>
       </p:ext>
     </p:extLst>
   </p:cSld>
@@ -3445,7 +3446,7 @@
     </p:spTree>
     <p:extLst>
       <p:ext uri="{BB962C8B-B14F-4D97-AF65-F5344CB8AC3E}">
-        <p14:creationId xmlns:p14="http://schemas.microsoft.com/office/powerpoint/2010/main" val="1420046341"/>
+        <p14:creationId xmlns:p14="http://schemas.microsoft.com/office/powerpoint/2010/main" val="3482824395"/>
       </p:ext>
     </p:extLst>
   </p:cSld>
@@ -3619,7 +3620,7 @@
     </p:spTree>
     <p:extLst>
       <p:ext uri="{BB962C8B-B14F-4D97-AF65-F5344CB8AC3E}">
-        <p14:creationId xmlns:p14="http://schemas.microsoft.com/office/powerpoint/2010/main" val="1795513820"/>
+        <p14:creationId xmlns:p14="http://schemas.microsoft.com/office/powerpoint/2010/main" val="1420046341"/>
       </p:ext>
     </p:extLst>
   </p:cSld>
@@ -3703,7 +3704,7 @@
     </p:spTree>
     <p:extLst>
       <p:ext uri="{BB962C8B-B14F-4D97-AF65-F5344CB8AC3E}">
-        <p14:creationId xmlns:p14="http://schemas.microsoft.com/office/powerpoint/2010/main" val="1790693541"/>
+        <p14:creationId xmlns:p14="http://schemas.microsoft.com/office/powerpoint/2010/main" val="1795513820"/>
       </p:ext>
     </p:extLst>
   </p:cSld>
@@ -3787,7 +3788,7 @@
     </p:spTree>
     <p:extLst>
       <p:ext uri="{BB962C8B-B14F-4D97-AF65-F5344CB8AC3E}">
-        <p14:creationId xmlns:p14="http://schemas.microsoft.com/office/powerpoint/2010/main" val="2071209189"/>
+        <p14:creationId xmlns:p14="http://schemas.microsoft.com/office/powerpoint/2010/main" val="1790693541"/>
       </p:ext>
     </p:extLst>
   </p:cSld>
@@ -3871,7 +3872,7 @@
     </p:spTree>
     <p:extLst>
       <p:ext uri="{BB962C8B-B14F-4D97-AF65-F5344CB8AC3E}">
-        <p14:creationId xmlns:p14="http://schemas.microsoft.com/office/powerpoint/2010/main" val="2441462449"/>
+        <p14:creationId xmlns:p14="http://schemas.microsoft.com/office/powerpoint/2010/main" val="2071209189"/>
       </p:ext>
     </p:extLst>
   </p:cSld>
@@ -4115,6 +4116,90 @@
             <a:fld id="{20F749FA-6AB6-40E0-B6DE-107ACAC3F270}" type="slidenum">
               <a:rPr lang="en-US" smtClean="0"/>
               <a:t>46</a:t>
+            </a:fld>
+            <a:endParaRPr lang="en-US"/>
+          </a:p>
+        </p:txBody>
+      </p:sp>
+    </p:spTree>
+    <p:extLst>
+      <p:ext uri="{BB962C8B-B14F-4D97-AF65-F5344CB8AC3E}">
+        <p14:creationId xmlns:p14="http://schemas.microsoft.com/office/powerpoint/2010/main" val="2441462449"/>
+      </p:ext>
+    </p:extLst>
+  </p:cSld>
+  <p:clrMapOvr>
+    <a:masterClrMapping/>
+  </p:clrMapOvr>
+</p:notes>
+</file>
+
+<file path=ppt/notesSlides/notesSlide47.xml><?xml version="1.0" encoding="utf-8"?>
+<p:notes xmlns:a="http://schemas.openxmlformats.org/drawingml/2006/main" xmlns:r="http://schemas.openxmlformats.org/officeDocument/2006/relationships" xmlns:p="http://schemas.openxmlformats.org/presentationml/2006/main">
+  <p:cSld>
+    <p:spTree>
+      <p:nvGrpSpPr>
+        <p:cNvPr id="1" name=""/>
+        <p:cNvGrpSpPr/>
+        <p:nvPr/>
+      </p:nvGrpSpPr>
+      <p:grpSpPr>
+        <a:xfrm>
+          <a:off x="0" y="0"/>
+          <a:ext cx="0" cy="0"/>
+          <a:chOff x="0" y="0"/>
+          <a:chExt cx="0" cy="0"/>
+        </a:xfrm>
+      </p:grpSpPr>
+      <p:sp>
+        <p:nvSpPr>
+          <p:cNvPr id="2" name="Slide Image Placeholder 1"/>
+          <p:cNvSpPr>
+            <a:spLocks noGrp="1" noRot="1" noChangeAspect="1"/>
+          </p:cNvSpPr>
+          <p:nvPr>
+            <p:ph type="sldImg"/>
+          </p:nvPr>
+        </p:nvSpPr>
+        <p:spPr/>
+      </p:sp>
+      <p:sp>
+        <p:nvSpPr>
+          <p:cNvPr id="3" name="Notes Placeholder 2"/>
+          <p:cNvSpPr>
+            <a:spLocks noGrp="1"/>
+          </p:cNvSpPr>
+          <p:nvPr>
+            <p:ph type="body" idx="1"/>
+          </p:nvPr>
+        </p:nvSpPr>
+        <p:spPr/>
+        <p:txBody>
+          <a:bodyPr/>
+          <a:lstStyle/>
+          <a:p>
+            <a:endParaRPr lang="en-US"/>
+          </a:p>
+        </p:txBody>
+      </p:sp>
+      <p:sp>
+        <p:nvSpPr>
+          <p:cNvPr id="4" name="Slide Number Placeholder 3"/>
+          <p:cNvSpPr>
+            <a:spLocks noGrp="1"/>
+          </p:cNvSpPr>
+          <p:nvPr>
+            <p:ph type="sldNum" sz="quarter" idx="10"/>
+          </p:nvPr>
+        </p:nvSpPr>
+        <p:spPr/>
+        <p:txBody>
+          <a:bodyPr/>
+          <a:lstStyle/>
+          <a:p>
+            <a:fld id="{20F749FA-6AB6-40E0-B6DE-107ACAC3F270}" type="slidenum">
+              <a:rPr lang="en-US" smtClean="0"/>
+              <a:t>47</a:t>
             </a:fld>
             <a:endParaRPr lang="en-US"/>
           </a:p>
@@ -13368,12 +13453,16 @@
               <a:t>mirna</a:t>
             </a:r>
             <a:r>
-              <a:rPr lang="en-US" dirty="0">
-                <a:latin typeface="Courier New" pitchFamily="49" charset="0"/>
-                <a:cs typeface="Courier New" pitchFamily="49" charset="0"/>
-              </a:rPr>
-              <a:t>))</a:t>
-            </a:r>
+              <a:rPr lang="en-US" dirty="0" smtClean="0">
+                <a:latin typeface="Courier New" pitchFamily="49" charset="0"/>
+                <a:cs typeface="Courier New" pitchFamily="49" charset="0"/>
+              </a:rPr>
+              <a:t>)[o1])</a:t>
+            </a:r>
+            <a:endParaRPr lang="en-US" dirty="0">
+              <a:latin typeface="Courier New" pitchFamily="49" charset="0"/>
+              <a:cs typeface="Courier New" pitchFamily="49" charset="0"/>
+            </a:endParaRPr>
           </a:p>
           <a:p>
             <a:pPr>
@@ -15908,7 +15997,12 @@
             <p:ph sz="half" idx="1"/>
           </p:nvPr>
         </p:nvSpPr>
-        <p:spPr/>
+        <p:spPr>
+          <a:xfrm>
+            <a:off x="457200" y="1600201"/>
+            <a:ext cx="7848600" cy="2514600"/>
+          </a:xfrm>
+        </p:spPr>
         <p:txBody>
           <a:bodyPr/>
           <a:lstStyle/>
@@ -15932,7 +16026,7 @@
       </p:sp>
       <p:pic>
         <p:nvPicPr>
-          <p:cNvPr id="7170" name="Picture 2" descr="http://www.pnas.org/content/107/5/2183/F1.large.jpg"/>
+          <p:cNvPr id="9" name="Picture 4" descr="Copy-number changes and structural aberrations in CRC."/>
           <p:cNvPicPr>
             <a:picLocks noGrp="1" noChangeAspect="1" noChangeArrowheads="1"/>
           </p:cNvPicPr>
@@ -15948,13 +16042,13 @@
               </a:ext>
             </a:extLst>
           </a:blip>
-          <a:srcRect r="65927"/>
+          <a:srcRect b="69421"/>
           <a:stretch/>
         </p:blipFill>
         <p:spPr bwMode="auto">
           <a:xfrm>
-            <a:off x="5105400" y="1447800"/>
-            <a:ext cx="3124200" cy="5143276"/>
+            <a:off x="762000" y="3733800"/>
+            <a:ext cx="7620000" cy="2140475"/>
           </a:xfrm>
           <a:prstGeom prst="rect">
             <a:avLst/>
@@ -15971,6 +16065,36 @@
           </a:extLst>
         </p:spPr>
       </p:pic>
+      <p:sp>
+        <p:nvSpPr>
+          <p:cNvPr id="7" name="TextBox 6"/>
+          <p:cNvSpPr txBox="1"/>
+          <p:nvPr/>
+        </p:nvSpPr>
+        <p:spPr>
+          <a:xfrm>
+            <a:off x="7944633" y="6611779"/>
+            <a:ext cx="1199367" cy="246221"/>
+          </a:xfrm>
+          <a:prstGeom prst="rect">
+            <a:avLst/>
+          </a:prstGeom>
+          <a:noFill/>
+        </p:spPr>
+        <p:txBody>
+          <a:bodyPr wrap="none" rtlCol="0">
+            <a:spAutoFit/>
+          </a:bodyPr>
+          <a:lstStyle/>
+          <a:p>
+            <a:r>
+              <a:rPr lang="en-US" sz="1000" b="1" dirty="0" smtClean="0"/>
+              <a:t>TCGA, Nature 2012</a:t>
+            </a:r>
+            <a:endParaRPr lang="en-US" sz="1000" b="1" dirty="0"/>
+          </a:p>
+        </p:txBody>
+      </p:sp>
     </p:spTree>
     <p:extLst>
       <p:ext uri="{BB962C8B-B14F-4D97-AF65-F5344CB8AC3E}">
@@ -16832,7 +16956,123 @@
           <a:p>
             <a:r>
               <a:rPr lang="en-US" dirty="0" smtClean="0"/>
-              <a:t>What data do we need?</a:t>
+              <a:t>What kind of data do we need?</a:t>
+            </a:r>
+            <a:endParaRPr lang="en-US" dirty="0"/>
+          </a:p>
+        </p:txBody>
+      </p:sp>
+      <p:pic>
+        <p:nvPicPr>
+          <p:cNvPr id="4" name="Picture 2" descr="3"/>
+          <p:cNvPicPr>
+            <a:picLocks noGrp="1" noChangeAspect="1" noChangeArrowheads="1"/>
+          </p:cNvPicPr>
+          <p:nvPr>
+            <p:ph idx="1"/>
+          </p:nvPr>
+        </p:nvPicPr>
+        <p:blipFill>
+          <a:blip r:embed="rId3" cstate="print">
+            <a:extLst>
+              <a:ext uri="{28A0092B-C50C-407E-A947-70E740481C1C}">
+                <a14:useLocalDpi xmlns:a14="http://schemas.microsoft.com/office/drawing/2010/main" val="0"/>
+              </a:ext>
+            </a:extLst>
+          </a:blip>
+          <a:srcRect/>
+          <a:stretch>
+            <a:fillRect/>
+          </a:stretch>
+        </p:blipFill>
+        <p:spPr bwMode="auto">
+          <a:xfrm>
+            <a:off x="1061721" y="1600200"/>
+            <a:ext cx="7020558" cy="4525963"/>
+          </a:xfrm>
+          <a:prstGeom prst="rect">
+            <a:avLst/>
+          </a:prstGeom>
+          <a:noFill/>
+          <a:ln>
+            <a:noFill/>
+          </a:ln>
+          <a:extLst>
+            <a:ext uri="{909E8E84-426E-40DD-AFC4-6F175D3DCCD1}">
+              <a14:hiddenFill xmlns:a14="http://schemas.microsoft.com/office/drawing/2010/main">
+                <a:solidFill>
+                  <a:srgbClr val="FFFFFF"/>
+                </a:solidFill>
+              </a14:hiddenFill>
+            </a:ext>
+            <a:ext uri="{91240B29-F687-4F45-9708-019B960494DF}">
+              <a14:hiddenLine xmlns:a14="http://schemas.microsoft.com/office/drawing/2010/main" w="9525">
+                <a:solidFill>
+                  <a:srgbClr val="000000"/>
+                </a:solidFill>
+                <a:miter lim="800000"/>
+                <a:headEnd/>
+                <a:tailEnd/>
+              </a14:hiddenLine>
+            </a:ext>
+          </a:extLst>
+        </p:spPr>
+      </p:pic>
+    </p:spTree>
+    <p:extLst>
+      <p:ext uri="{BB962C8B-B14F-4D97-AF65-F5344CB8AC3E}">
+        <p14:creationId xmlns:p14="http://schemas.microsoft.com/office/powerpoint/2010/main" val="3067834545"/>
+      </p:ext>
+    </p:extLst>
+  </p:cSld>
+  <p:clrMapOvr>
+    <a:masterClrMapping/>
+  </p:clrMapOvr>
+  <p:timing>
+    <p:tnLst>
+      <p:par>
+        <p:cTn id="1" dur="indefinite" restart="never" nodeType="tmRoot"/>
+      </p:par>
+    </p:tnLst>
+  </p:timing>
+</p:sld>
+</file>
+
+<file path=ppt/slides/slide33.xml><?xml version="1.0" encoding="utf-8"?>
+<p:sld xmlns:a="http://schemas.openxmlformats.org/drawingml/2006/main" xmlns:r="http://schemas.openxmlformats.org/officeDocument/2006/relationships" xmlns:p="http://schemas.openxmlformats.org/presentationml/2006/main">
+  <p:cSld>
+    <p:spTree>
+      <p:nvGrpSpPr>
+        <p:cNvPr id="1" name=""/>
+        <p:cNvGrpSpPr/>
+        <p:nvPr/>
+      </p:nvGrpSpPr>
+      <p:grpSpPr>
+        <a:xfrm>
+          <a:off x="0" y="0"/>
+          <a:ext cx="0" cy="0"/>
+          <a:chOff x="0" y="0"/>
+          <a:chExt cx="0" cy="0"/>
+        </a:xfrm>
+      </p:grpSpPr>
+      <p:sp>
+        <p:nvSpPr>
+          <p:cNvPr id="2" name="Title 1"/>
+          <p:cNvSpPr>
+            <a:spLocks noGrp="1"/>
+          </p:cNvSpPr>
+          <p:nvPr>
+            <p:ph type="title"/>
+          </p:nvPr>
+        </p:nvSpPr>
+        <p:spPr/>
+        <p:txBody>
+          <a:bodyPr/>
+          <a:lstStyle/>
+          <a:p>
+            <a:r>
+              <a:rPr lang="en-US" dirty="0" smtClean="0"/>
+              <a:t>Does the TCGA have it?</a:t>
             </a:r>
             <a:endParaRPr lang="en-US" dirty="0"/>
           </a:p>
@@ -16934,36 +17174,40 @@
       </p:sp>
       <p:grpSp>
         <p:nvGrpSpPr>
-          <p:cNvPr id="3" name="Group 2"/>
+          <p:cNvPr id="8" name="Group 7"/>
           <p:cNvGrpSpPr/>
           <p:nvPr/>
         </p:nvGrpSpPr>
         <p:grpSpPr>
           <a:xfrm>
-            <a:off x="2514600" y="2133600"/>
-            <a:ext cx="4648200" cy="3733800"/>
-            <a:chOff x="2514600" y="2133600"/>
-            <a:chExt cx="4648200" cy="3733800"/>
+            <a:off x="2743200" y="1214735"/>
+            <a:ext cx="4038600" cy="2823865"/>
+            <a:chOff x="2743200" y="1214735"/>
+            <a:chExt cx="4038600" cy="2823865"/>
           </a:xfrm>
         </p:grpSpPr>
         <p:sp>
           <p:nvSpPr>
-            <p:cNvPr id="6" name="Rectangle 5"/>
+            <p:cNvPr id="6" name="U-Turn Arrow 5"/>
             <p:cNvSpPr/>
             <p:nvPr/>
           </p:nvSpPr>
           <p:spPr>
-            <a:xfrm>
-              <a:off x="5943600" y="2133600"/>
-              <a:ext cx="1219200" cy="3733800"/>
+            <a:xfrm flipH="1">
+              <a:off x="2743200" y="1219200"/>
+              <a:ext cx="4038600" cy="2819400"/>
             </a:xfrm>
-            <a:prstGeom prst="rect">
-              <a:avLst/>
+            <a:prstGeom prst="uturnArrow">
+              <a:avLst>
+                <a:gd name="adj1" fmla="val 15100"/>
+                <a:gd name="adj2" fmla="val 13488"/>
+                <a:gd name="adj3" fmla="val 14969"/>
+                <a:gd name="adj4" fmla="val 16103"/>
+                <a:gd name="adj5" fmla="val 35419"/>
+              </a:avLst>
             </a:prstGeom>
             <a:solidFill>
-              <a:srgbClr val="FF0000">
-                <a:alpha val="15000"/>
-              </a:srgbClr>
+              <a:srgbClr val="FF0000"/>
             </a:solidFill>
             <a:ln>
               <a:solidFill>
@@ -16992,57 +17236,49 @@
             <a:lstStyle/>
             <a:p>
               <a:pPr algn="ctr"/>
-              <a:endParaRPr lang="en-US"/>
+              <a:endParaRPr lang="en-US" dirty="0">
+                <a:solidFill>
+                  <a:schemeClr val="tx1"/>
+                </a:solidFill>
+              </a:endParaRPr>
             </a:p>
           </p:txBody>
         </p:sp>
         <p:sp>
           <p:nvSpPr>
-            <p:cNvPr id="7" name="Rectangle 6"/>
-            <p:cNvSpPr/>
+            <p:cNvPr id="7" name="TextBox 6"/>
+            <p:cNvSpPr txBox="1"/>
             <p:nvPr/>
           </p:nvSpPr>
           <p:spPr>
             <a:xfrm>
-              <a:off x="2514600" y="2133600"/>
-              <a:ext cx="1219200" cy="3733800"/>
+              <a:off x="4090297" y="1214735"/>
+              <a:ext cx="1344407" cy="461665"/>
             </a:xfrm>
             <a:prstGeom prst="rect">
               <a:avLst/>
             </a:prstGeom>
-            <a:solidFill>
-              <a:srgbClr val="FF0000">
-                <a:alpha val="15000"/>
-              </a:srgbClr>
-            </a:solidFill>
-            <a:ln>
-              <a:solidFill>
-                <a:srgbClr val="C00000"/>
-              </a:solidFill>
-            </a:ln>
+            <a:noFill/>
           </p:spPr>
-          <p:style>
-            <a:lnRef idx="2">
-              <a:schemeClr val="accent1">
-                <a:shade val="50000"/>
-              </a:schemeClr>
-            </a:lnRef>
-            <a:fillRef idx="1">
-              <a:schemeClr val="accent1"/>
-            </a:fillRef>
-            <a:effectRef idx="0">
-              <a:schemeClr val="accent1"/>
-            </a:effectRef>
-            <a:fontRef idx="minor">
-              <a:schemeClr val="lt1"/>
-            </a:fontRef>
-          </p:style>
           <p:txBody>
-            <a:bodyPr rtlCol="0" anchor="ctr"/>
+            <a:bodyPr wrap="none" rtlCol="0">
+              <a:spAutoFit/>
+            </a:bodyPr>
             <a:lstStyle/>
             <a:p>
-              <a:pPr algn="ctr"/>
-              <a:endParaRPr lang="en-US"/>
+              <a:r>
+                <a:rPr lang="en-US" sz="2400" b="1" dirty="0" smtClean="0">
+                  <a:solidFill>
+                    <a:schemeClr val="bg1"/>
+                  </a:solidFill>
+                </a:rPr>
+                <a:t>Integrate</a:t>
+              </a:r>
+              <a:endParaRPr lang="en-US" sz="2400" b="1" dirty="0">
+                <a:solidFill>
+                  <a:schemeClr val="bg1"/>
+                </a:solidFill>
+              </a:endParaRPr>
             </a:p>
           </p:txBody>
         </p:sp>
@@ -17050,7 +17286,7 @@
     </p:spTree>
     <p:extLst>
       <p:ext uri="{BB962C8B-B14F-4D97-AF65-F5344CB8AC3E}">
-        <p14:creationId xmlns:p14="http://schemas.microsoft.com/office/powerpoint/2010/main" val="278321857"/>
+        <p14:creationId xmlns:p14="http://schemas.microsoft.com/office/powerpoint/2010/main" val="3204786605"/>
       </p:ext>
     </p:extLst>
   </p:cSld>
@@ -17078,7 +17314,7 @@
                             </p:stCondLst>
                             <p:childTnLst>
                               <p:par>
-                                <p:cTn id="5" presetID="1" presetClass="entr" presetSubtype="0" fill="hold" nodeType="clickEffect">
+                                <p:cTn id="5" presetID="31" presetClass="entr" presetSubtype="0" fill="hold" nodeType="clickEffect">
                                   <p:stCondLst>
                                     <p:cond delay="0"/>
                                   </p:stCondLst>
@@ -17091,7 +17327,7 @@
                                           </p:stCondLst>
                                         </p:cTn>
                                         <p:tgtEl>
-                                          <p:spTgt spid="3"/>
+                                          <p:spTgt spid="8"/>
                                         </p:tgtEl>
                                         <p:attrNameLst>
                                           <p:attrName>style.visibility</p:attrName>
@@ -17101,6 +17337,83 @@
                                         <p:strVal val="visible"/>
                                       </p:to>
                                     </p:set>
+                                    <p:anim calcmode="lin" valueType="num">
+                                      <p:cBhvr>
+                                        <p:cTn id="7" dur="1000" fill="hold"/>
+                                        <p:tgtEl>
+                                          <p:spTgt spid="8"/>
+                                        </p:tgtEl>
+                                        <p:attrNameLst>
+                                          <p:attrName>ppt_w</p:attrName>
+                                        </p:attrNameLst>
+                                      </p:cBhvr>
+                                      <p:tavLst>
+                                        <p:tav tm="0">
+                                          <p:val>
+                                            <p:fltVal val="0"/>
+                                          </p:val>
+                                        </p:tav>
+                                        <p:tav tm="100000">
+                                          <p:val>
+                                            <p:strVal val="#ppt_w"/>
+                                          </p:val>
+                                        </p:tav>
+                                      </p:tavLst>
+                                    </p:anim>
+                                    <p:anim calcmode="lin" valueType="num">
+                                      <p:cBhvr>
+                                        <p:cTn id="8" dur="1000" fill="hold"/>
+                                        <p:tgtEl>
+                                          <p:spTgt spid="8"/>
+                                        </p:tgtEl>
+                                        <p:attrNameLst>
+                                          <p:attrName>ppt_h</p:attrName>
+                                        </p:attrNameLst>
+                                      </p:cBhvr>
+                                      <p:tavLst>
+                                        <p:tav tm="0">
+                                          <p:val>
+                                            <p:fltVal val="0"/>
+                                          </p:val>
+                                        </p:tav>
+                                        <p:tav tm="100000">
+                                          <p:val>
+                                            <p:strVal val="#ppt_h"/>
+                                          </p:val>
+                                        </p:tav>
+                                      </p:tavLst>
+                                    </p:anim>
+                                    <p:anim calcmode="lin" valueType="num">
+                                      <p:cBhvr>
+                                        <p:cTn id="9" dur="1000" fill="hold"/>
+                                        <p:tgtEl>
+                                          <p:spTgt spid="8"/>
+                                        </p:tgtEl>
+                                        <p:attrNameLst>
+                                          <p:attrName>style.rotation</p:attrName>
+                                        </p:attrNameLst>
+                                      </p:cBhvr>
+                                      <p:tavLst>
+                                        <p:tav tm="0">
+                                          <p:val>
+                                            <p:fltVal val="90"/>
+                                          </p:val>
+                                        </p:tav>
+                                        <p:tav tm="100000">
+                                          <p:val>
+                                            <p:fltVal val="0"/>
+                                          </p:val>
+                                        </p:tav>
+                                      </p:tavLst>
+                                    </p:anim>
+                                    <p:animEffect transition="in" filter="fade">
+                                      <p:cBhvr>
+                                        <p:cTn id="10" dur="1000"/>
+                                        <p:tgtEl>
+                                          <p:spTgt spid="8"/>
+                                        </p:tgtEl>
+                                      </p:cBhvr>
+                                    </p:animEffect>
                                   </p:childTnLst>
                                 </p:cTn>
                               </p:par>
@@ -17135,7 +17448,7 @@
 </p:sld>
 </file>
 
-<file path=ppt/slides/slide33.xml><?xml version="1.0" encoding="utf-8"?>
+<file path=ppt/slides/slide34.xml><?xml version="1.0" encoding="utf-8"?>
 <p:sld xmlns:a="http://schemas.openxmlformats.org/drawingml/2006/main" xmlns:r="http://schemas.openxmlformats.org/officeDocument/2006/relationships" xmlns:p="http://schemas.openxmlformats.org/presentationml/2006/main">
   <p:cSld>
     <p:spTree>
@@ -17170,10 +17483,10 @@
           <a:lstStyle/>
           <a:p>
             <a:r>
-              <a:rPr lang="en-US" dirty="0" smtClean="0"/>
+              <a:rPr lang="en-US" b="1" dirty="0" smtClean="0"/>
               <a:t>Does the biology modify integration?</a:t>
             </a:r>
-            <a:endParaRPr lang="en-US" dirty="0"/>
+            <a:endParaRPr lang="en-US" b="1" dirty="0"/>
           </a:p>
         </p:txBody>
       </p:sp>
@@ -17238,7 +17551,7 @@
 </p:sld>
 </file>
 
-<file path=ppt/slides/slide34.xml><?xml version="1.0" encoding="utf-8"?>
+<file path=ppt/slides/slide35.xml><?xml version="1.0" encoding="utf-8"?>
 <p:sld xmlns:a="http://schemas.openxmlformats.org/drawingml/2006/main" xmlns:r="http://schemas.openxmlformats.org/officeDocument/2006/relationships" xmlns:p="http://schemas.openxmlformats.org/presentationml/2006/main">
   <p:cSld>
     <p:spTree>
@@ -17616,484 +17929,6 @@
 </p:sld>
 </file>
 
-<file path=ppt/slides/slide35.xml><?xml version="1.0" encoding="utf-8"?>
-<p:sld xmlns:a="http://schemas.openxmlformats.org/drawingml/2006/main" xmlns:r="http://schemas.openxmlformats.org/officeDocument/2006/relationships" xmlns:p="http://schemas.openxmlformats.org/presentationml/2006/main">
-  <p:cSld>
-    <p:spTree>
-      <p:nvGrpSpPr>
-        <p:cNvPr id="1" name=""/>
-        <p:cNvGrpSpPr/>
-        <p:nvPr/>
-      </p:nvGrpSpPr>
-      <p:grpSpPr>
-        <a:xfrm>
-          <a:off x="0" y="0"/>
-          <a:ext cx="0" cy="0"/>
-          <a:chOff x="0" y="0"/>
-          <a:chExt cx="0" cy="0"/>
-        </a:xfrm>
-      </p:grpSpPr>
-      <p:sp>
-        <p:nvSpPr>
-          <p:cNvPr id="2" name="Title 1"/>
-          <p:cNvSpPr>
-            <a:spLocks noGrp="1"/>
-          </p:cNvSpPr>
-          <p:nvPr>
-            <p:ph type="title"/>
-          </p:nvPr>
-        </p:nvSpPr>
-        <p:spPr/>
-        <p:txBody>
-          <a:bodyPr>
-            <a:normAutofit fontScale="90000"/>
-          </a:bodyPr>
-          <a:lstStyle/>
-          <a:p>
-            <a:r>
-              <a:rPr lang="en-US" dirty="0"/>
-              <a:t>Calculating Correlation Between miRNA CNV and Expression</a:t>
-            </a:r>
-          </a:p>
-        </p:txBody>
-      </p:sp>
-      <p:sp>
-        <p:nvSpPr>
-          <p:cNvPr id="3" name="Content Placeholder 2"/>
-          <p:cNvSpPr>
-            <a:spLocks noGrp="1"/>
-          </p:cNvSpPr>
-          <p:nvPr>
-            <p:ph idx="1"/>
-          </p:nvPr>
-        </p:nvSpPr>
-        <p:spPr/>
-        <p:txBody>
-          <a:bodyPr>
-            <a:normAutofit/>
-          </a:bodyPr>
-          <a:lstStyle/>
-          <a:p>
-            <a:pPr>
-              <a:buClrTx/>
-              <a:buFontTx/>
-              <a:buNone/>
-            </a:pPr>
-            <a:r>
-              <a:rPr lang="en-US" sz="2000" dirty="0">
-                <a:latin typeface="Arial" pitchFamily="34" charset="0"/>
-                <a:cs typeface="Arial" pitchFamily="34" charset="0"/>
-              </a:rPr>
-              <a:t>Use a </a:t>
-            </a:r>
-            <a:r>
-              <a:rPr lang="en-US" sz="2000" dirty="0" smtClean="0">
-                <a:latin typeface="Arial" pitchFamily="34" charset="0"/>
-                <a:cs typeface="Arial" pitchFamily="34" charset="0"/>
-              </a:rPr>
-              <a:t>correlation </a:t>
-            </a:r>
-            <a:r>
-              <a:rPr lang="en-US" sz="2000" dirty="0">
-                <a:latin typeface="Arial" pitchFamily="34" charset="0"/>
-                <a:cs typeface="Arial" pitchFamily="34" charset="0"/>
-              </a:rPr>
-              <a:t>to identify the </a:t>
-            </a:r>
-            <a:r>
-              <a:rPr lang="en-US" sz="2000" dirty="0" smtClean="0">
-                <a:latin typeface="Arial" pitchFamily="34" charset="0"/>
-                <a:cs typeface="Arial" pitchFamily="34" charset="0"/>
-              </a:rPr>
-              <a:t>copy number variants that have a dose</a:t>
-            </a:r>
-          </a:p>
-          <a:p>
-            <a:pPr>
-              <a:buClrTx/>
-              <a:buFontTx/>
-              <a:buNone/>
-            </a:pPr>
-            <a:r>
-              <a:rPr lang="en-US" sz="2000" dirty="0" smtClean="0">
-                <a:latin typeface="Arial" pitchFamily="34" charset="0"/>
-                <a:cs typeface="Arial" pitchFamily="34" charset="0"/>
-              </a:rPr>
-              <a:t>dependent effect on miRNA expression:</a:t>
-            </a:r>
-            <a:endParaRPr lang="en-US" sz="2000" dirty="0">
-              <a:latin typeface="Arial" pitchFamily="34" charset="0"/>
-              <a:cs typeface="Arial" pitchFamily="34" charset="0"/>
-            </a:endParaRPr>
-          </a:p>
-          <a:p>
-            <a:pPr>
-              <a:buClrTx/>
-              <a:buFontTx/>
-              <a:buNone/>
-            </a:pPr>
-            <a:endParaRPr lang="en-US" sz="1400" dirty="0">
-              <a:latin typeface="Arial" pitchFamily="34" charset="0"/>
-              <a:cs typeface="Arial" pitchFamily="34" charset="0"/>
-            </a:endParaRPr>
-          </a:p>
-          <a:p>
-            <a:pPr>
-              <a:buClrTx/>
-              <a:buFontTx/>
-              <a:buNone/>
-            </a:pPr>
-            <a:r>
-              <a:rPr lang="en-US" sz="1400" b="1" dirty="0">
-                <a:latin typeface="Arial" pitchFamily="34" charset="0"/>
-                <a:cs typeface="Arial" pitchFamily="34" charset="0"/>
-              </a:rPr>
-              <a:t>Input:</a:t>
-            </a:r>
-            <a:r>
-              <a:rPr lang="en-US" sz="1400" dirty="0">
-                <a:latin typeface="Arial" pitchFamily="34" charset="0"/>
-                <a:cs typeface="Arial" pitchFamily="34" charset="0"/>
-              </a:rPr>
-              <a:t>  cnvData_miRNAExp.csv - matrix of miRNA expression profiles</a:t>
-            </a:r>
-          </a:p>
-          <a:p>
-            <a:pPr>
-              <a:buClrTx/>
-              <a:buFontTx/>
-              <a:buNone/>
-            </a:pPr>
-            <a:endParaRPr lang="en-US" sz="1400" dirty="0">
-              <a:latin typeface="Arial" pitchFamily="34" charset="0"/>
-              <a:cs typeface="Arial" pitchFamily="34" charset="0"/>
-            </a:endParaRPr>
-          </a:p>
-          <a:p>
-            <a:pPr>
-              <a:buClrTx/>
-              <a:buFontTx/>
-              <a:buNone/>
-            </a:pPr>
-            <a:r>
-              <a:rPr lang="en-US" sz="1400" b="1" dirty="0">
-                <a:latin typeface="Arial" pitchFamily="34" charset="0"/>
-                <a:cs typeface="Arial" pitchFamily="34" charset="0"/>
-              </a:rPr>
-              <a:t>Desired output:</a:t>
-            </a:r>
-            <a:r>
-              <a:rPr lang="en-US" sz="1400" dirty="0">
-                <a:latin typeface="Arial" pitchFamily="34" charset="0"/>
-                <a:cs typeface="Arial" pitchFamily="34" charset="0"/>
-              </a:rPr>
-              <a:t>  </a:t>
-            </a:r>
-          </a:p>
-          <a:p>
-            <a:pPr lvl="1">
-              <a:buFont typeface="Arial" pitchFamily="34" charset="0"/>
-              <a:buChar char="•"/>
-            </a:pPr>
-            <a:r>
-              <a:rPr lang="en-US" sz="1400" b="1" dirty="0" smtClean="0">
-                <a:latin typeface="Arial" pitchFamily="34" charset="0"/>
-                <a:cs typeface="Arial" pitchFamily="34" charset="0"/>
-              </a:rPr>
-              <a:t>corTestCnvExp_miRNA_gbm.csv</a:t>
-            </a:r>
-            <a:r>
-              <a:rPr lang="en-US" sz="1400" dirty="0" smtClean="0">
-                <a:latin typeface="Arial" pitchFamily="34" charset="0"/>
-                <a:cs typeface="Arial" pitchFamily="34" charset="0"/>
-              </a:rPr>
-              <a:t> </a:t>
-            </a:r>
-            <a:r>
-              <a:rPr lang="en-US" sz="1400" dirty="0">
-                <a:latin typeface="Arial" pitchFamily="34" charset="0"/>
-                <a:cs typeface="Arial" pitchFamily="34" charset="0"/>
-              </a:rPr>
-              <a:t>- a matrix of </a:t>
-            </a:r>
-            <a:r>
-              <a:rPr lang="en-US" sz="1400" dirty="0" smtClean="0">
-                <a:latin typeface="Arial" pitchFamily="34" charset="0"/>
-                <a:cs typeface="Arial" pitchFamily="34" charset="0"/>
-              </a:rPr>
-              <a:t>correlation coefficients, correlation p-values, and </a:t>
-            </a:r>
-            <a:r>
-              <a:rPr lang="en-US" sz="1400" dirty="0" err="1" smtClean="0">
-                <a:latin typeface="Arial" pitchFamily="34" charset="0"/>
-                <a:cs typeface="Arial" pitchFamily="34" charset="0"/>
-              </a:rPr>
-              <a:t>Bonferroni</a:t>
-            </a:r>
-            <a:r>
-              <a:rPr lang="en-US" sz="1400" dirty="0" smtClean="0">
-                <a:latin typeface="Arial" pitchFamily="34" charset="0"/>
-                <a:cs typeface="Arial" pitchFamily="34" charset="0"/>
-              </a:rPr>
-              <a:t> </a:t>
-            </a:r>
-            <a:r>
-              <a:rPr lang="en-US" sz="1400" dirty="0">
-                <a:latin typeface="Arial" pitchFamily="34" charset="0"/>
-                <a:cs typeface="Arial" pitchFamily="34" charset="0"/>
-              </a:rPr>
-              <a:t>and </a:t>
-            </a:r>
-            <a:r>
-              <a:rPr lang="en-US" sz="1400" dirty="0" err="1">
-                <a:latin typeface="Arial" pitchFamily="34" charset="0"/>
-                <a:cs typeface="Arial" pitchFamily="34" charset="0"/>
-              </a:rPr>
-              <a:t>Benjamini</a:t>
-            </a:r>
-            <a:r>
-              <a:rPr lang="en-US" sz="1400" dirty="0">
-                <a:latin typeface="Arial" pitchFamily="34" charset="0"/>
-                <a:cs typeface="Arial" pitchFamily="34" charset="0"/>
-              </a:rPr>
-              <a:t>-Hochberg correction in separate columns labeled by miRNA names (write them out sorted by </a:t>
-            </a:r>
-            <a:r>
-              <a:rPr lang="en-US" sz="1400" dirty="0" err="1">
-                <a:latin typeface="Arial" pitchFamily="34" charset="0"/>
-                <a:cs typeface="Arial" pitchFamily="34" charset="0"/>
-              </a:rPr>
-              <a:t>Benjamini</a:t>
-            </a:r>
-            <a:r>
-              <a:rPr lang="en-US" sz="1400" dirty="0">
-                <a:latin typeface="Arial" pitchFamily="34" charset="0"/>
-                <a:cs typeface="Arial" pitchFamily="34" charset="0"/>
-              </a:rPr>
-              <a:t>-Hochberg corrected p-values</a:t>
-            </a:r>
-            <a:r>
-              <a:rPr lang="en-US" sz="1400" dirty="0" smtClean="0">
-                <a:latin typeface="Arial" pitchFamily="34" charset="0"/>
-                <a:cs typeface="Arial" pitchFamily="34" charset="0"/>
-              </a:rPr>
-              <a:t>).</a:t>
-            </a:r>
-          </a:p>
-          <a:p>
-            <a:pPr lvl="1">
-              <a:buFont typeface="Arial" pitchFamily="34" charset="0"/>
-              <a:buChar char="•"/>
-            </a:pPr>
-            <a:endParaRPr lang="en-US" sz="1400" dirty="0">
-              <a:latin typeface="Arial" pitchFamily="34" charset="0"/>
-              <a:cs typeface="Arial" pitchFamily="34" charset="0"/>
-            </a:endParaRPr>
-          </a:p>
-          <a:p>
-            <a:pPr lvl="1">
-              <a:buFont typeface="Arial" pitchFamily="34" charset="0"/>
-              <a:buChar char="•"/>
-            </a:pPr>
-            <a:r>
-              <a:rPr lang="en-US" sz="1400" b="1" dirty="0" smtClean="0">
-                <a:latin typeface="Arial" pitchFamily="34" charset="0"/>
-                <a:cs typeface="Arial" pitchFamily="34" charset="0"/>
-              </a:rPr>
-              <a:t>corTestCnvExp_miRNA_gbm.pdf</a:t>
-            </a:r>
-            <a:r>
-              <a:rPr lang="en-US" sz="1400" dirty="0" smtClean="0">
-                <a:latin typeface="Arial" pitchFamily="34" charset="0"/>
-                <a:cs typeface="Arial" pitchFamily="34" charset="0"/>
-              </a:rPr>
-              <a:t> – scatter plots of the top 15 miRNAs correlated with CNV variation.</a:t>
-            </a:r>
-          </a:p>
-          <a:p>
-            <a:pPr lvl="1">
-              <a:buFont typeface="Arial" pitchFamily="34" charset="0"/>
-              <a:buChar char="•"/>
-            </a:pPr>
-            <a:endParaRPr lang="en-US" sz="1400" b="1" dirty="0">
-              <a:latin typeface="Arial" pitchFamily="34" charset="0"/>
-              <a:cs typeface="Arial" pitchFamily="34" charset="0"/>
-            </a:endParaRPr>
-          </a:p>
-          <a:p>
-            <a:pPr lvl="1">
-              <a:buFont typeface="Arial" pitchFamily="34" charset="0"/>
-              <a:buChar char="•"/>
-            </a:pPr>
-            <a:r>
-              <a:rPr lang="en-US" sz="1400" dirty="0" smtClean="0">
-                <a:latin typeface="Arial" pitchFamily="34" charset="0"/>
-                <a:cs typeface="Arial" pitchFamily="34" charset="0"/>
-              </a:rPr>
-              <a:t>Best two candidate miRNAs for follow-up studies.</a:t>
-            </a:r>
-          </a:p>
-          <a:p>
-            <a:pPr lvl="1">
-              <a:buFont typeface="Arial" pitchFamily="34" charset="0"/>
-              <a:buChar char="•"/>
-            </a:pPr>
-            <a:endParaRPr lang="en-US" sz="1400" b="1" dirty="0" smtClean="0">
-              <a:latin typeface="Arial" pitchFamily="34" charset="0"/>
-              <a:cs typeface="Arial" pitchFamily="34" charset="0"/>
-            </a:endParaRPr>
-          </a:p>
-          <a:p>
-            <a:pPr>
-              <a:buClrTx/>
-              <a:buFontTx/>
-              <a:buNone/>
-            </a:pPr>
-            <a:r>
-              <a:rPr lang="en-US" sz="1400" b="1" dirty="0" smtClean="0">
-                <a:latin typeface="Arial" pitchFamily="34" charset="0"/>
-                <a:cs typeface="Arial" pitchFamily="34" charset="0"/>
-              </a:rPr>
-              <a:t>Useful </a:t>
-            </a:r>
-            <a:r>
-              <a:rPr lang="en-US" sz="1400" b="1" dirty="0">
-                <a:latin typeface="Arial" pitchFamily="34" charset="0"/>
-                <a:cs typeface="Arial" pitchFamily="34" charset="0"/>
-              </a:rPr>
-              <a:t>functions:</a:t>
-            </a:r>
-            <a:r>
-              <a:rPr lang="en-US" sz="1400" dirty="0">
-                <a:latin typeface="Arial" pitchFamily="34" charset="0"/>
-                <a:cs typeface="Arial" pitchFamily="34" charset="0"/>
-              </a:rPr>
-              <a:t>  read.csv, </a:t>
-            </a:r>
-            <a:r>
-              <a:rPr lang="en-US" sz="1400" dirty="0" err="1" smtClean="0">
-                <a:latin typeface="Arial" pitchFamily="34" charset="0"/>
-                <a:cs typeface="Arial" pitchFamily="34" charset="0"/>
-              </a:rPr>
-              <a:t>cor.test</a:t>
-            </a:r>
-            <a:r>
-              <a:rPr lang="en-US" sz="1400" dirty="0">
-                <a:latin typeface="Arial" pitchFamily="34" charset="0"/>
-                <a:cs typeface="Arial" pitchFamily="34" charset="0"/>
-              </a:rPr>
-              <a:t>, </a:t>
-            </a:r>
-            <a:r>
-              <a:rPr lang="en-US" sz="1400" dirty="0" err="1">
-                <a:latin typeface="Arial" pitchFamily="34" charset="0"/>
-                <a:cs typeface="Arial" pitchFamily="34" charset="0"/>
-              </a:rPr>
-              <a:t>sapply</a:t>
-            </a:r>
-            <a:r>
-              <a:rPr lang="en-US" sz="1400" dirty="0">
-                <a:latin typeface="Arial" pitchFamily="34" charset="0"/>
-                <a:cs typeface="Arial" pitchFamily="34" charset="0"/>
-              </a:rPr>
-              <a:t>, </a:t>
-            </a:r>
-            <a:r>
-              <a:rPr lang="en-US" sz="1400" dirty="0" err="1">
-                <a:latin typeface="Arial" pitchFamily="34" charset="0"/>
-                <a:cs typeface="Arial" pitchFamily="34" charset="0"/>
-              </a:rPr>
-              <a:t>p.adjust</a:t>
-            </a:r>
-            <a:r>
-              <a:rPr lang="en-US" sz="1400" dirty="0">
-                <a:latin typeface="Arial" pitchFamily="34" charset="0"/>
-                <a:cs typeface="Arial" pitchFamily="34" charset="0"/>
-              </a:rPr>
-              <a:t>, order, write.csv, print, </a:t>
-            </a:r>
-            <a:r>
-              <a:rPr lang="en-US" sz="1400" dirty="0" err="1">
-                <a:latin typeface="Arial" pitchFamily="34" charset="0"/>
-                <a:cs typeface="Arial" pitchFamily="34" charset="0"/>
-              </a:rPr>
-              <a:t>pdf</a:t>
-            </a:r>
-            <a:r>
-              <a:rPr lang="en-US" sz="1400" dirty="0">
-                <a:latin typeface="Arial" pitchFamily="34" charset="0"/>
-                <a:cs typeface="Arial" pitchFamily="34" charset="0"/>
-              </a:rPr>
-              <a:t>, plot, t, </a:t>
-            </a:r>
-            <a:r>
-              <a:rPr lang="en-US" sz="1400" dirty="0" err="1">
-                <a:latin typeface="Arial" pitchFamily="34" charset="0"/>
-                <a:cs typeface="Arial" pitchFamily="34" charset="0"/>
-              </a:rPr>
-              <a:t>pdf</a:t>
-            </a:r>
-            <a:r>
-              <a:rPr lang="en-US" sz="1400" dirty="0">
-                <a:latin typeface="Arial" pitchFamily="34" charset="0"/>
-                <a:cs typeface="Arial" pitchFamily="34" charset="0"/>
-              </a:rPr>
-              <a:t>, </a:t>
-            </a:r>
-            <a:r>
-              <a:rPr lang="en-US" sz="1400" dirty="0" err="1">
-                <a:latin typeface="Arial" pitchFamily="34" charset="0"/>
-                <a:cs typeface="Arial" pitchFamily="34" charset="0"/>
-              </a:rPr>
-              <a:t>dev.off</a:t>
-            </a:r>
-            <a:r>
-              <a:rPr lang="en-US" sz="1400" dirty="0">
-                <a:latin typeface="Arial" pitchFamily="34" charset="0"/>
-                <a:cs typeface="Arial" pitchFamily="34" charset="0"/>
-              </a:rPr>
-              <a:t>,</a:t>
-            </a:r>
-          </a:p>
-          <a:p>
-            <a:pPr>
-              <a:buClrTx/>
-              <a:buFontTx/>
-              <a:buNone/>
-            </a:pPr>
-            <a:r>
-              <a:rPr lang="en-US" sz="1400" dirty="0">
-                <a:latin typeface="Arial" pitchFamily="34" charset="0"/>
-                <a:cs typeface="Arial" pitchFamily="34" charset="0"/>
-              </a:rPr>
-              <a:t>paste</a:t>
-            </a:r>
-          </a:p>
-          <a:p>
-            <a:endParaRPr lang="en-US" dirty="0"/>
-          </a:p>
-        </p:txBody>
-      </p:sp>
-    </p:spTree>
-    <p:extLst>
-      <p:ext uri="{BB962C8B-B14F-4D97-AF65-F5344CB8AC3E}">
-        <p14:creationId xmlns:p14="http://schemas.microsoft.com/office/powerpoint/2010/main" val="1213682884"/>
-      </p:ext>
-    </p:extLst>
-  </p:cSld>
-  <p:clrMapOvr>
-    <a:masterClrMapping/>
-  </p:clrMapOvr>
-  <p:timing>
-    <p:tnLst>
-      <p:par>
-        <p:cTn id="1" dur="indefinite" restart="never" nodeType="tmRoot"/>
-      </p:par>
-    </p:tnLst>
-  </p:timing>
-</p:sld>
-</file>
-
 <file path=ppt/slides/slide36.xml><?xml version="1.0" encoding="utf-8"?>
 <p:sld xmlns:a="http://schemas.openxmlformats.org/drawingml/2006/main" xmlns:r="http://schemas.openxmlformats.org/officeDocument/2006/relationships" xmlns:p="http://schemas.openxmlformats.org/presentationml/2006/main">
   <p:cSld>
@@ -18123,150 +17958,439 @@
         </p:nvSpPr>
         <p:spPr/>
         <p:txBody>
-          <a:bodyPr/>
-          <a:lstStyle/>
-          <a:p>
-            <a:r>
-              <a:rPr lang="en-US" dirty="0" smtClean="0"/>
-              <a:t>Formulae in R</a:t>
-            </a:r>
-            <a:endParaRPr lang="en-US" dirty="0"/>
-          </a:p>
-        </p:txBody>
-      </p:sp>
-      <p:sp>
-        <p:nvSpPr>
-          <p:cNvPr id="3" name="Content Placeholder 2"/>
-          <p:cNvSpPr>
-            <a:spLocks noGrp="1"/>
-          </p:cNvSpPr>
-          <p:nvPr>
-            <p:ph idx="1"/>
-          </p:nvPr>
-        </p:nvSpPr>
-        <p:spPr/>
-        <p:txBody>
           <a:bodyPr>
-            <a:normAutofit lnSpcReduction="10000"/>
+            <a:normAutofit fontScale="90000"/>
           </a:bodyPr>
           <a:lstStyle/>
           <a:p>
-            <a:pPr marL="0" indent="0">
+            <a:r>
+              <a:rPr lang="en-US" dirty="0"/>
+              <a:t>Calculating Correlation Between miRNA CNV and Expression</a:t>
+            </a:r>
+          </a:p>
+        </p:txBody>
+      </p:sp>
+      <p:sp>
+        <p:nvSpPr>
+          <p:cNvPr id="3" name="Content Placeholder 2"/>
+          <p:cNvSpPr>
+            <a:spLocks noGrp="1"/>
+          </p:cNvSpPr>
+          <p:nvPr>
+            <p:ph idx="1"/>
+          </p:nvPr>
+        </p:nvSpPr>
+        <p:spPr/>
+        <p:txBody>
+          <a:bodyPr>
+            <a:normAutofit/>
+          </a:bodyPr>
+          <a:lstStyle/>
+          <a:p>
+            <a:pPr>
+              <a:buClrTx/>
+              <a:buFontTx/>
               <a:buNone/>
             </a:pPr>
             <a:r>
-              <a:rPr lang="en-US" dirty="0" smtClean="0"/>
-              <a:t>Formulae in R are very handy:</a:t>
-            </a:r>
-          </a:p>
-          <a:p>
-            <a:pPr marL="0" indent="0">
+              <a:rPr lang="en-US" sz="2000" dirty="0">
+                <a:latin typeface="Arial" pitchFamily="34" charset="0"/>
+                <a:cs typeface="Arial" pitchFamily="34" charset="0"/>
+              </a:rPr>
+              <a:t>Use a </a:t>
+            </a:r>
+            <a:r>
+              <a:rPr lang="en-US" sz="2000" dirty="0" smtClean="0">
+                <a:latin typeface="Arial" pitchFamily="34" charset="0"/>
+                <a:cs typeface="Arial" pitchFamily="34" charset="0"/>
+              </a:rPr>
+              <a:t>correlation </a:t>
+            </a:r>
+            <a:r>
+              <a:rPr lang="en-US" sz="2000" dirty="0">
+                <a:latin typeface="Arial" pitchFamily="34" charset="0"/>
+                <a:cs typeface="Arial" pitchFamily="34" charset="0"/>
+              </a:rPr>
+              <a:t>to identify the </a:t>
+            </a:r>
+            <a:r>
+              <a:rPr lang="en-US" sz="2000" dirty="0" smtClean="0">
+                <a:latin typeface="Arial" pitchFamily="34" charset="0"/>
+                <a:cs typeface="Arial" pitchFamily="34" charset="0"/>
+              </a:rPr>
+              <a:t>copy number variants that have a dose</a:t>
+            </a:r>
+          </a:p>
+          <a:p>
+            <a:pPr>
+              <a:buClrTx/>
+              <a:buFontTx/>
               <a:buNone/>
             </a:pPr>
+            <a:r>
+              <a:rPr lang="en-US" sz="2000" dirty="0" smtClean="0">
+                <a:latin typeface="Arial" pitchFamily="34" charset="0"/>
+                <a:cs typeface="Arial" pitchFamily="34" charset="0"/>
+              </a:rPr>
+              <a:t>dependent effect on miRNA expression:</a:t>
+            </a:r>
+            <a:endParaRPr lang="en-US" sz="2000" dirty="0">
+              <a:latin typeface="Arial" pitchFamily="34" charset="0"/>
+              <a:cs typeface="Arial" pitchFamily="34" charset="0"/>
+            </a:endParaRPr>
+          </a:p>
+          <a:p>
+            <a:pPr>
+              <a:buClrTx/>
+              <a:buFontTx/>
+              <a:buNone/>
+            </a:pPr>
+            <a:endParaRPr lang="en-US" sz="1400" dirty="0">
+              <a:latin typeface="Arial" pitchFamily="34" charset="0"/>
+              <a:cs typeface="Arial" pitchFamily="34" charset="0"/>
+            </a:endParaRPr>
+          </a:p>
+          <a:p>
+            <a:pPr>
+              <a:buClrTx/>
+              <a:buFontTx/>
+              <a:buNone/>
+            </a:pPr>
+            <a:r>
+              <a:rPr lang="en-US" sz="1400" b="1" dirty="0">
+                <a:latin typeface="Arial" pitchFamily="34" charset="0"/>
+                <a:cs typeface="Arial" pitchFamily="34" charset="0"/>
+              </a:rPr>
+              <a:t>Input:</a:t>
+            </a:r>
+            <a:r>
+              <a:rPr lang="en-US" sz="1400" dirty="0">
+                <a:latin typeface="Arial" pitchFamily="34" charset="0"/>
+                <a:cs typeface="Arial" pitchFamily="34" charset="0"/>
+              </a:rPr>
+              <a:t>  cnvData_miRNAExp.csv - matrix of miRNA expression profiles</a:t>
+            </a:r>
+          </a:p>
+          <a:p>
+            <a:pPr>
+              <a:buClrTx/>
+              <a:buFontTx/>
+              <a:buNone/>
+            </a:pPr>
+            <a:endParaRPr lang="en-US" sz="1400" dirty="0">
+              <a:latin typeface="Arial" pitchFamily="34" charset="0"/>
+              <a:cs typeface="Arial" pitchFamily="34" charset="0"/>
+            </a:endParaRPr>
+          </a:p>
+          <a:p>
+            <a:pPr>
+              <a:buClrTx/>
+              <a:buFontTx/>
+              <a:buNone/>
+            </a:pPr>
+            <a:r>
+              <a:rPr lang="en-US" sz="1400" b="1" dirty="0">
+                <a:latin typeface="Arial" pitchFamily="34" charset="0"/>
+                <a:cs typeface="Arial" pitchFamily="34" charset="0"/>
+              </a:rPr>
+              <a:t>Desired output:</a:t>
+            </a:r>
+            <a:r>
+              <a:rPr lang="en-US" sz="1400" dirty="0">
+                <a:latin typeface="Arial" pitchFamily="34" charset="0"/>
+                <a:cs typeface="Arial" pitchFamily="34" charset="0"/>
+              </a:rPr>
+              <a:t>  </a:t>
+            </a:r>
+          </a:p>
+          <a:p>
+            <a:pPr lvl="1">
+              <a:buFont typeface="Arial" pitchFamily="34" charset="0"/>
+              <a:buChar char="•"/>
+            </a:pPr>
+            <a:r>
+              <a:rPr lang="en-US" sz="1400" b="1" dirty="0" smtClean="0">
+                <a:latin typeface="Arial" pitchFamily="34" charset="0"/>
+                <a:cs typeface="Arial" pitchFamily="34" charset="0"/>
+              </a:rPr>
+              <a:t>corTestCnvExp_miRNA_gbm.csv</a:t>
+            </a:r>
+            <a:r>
+              <a:rPr lang="en-US" sz="1400" dirty="0" smtClean="0">
+                <a:latin typeface="Arial" pitchFamily="34" charset="0"/>
+                <a:cs typeface="Arial" pitchFamily="34" charset="0"/>
+              </a:rPr>
+              <a:t> </a:t>
+            </a:r>
+            <a:r>
+              <a:rPr lang="en-US" sz="1400" dirty="0">
+                <a:latin typeface="Arial" pitchFamily="34" charset="0"/>
+                <a:cs typeface="Arial" pitchFamily="34" charset="0"/>
+              </a:rPr>
+              <a:t>- a matrix of </a:t>
+            </a:r>
+            <a:r>
+              <a:rPr lang="en-US" sz="1400" dirty="0" smtClean="0">
+                <a:latin typeface="Arial" pitchFamily="34" charset="0"/>
+                <a:cs typeface="Arial" pitchFamily="34" charset="0"/>
+              </a:rPr>
+              <a:t>correlation coefficients, correlation p-values, and </a:t>
+            </a:r>
+            <a:r>
+              <a:rPr lang="en-US" sz="1400" dirty="0" err="1" smtClean="0">
+                <a:latin typeface="Arial" pitchFamily="34" charset="0"/>
+                <a:cs typeface="Arial" pitchFamily="34" charset="0"/>
+              </a:rPr>
+              <a:t>Bonferroni</a:t>
+            </a:r>
+            <a:r>
+              <a:rPr lang="en-US" sz="1400" dirty="0" smtClean="0">
+                <a:latin typeface="Arial" pitchFamily="34" charset="0"/>
+                <a:cs typeface="Arial" pitchFamily="34" charset="0"/>
+              </a:rPr>
+              <a:t> </a:t>
+            </a:r>
+            <a:r>
+              <a:rPr lang="en-US" sz="1400" dirty="0">
+                <a:latin typeface="Arial" pitchFamily="34" charset="0"/>
+                <a:cs typeface="Arial" pitchFamily="34" charset="0"/>
+              </a:rPr>
+              <a:t>and </a:t>
+            </a:r>
+            <a:r>
+              <a:rPr lang="en-US" sz="1400" dirty="0" err="1">
+                <a:latin typeface="Arial" pitchFamily="34" charset="0"/>
+                <a:cs typeface="Arial" pitchFamily="34" charset="0"/>
+              </a:rPr>
+              <a:t>Benjamini</a:t>
+            </a:r>
+            <a:r>
+              <a:rPr lang="en-US" sz="1400" dirty="0">
+                <a:latin typeface="Arial" pitchFamily="34" charset="0"/>
+                <a:cs typeface="Arial" pitchFamily="34" charset="0"/>
+              </a:rPr>
+              <a:t>-Hochberg correction in separate columns labeled by miRNA names (write them out sorted by </a:t>
+            </a:r>
+            <a:r>
+              <a:rPr lang="en-US" sz="1400" dirty="0" err="1">
+                <a:latin typeface="Arial" pitchFamily="34" charset="0"/>
+                <a:cs typeface="Arial" pitchFamily="34" charset="0"/>
+              </a:rPr>
+              <a:t>Benjamini</a:t>
+            </a:r>
+            <a:r>
+              <a:rPr lang="en-US" sz="1400" dirty="0">
+                <a:latin typeface="Arial" pitchFamily="34" charset="0"/>
+                <a:cs typeface="Arial" pitchFamily="34" charset="0"/>
+              </a:rPr>
+              <a:t>-Hochberg corrected p-values</a:t>
+            </a:r>
+            <a:r>
+              <a:rPr lang="en-US" sz="1400" dirty="0" smtClean="0">
+                <a:latin typeface="Arial" pitchFamily="34" charset="0"/>
+                <a:cs typeface="Arial" pitchFamily="34" charset="0"/>
+              </a:rPr>
+              <a:t>).</a:t>
+            </a:r>
+          </a:p>
+          <a:p>
+            <a:pPr lvl="1">
+              <a:buFont typeface="Arial" pitchFamily="34" charset="0"/>
+              <a:buChar char="•"/>
+            </a:pPr>
+            <a:endParaRPr lang="en-US" sz="1400" dirty="0">
+              <a:latin typeface="Arial" pitchFamily="34" charset="0"/>
+              <a:cs typeface="Arial" pitchFamily="34" charset="0"/>
+            </a:endParaRPr>
+          </a:p>
+          <a:p>
+            <a:pPr lvl="1">
+              <a:buFont typeface="Arial" pitchFamily="34" charset="0"/>
+              <a:buChar char="•"/>
+            </a:pPr>
+            <a:r>
+              <a:rPr lang="en-US" sz="1400" b="1" dirty="0" smtClean="0">
+                <a:latin typeface="Arial" pitchFamily="34" charset="0"/>
+                <a:cs typeface="Arial" pitchFamily="34" charset="0"/>
+              </a:rPr>
+              <a:t>corTestCnvExp_miRNA_gbm.pdf</a:t>
+            </a:r>
+            <a:r>
+              <a:rPr lang="en-US" sz="1400" dirty="0" smtClean="0">
+                <a:latin typeface="Arial" pitchFamily="34" charset="0"/>
+                <a:cs typeface="Arial" pitchFamily="34" charset="0"/>
+              </a:rPr>
+              <a:t> – scatter plots of the top 15 miRNAs correlated with CNV variation.</a:t>
+            </a:r>
+          </a:p>
+          <a:p>
+            <a:pPr lvl="1">
+              <a:buFont typeface="Arial" pitchFamily="34" charset="0"/>
+              <a:buChar char="•"/>
+            </a:pPr>
+            <a:endParaRPr lang="en-US" sz="1400" b="1" dirty="0">
+              <a:latin typeface="Arial" pitchFamily="34" charset="0"/>
+              <a:cs typeface="Arial" pitchFamily="34" charset="0"/>
+            </a:endParaRPr>
+          </a:p>
+          <a:p>
+            <a:pPr lvl="1">
+              <a:buFont typeface="Arial" pitchFamily="34" charset="0"/>
+              <a:buChar char="•"/>
+            </a:pPr>
+            <a:r>
+              <a:rPr lang="en-US" sz="1400" dirty="0" smtClean="0">
+                <a:latin typeface="Arial" pitchFamily="34" charset="0"/>
+                <a:cs typeface="Arial" pitchFamily="34" charset="0"/>
+              </a:rPr>
+              <a:t>Best two candidate miRNAs for follow-up studies.</a:t>
+            </a:r>
+          </a:p>
+          <a:p>
+            <a:pPr lvl="1">
+              <a:buFont typeface="Arial" pitchFamily="34" charset="0"/>
+              <a:buChar char="•"/>
+            </a:pPr>
+            <a:endParaRPr lang="en-US" sz="1400" b="1" dirty="0" smtClean="0">
+              <a:latin typeface="Arial" pitchFamily="34" charset="0"/>
+              <a:cs typeface="Arial" pitchFamily="34" charset="0"/>
+            </a:endParaRPr>
+          </a:p>
+          <a:p>
+            <a:pPr>
+              <a:buClrTx/>
+              <a:buFontTx/>
+              <a:buNone/>
+            </a:pPr>
+            <a:r>
+              <a:rPr lang="en-US" sz="1400" b="1" dirty="0" smtClean="0">
+                <a:latin typeface="Arial" pitchFamily="34" charset="0"/>
+                <a:cs typeface="Arial" pitchFamily="34" charset="0"/>
+              </a:rPr>
+              <a:t>Useful </a:t>
+            </a:r>
+            <a:r>
+              <a:rPr lang="en-US" sz="1400" b="1" dirty="0">
+                <a:latin typeface="Arial" pitchFamily="34" charset="0"/>
+                <a:cs typeface="Arial" pitchFamily="34" charset="0"/>
+              </a:rPr>
+              <a:t>functions:</a:t>
+            </a:r>
+            <a:r>
+              <a:rPr lang="en-US" sz="1400" dirty="0">
+                <a:latin typeface="Arial" pitchFamily="34" charset="0"/>
+                <a:cs typeface="Arial" pitchFamily="34" charset="0"/>
+              </a:rPr>
+              <a:t>  read.csv, </a:t>
+            </a:r>
+            <a:r>
+              <a:rPr lang="en-US" sz="1400" dirty="0" err="1" smtClean="0">
+                <a:latin typeface="Arial" pitchFamily="34" charset="0"/>
+                <a:cs typeface="Arial" pitchFamily="34" charset="0"/>
+              </a:rPr>
+              <a:t>cor.test</a:t>
+            </a:r>
+            <a:r>
+              <a:rPr lang="en-US" sz="1400" dirty="0">
+                <a:latin typeface="Arial" pitchFamily="34" charset="0"/>
+                <a:cs typeface="Arial" pitchFamily="34" charset="0"/>
+              </a:rPr>
+              <a:t>, </a:t>
+            </a:r>
+            <a:r>
+              <a:rPr lang="en-US" sz="1400" dirty="0" err="1">
+                <a:latin typeface="Arial" pitchFamily="34" charset="0"/>
+                <a:cs typeface="Arial" pitchFamily="34" charset="0"/>
+              </a:rPr>
+              <a:t>sapply</a:t>
+            </a:r>
+            <a:r>
+              <a:rPr lang="en-US" sz="1400" dirty="0">
+                <a:latin typeface="Arial" pitchFamily="34" charset="0"/>
+                <a:cs typeface="Arial" pitchFamily="34" charset="0"/>
+              </a:rPr>
+              <a:t>, </a:t>
+            </a:r>
+            <a:r>
+              <a:rPr lang="en-US" sz="1400" dirty="0" err="1">
+                <a:latin typeface="Arial" pitchFamily="34" charset="0"/>
+                <a:cs typeface="Arial" pitchFamily="34" charset="0"/>
+              </a:rPr>
+              <a:t>p.adjust</a:t>
+            </a:r>
+            <a:r>
+              <a:rPr lang="en-US" sz="1400" dirty="0">
+                <a:latin typeface="Arial" pitchFamily="34" charset="0"/>
+                <a:cs typeface="Arial" pitchFamily="34" charset="0"/>
+              </a:rPr>
+              <a:t>, order, write.csv, print, </a:t>
+            </a:r>
+            <a:r>
+              <a:rPr lang="en-US" sz="1400" dirty="0" err="1">
+                <a:latin typeface="Arial" pitchFamily="34" charset="0"/>
+                <a:cs typeface="Arial" pitchFamily="34" charset="0"/>
+              </a:rPr>
+              <a:t>pdf</a:t>
+            </a:r>
+            <a:r>
+              <a:rPr lang="en-US" sz="1400" dirty="0">
+                <a:latin typeface="Arial" pitchFamily="34" charset="0"/>
+                <a:cs typeface="Arial" pitchFamily="34" charset="0"/>
+              </a:rPr>
+              <a:t>, plot, t, </a:t>
+            </a:r>
+            <a:r>
+              <a:rPr lang="en-US" sz="1400" dirty="0" err="1">
+                <a:latin typeface="Arial" pitchFamily="34" charset="0"/>
+                <a:cs typeface="Arial" pitchFamily="34" charset="0"/>
+              </a:rPr>
+              <a:t>pdf</a:t>
+            </a:r>
+            <a:r>
+              <a:rPr lang="en-US" sz="1400" dirty="0">
+                <a:latin typeface="Arial" pitchFamily="34" charset="0"/>
+                <a:cs typeface="Arial" pitchFamily="34" charset="0"/>
+              </a:rPr>
+              <a:t>, </a:t>
+            </a:r>
+            <a:r>
+              <a:rPr lang="en-US" sz="1400" dirty="0" err="1">
+                <a:latin typeface="Arial" pitchFamily="34" charset="0"/>
+                <a:cs typeface="Arial" pitchFamily="34" charset="0"/>
+              </a:rPr>
+              <a:t>dev.off</a:t>
+            </a:r>
+            <a:r>
+              <a:rPr lang="en-US" sz="1400" dirty="0">
+                <a:latin typeface="Arial" pitchFamily="34" charset="0"/>
+                <a:cs typeface="Arial" pitchFamily="34" charset="0"/>
+              </a:rPr>
+              <a:t>,</a:t>
+            </a:r>
+          </a:p>
+          <a:p>
+            <a:pPr>
+              <a:buClrTx/>
+              <a:buFontTx/>
+              <a:buNone/>
+            </a:pPr>
+            <a:r>
+              <a:rPr lang="en-US" sz="1400" dirty="0">
+                <a:latin typeface="Arial" pitchFamily="34" charset="0"/>
+                <a:cs typeface="Arial" pitchFamily="34" charset="0"/>
+              </a:rPr>
+              <a:t>paste</a:t>
+            </a:r>
+          </a:p>
+          <a:p>
             <a:endParaRPr lang="en-US" dirty="0"/>
-          </a:p>
-          <a:p>
-            <a:pPr marL="0" indent="0" algn="ctr">
-              <a:buNone/>
-            </a:pPr>
-            <a:r>
-              <a:rPr lang="en-US" dirty="0" err="1" smtClean="0"/>
-              <a:t>response.variable</a:t>
-            </a:r>
-            <a:r>
-              <a:rPr lang="en-US" dirty="0" smtClean="0"/>
-              <a:t> </a:t>
-            </a:r>
-            <a:r>
-              <a:rPr lang="en-US" dirty="0" smtClean="0">
-                <a:solidFill>
-                  <a:srgbClr val="FF0000"/>
-                </a:solidFill>
-              </a:rPr>
-              <a:t>~</a:t>
-            </a:r>
-            <a:r>
-              <a:rPr lang="en-US" dirty="0" smtClean="0"/>
-              <a:t> </a:t>
-            </a:r>
-            <a:r>
-              <a:rPr lang="en-US" dirty="0" err="1" smtClean="0"/>
-              <a:t>explanatory.variables</a:t>
-            </a:r>
-            <a:endParaRPr lang="en-US" dirty="0" smtClean="0"/>
-          </a:p>
-          <a:p>
-            <a:pPr marL="0" indent="0">
-              <a:buNone/>
-            </a:pPr>
-            <a:endParaRPr lang="en-US" dirty="0"/>
-          </a:p>
-          <a:p>
-            <a:pPr marL="0" indent="0">
-              <a:buNone/>
-            </a:pPr>
-            <a:r>
-              <a:rPr lang="en-US" dirty="0" smtClean="0"/>
-              <a:t>Formulae can be used in place of data vectors for many functions.  In our case:</a:t>
-            </a:r>
-          </a:p>
-          <a:p>
-            <a:pPr marL="0" indent="0">
-              <a:buNone/>
-            </a:pPr>
-            <a:endParaRPr lang="en-US" dirty="0"/>
-          </a:p>
-          <a:p>
-            <a:pPr marL="0" indent="0" algn="ctr">
-              <a:buNone/>
-            </a:pPr>
-            <a:r>
-              <a:rPr lang="en-US" b="1" dirty="0" err="1"/>
-              <a:t>c</a:t>
-            </a:r>
-            <a:r>
-              <a:rPr lang="en-US" b="1" dirty="0" err="1" smtClean="0"/>
-              <a:t>or.test</a:t>
-            </a:r>
-            <a:r>
-              <a:rPr lang="en-US" dirty="0" smtClean="0"/>
-              <a:t>(.</a:t>
-            </a:r>
-            <a:r>
-              <a:rPr lang="en-US" dirty="0" err="1" smtClean="0"/>
-              <a:t>exp.miRNA</a:t>
-            </a:r>
-            <a:r>
-              <a:rPr lang="en-US" dirty="0" smtClean="0"/>
-              <a:t> </a:t>
-            </a:r>
-            <a:r>
-              <a:rPr lang="en-US" dirty="0" smtClean="0">
-                <a:solidFill>
-                  <a:srgbClr val="FF0000"/>
-                </a:solidFill>
-              </a:rPr>
-              <a:t>~</a:t>
-            </a:r>
-            <a:r>
-              <a:rPr lang="en-US" dirty="0" smtClean="0"/>
-              <a:t> </a:t>
-            </a:r>
-            <a:r>
-              <a:rPr lang="en-US" dirty="0" err="1" smtClean="0"/>
-              <a:t>cnv.miRNA</a:t>
-            </a:r>
-            <a:r>
-              <a:rPr lang="en-US" dirty="0" smtClean="0"/>
-              <a:t>)</a:t>
-            </a:r>
           </a:p>
         </p:txBody>
       </p:sp>
     </p:spTree>
     <p:extLst>
       <p:ext uri="{BB962C8B-B14F-4D97-AF65-F5344CB8AC3E}">
-        <p14:creationId xmlns:p14="http://schemas.microsoft.com/office/powerpoint/2010/main" val="4294702353"/>
+        <p14:creationId xmlns:p14="http://schemas.microsoft.com/office/powerpoint/2010/main" val="1213682884"/>
       </p:ext>
     </p:extLst>
   </p:cSld>
@@ -18317,7 +18441,7 @@
           <a:p>
             <a:r>
               <a:rPr lang="en-US" dirty="0" smtClean="0"/>
-              <a:t>Calculating Correlation</a:t>
+              <a:t>Formulae in R</a:t>
             </a:r>
             <a:endParaRPr lang="en-US" dirty="0"/>
           </a:p>
@@ -18333,654 +18457,129 @@
             <p:ph idx="1"/>
           </p:nvPr>
         </p:nvSpPr>
-        <p:spPr>
-          <a:xfrm>
-            <a:off x="457200" y="1600200"/>
-            <a:ext cx="8229600" cy="4724400"/>
-          </a:xfrm>
-        </p:spPr>
+        <p:spPr/>
         <p:txBody>
           <a:bodyPr>
-            <a:normAutofit fontScale="40000" lnSpcReduction="20000"/>
+            <a:normAutofit lnSpcReduction="10000"/>
           </a:bodyPr>
           <a:lstStyle/>
           <a:p>
-            <a:pPr>
-              <a:buClrTx/>
-              <a:buFontTx/>
+            <a:pPr marL="0" indent="0">
               <a:buNone/>
             </a:pPr>
             <a:r>
-              <a:rPr lang="en-US" sz="4000" dirty="0">
-                <a:latin typeface="Arial" pitchFamily="34" charset="0"/>
-                <a:cs typeface="Arial" pitchFamily="34" charset="0"/>
-              </a:rPr>
-              <a:t>Now lets calculate the </a:t>
-            </a:r>
-            <a:r>
-              <a:rPr lang="en-US" sz="4000" dirty="0" smtClean="0">
-                <a:latin typeface="Arial" pitchFamily="34" charset="0"/>
-                <a:cs typeface="Arial" pitchFamily="34" charset="0"/>
-              </a:rPr>
-              <a:t>fold-changes for each of the miRNAs, values are</a:t>
-            </a:r>
-          </a:p>
-          <a:p>
-            <a:pPr>
-              <a:buClrTx/>
-              <a:buFontTx/>
+              <a:rPr lang="en-US" dirty="0" smtClean="0"/>
+              <a:t>Formulae in R are very handy:</a:t>
+            </a:r>
+          </a:p>
+          <a:p>
+            <a:pPr marL="0" indent="0">
               <a:buNone/>
             </a:pPr>
-            <a:r>
-              <a:rPr lang="en-US" sz="4000" dirty="0" smtClean="0">
-                <a:latin typeface="Arial" pitchFamily="34" charset="0"/>
-                <a:cs typeface="Arial" pitchFamily="34" charset="0"/>
-              </a:rPr>
-              <a:t>log2 transformed so need to reverse this before calculating fold-changes:</a:t>
-            </a:r>
-            <a:endParaRPr lang="en-US" sz="4000" dirty="0">
-              <a:latin typeface="Arial" pitchFamily="34" charset="0"/>
-              <a:cs typeface="Arial" pitchFamily="34" charset="0"/>
-            </a:endParaRPr>
-          </a:p>
-          <a:p>
-            <a:pPr>
-              <a:buClrTx/>
-              <a:buFontTx/>
+            <a:endParaRPr lang="en-US" dirty="0"/>
+          </a:p>
+          <a:p>
+            <a:pPr marL="0" indent="0" algn="ctr">
               <a:buNone/>
             </a:pPr>
-            <a:endParaRPr lang="en-US" sz="4000" dirty="0">
-              <a:latin typeface="Arial" pitchFamily="34" charset="0"/>
-              <a:cs typeface="Arial" pitchFamily="34" charset="0"/>
-            </a:endParaRPr>
-          </a:p>
-          <a:p>
-            <a:pPr>
-              <a:buClrTx/>
-              <a:buFontTx/>
-              <a:buNone/>
-            </a:pPr>
+            <a:r>
+              <a:rPr lang="en-US" dirty="0" err="1" smtClean="0"/>
+              <a:t>response.variable</a:t>
+            </a:r>
+            <a:r>
+              <a:rPr lang="en-US" dirty="0" smtClean="0"/>
+              <a:t> </a:t>
+            </a:r>
             <a:r>
               <a:rPr lang="en-US" dirty="0" smtClean="0">
                 <a:solidFill>
                   <a:srgbClr val="FF0000"/>
                 </a:solidFill>
-                <a:latin typeface="Courier New" pitchFamily="49" charset="0"/>
-                <a:cs typeface="Courier New" pitchFamily="49" charset="0"/>
-              </a:rPr>
-              <a:t># Make a matrix to hold the Copy </a:t>
-            </a:r>
-            <a:r>
-              <a:rPr lang="en-US" dirty="0">
-                <a:solidFill>
-                  <a:srgbClr val="FF0000"/>
-                </a:solidFill>
-                <a:latin typeface="Courier New" pitchFamily="49" charset="0"/>
-                <a:cs typeface="Courier New" pitchFamily="49" charset="0"/>
-              </a:rPr>
-              <a:t>Number Variation data for each miRNA</a:t>
-            </a:r>
-          </a:p>
-          <a:p>
-            <a:pPr>
-              <a:buClrTx/>
-              <a:buFontTx/>
+              </a:rPr>
+              <a:t>~</a:t>
+            </a:r>
+            <a:r>
+              <a:rPr lang="en-US" dirty="0" smtClean="0"/>
+              <a:t> </a:t>
+            </a:r>
+            <a:r>
+              <a:rPr lang="en-US" dirty="0" err="1" smtClean="0"/>
+              <a:t>explanatory.variables</a:t>
+            </a:r>
+            <a:endParaRPr lang="en-US" dirty="0" smtClean="0"/>
+          </a:p>
+          <a:p>
+            <a:pPr marL="0" indent="0">
               <a:buNone/>
             </a:pPr>
-            <a:r>
-              <a:rPr lang="en-US" dirty="0">
-                <a:solidFill>
-                  <a:srgbClr val="FF0000"/>
-                </a:solidFill>
-                <a:latin typeface="Courier New" pitchFamily="49" charset="0"/>
-                <a:cs typeface="Courier New" pitchFamily="49" charset="0"/>
-              </a:rPr>
-              <a:t># </a:t>
+            <a:endParaRPr lang="en-US" dirty="0"/>
+          </a:p>
+          <a:p>
+            <a:pPr marL="0" indent="0">
+              <a:buNone/>
+            </a:pPr>
+            <a:r>
+              <a:rPr lang="en-US" dirty="0" smtClean="0"/>
+              <a:t>Formulae can be used in place of data vectors for many functions.  In our case:</a:t>
+            </a:r>
+          </a:p>
+          <a:p>
+            <a:pPr marL="0" indent="0">
+              <a:buNone/>
+            </a:pPr>
+            <a:endParaRPr lang="en-US" dirty="0"/>
+          </a:p>
+          <a:p>
+            <a:pPr marL="0" indent="0" algn="ctr">
+              <a:buNone/>
+            </a:pPr>
+            <a:r>
+              <a:rPr lang="en-US" b="1" dirty="0" err="1"/>
+              <a:t>c</a:t>
+            </a:r>
+            <a:r>
+              <a:rPr lang="en-US" b="1" dirty="0" err="1" smtClean="0"/>
+              <a:t>or.test</a:t>
+            </a:r>
+            <a:r>
+              <a:rPr lang="en-US" dirty="0" smtClean="0"/>
+              <a:t>(.</a:t>
+            </a:r>
+            <a:r>
+              <a:rPr lang="en-US" dirty="0" err="1" smtClean="0"/>
+              <a:t>exp.miRNA</a:t>
+            </a:r>
+            <a:r>
+              <a:rPr lang="en-US" dirty="0" smtClean="0"/>
+              <a:t> </a:t>
             </a:r>
             <a:r>
               <a:rPr lang="en-US" dirty="0" smtClean="0">
                 <a:solidFill>
                   <a:srgbClr val="FF0000"/>
                 </a:solidFill>
-                <a:latin typeface="Courier New" pitchFamily="49" charset="0"/>
-                <a:cs typeface="Courier New" pitchFamily="49" charset="0"/>
-              </a:rPr>
-              <a:t>Most miRNAs should have a corresponding CNV entry</a:t>
-            </a:r>
-            <a:endParaRPr lang="en-US" dirty="0">
-              <a:solidFill>
-                <a:srgbClr val="FF0000"/>
-              </a:solidFill>
-              <a:latin typeface="Courier New" pitchFamily="49" charset="0"/>
-              <a:cs typeface="Courier New" pitchFamily="49" charset="0"/>
-            </a:endParaRPr>
-          </a:p>
-          <a:p>
-            <a:pPr>
-              <a:buClrTx/>
-              <a:buFontTx/>
-              <a:buNone/>
-            </a:pPr>
-            <a:r>
-              <a:rPr lang="en-US" dirty="0" err="1">
-                <a:latin typeface="Courier New" pitchFamily="49" charset="0"/>
-                <a:cs typeface="Courier New" pitchFamily="49" charset="0"/>
-              </a:rPr>
-              <a:t>cnv</a:t>
-            </a:r>
-            <a:r>
-              <a:rPr lang="en-US" dirty="0">
-                <a:latin typeface="Courier New" pitchFamily="49" charset="0"/>
-                <a:cs typeface="Courier New" pitchFamily="49" charset="0"/>
-              </a:rPr>
-              <a:t> = d1[2:360,]</a:t>
-            </a:r>
-          </a:p>
-          <a:p>
-            <a:pPr>
-              <a:buClrTx/>
-              <a:buFontTx/>
-              <a:buNone/>
-            </a:pPr>
-            <a:endParaRPr lang="en-US" dirty="0">
-              <a:solidFill>
-                <a:srgbClr val="FF0000"/>
-              </a:solidFill>
-              <a:latin typeface="Courier New" pitchFamily="49" charset="0"/>
-              <a:cs typeface="Courier New" pitchFamily="49" charset="0"/>
-            </a:endParaRPr>
-          </a:p>
-          <a:p>
-            <a:pPr>
-              <a:buClrTx/>
-              <a:buFontTx/>
-              <a:buNone/>
-            </a:pPr>
-            <a:r>
-              <a:rPr lang="en-US" dirty="0">
-                <a:solidFill>
-                  <a:srgbClr val="FF0000"/>
-                </a:solidFill>
-                <a:latin typeface="Courier New" pitchFamily="49" charset="0"/>
-                <a:cs typeface="Courier New" pitchFamily="49" charset="0"/>
-              </a:rPr>
-              <a:t># Run the analysis for hsa-miR-10b</a:t>
-            </a:r>
-          </a:p>
-          <a:p>
-            <a:pPr>
-              <a:buClrTx/>
-              <a:buFontTx/>
-              <a:buNone/>
-            </a:pPr>
-            <a:r>
-              <a:rPr lang="en-US" dirty="0">
-                <a:latin typeface="Courier New" pitchFamily="49" charset="0"/>
-                <a:cs typeface="Courier New" pitchFamily="49" charset="0"/>
-              </a:rPr>
-              <a:t>c1 = </a:t>
-            </a:r>
-            <a:r>
-              <a:rPr lang="en-US" b="1" dirty="0" err="1">
-                <a:latin typeface="Courier New" pitchFamily="49" charset="0"/>
-                <a:cs typeface="Courier New" pitchFamily="49" charset="0"/>
-              </a:rPr>
-              <a:t>cor.test</a:t>
-            </a:r>
-            <a:r>
-              <a:rPr lang="en-US" dirty="0">
-                <a:latin typeface="Courier New" pitchFamily="49" charset="0"/>
-                <a:cs typeface="Courier New" pitchFamily="49" charset="0"/>
-              </a:rPr>
-              <a:t>(</a:t>
-            </a:r>
-            <a:r>
-              <a:rPr lang="en-US" b="1" dirty="0" err="1">
-                <a:latin typeface="Courier New" pitchFamily="49" charset="0"/>
-                <a:cs typeface="Courier New" pitchFamily="49" charset="0"/>
-              </a:rPr>
-              <a:t>as.numeric</a:t>
-            </a:r>
-            <a:r>
-              <a:rPr lang="en-US" dirty="0">
-                <a:latin typeface="Courier New" pitchFamily="49" charset="0"/>
-                <a:cs typeface="Courier New" pitchFamily="49" charset="0"/>
-              </a:rPr>
-              <a:t>(</a:t>
-            </a:r>
-            <a:r>
-              <a:rPr lang="en-US" dirty="0" err="1">
-                <a:latin typeface="Courier New" pitchFamily="49" charset="0"/>
-                <a:cs typeface="Courier New" pitchFamily="49" charset="0"/>
-              </a:rPr>
-              <a:t>cnv</a:t>
-            </a:r>
-            <a:r>
-              <a:rPr lang="en-US" dirty="0">
-                <a:latin typeface="Courier New" pitchFamily="49" charset="0"/>
-                <a:cs typeface="Courier New" pitchFamily="49" charset="0"/>
-              </a:rPr>
-              <a:t>['cnv.hsa-miR-10b',]), </a:t>
-            </a:r>
-            <a:r>
-              <a:rPr lang="en-US" b="1" dirty="0" err="1">
-                <a:latin typeface="Courier New" pitchFamily="49" charset="0"/>
-                <a:cs typeface="Courier New" pitchFamily="49" charset="0"/>
-              </a:rPr>
-              <a:t>as.numeric</a:t>
-            </a:r>
-            <a:r>
-              <a:rPr lang="en-US" dirty="0">
-                <a:latin typeface="Courier New" pitchFamily="49" charset="0"/>
-                <a:cs typeface="Courier New" pitchFamily="49" charset="0"/>
-              </a:rPr>
-              <a:t>(</a:t>
-            </a:r>
-            <a:r>
-              <a:rPr lang="en-US" dirty="0" err="1">
-                <a:latin typeface="Courier New" pitchFamily="49" charset="0"/>
-                <a:cs typeface="Courier New" pitchFamily="49" charset="0"/>
-              </a:rPr>
-              <a:t>mirna</a:t>
-            </a:r>
-            <a:r>
-              <a:rPr lang="en-US" dirty="0">
-                <a:latin typeface="Courier New" pitchFamily="49" charset="0"/>
-                <a:cs typeface="Courier New" pitchFamily="49" charset="0"/>
-              </a:rPr>
-              <a:t>['exp.hsa-miR-10b',]), na.rm = T)</a:t>
-            </a:r>
-          </a:p>
-          <a:p>
-            <a:pPr>
-              <a:buClrTx/>
-              <a:buFontTx/>
-              <a:buNone/>
-            </a:pPr>
-            <a:endParaRPr lang="en-US" dirty="0">
-              <a:solidFill>
-                <a:srgbClr val="FF0000"/>
-              </a:solidFill>
-              <a:latin typeface="Courier New" pitchFamily="49" charset="0"/>
-              <a:cs typeface="Courier New" pitchFamily="49" charset="0"/>
-            </a:endParaRPr>
-          </a:p>
-          <a:p>
-            <a:pPr>
-              <a:buClrTx/>
-              <a:buFontTx/>
-              <a:buNone/>
-            </a:pPr>
-            <a:r>
-              <a:rPr lang="en-US" dirty="0">
-                <a:solidFill>
-                  <a:srgbClr val="FF0000"/>
-                </a:solidFill>
-                <a:latin typeface="Courier New" pitchFamily="49" charset="0"/>
-                <a:cs typeface="Courier New" pitchFamily="49" charset="0"/>
-              </a:rPr>
-              <a:t># Plot hsa-miR-10b expression vs. Copy Number levels</a:t>
-            </a:r>
-          </a:p>
-          <a:p>
-            <a:pPr>
-              <a:buClrTx/>
-              <a:buFontTx/>
-              <a:buNone/>
-            </a:pPr>
-            <a:r>
-              <a:rPr lang="en-US" b="1" dirty="0">
-                <a:latin typeface="Courier New" pitchFamily="49" charset="0"/>
-                <a:cs typeface="Courier New" pitchFamily="49" charset="0"/>
-              </a:rPr>
-              <a:t>plot</a:t>
-            </a:r>
-            <a:r>
-              <a:rPr lang="en-US" dirty="0">
-                <a:latin typeface="Courier New" pitchFamily="49" charset="0"/>
-                <a:cs typeface="Courier New" pitchFamily="49" charset="0"/>
-              </a:rPr>
-              <a:t>(</a:t>
-            </a:r>
-            <a:r>
-              <a:rPr lang="en-US" b="1" dirty="0" err="1">
-                <a:latin typeface="Courier New" pitchFamily="49" charset="0"/>
-                <a:cs typeface="Courier New" pitchFamily="49" charset="0"/>
-              </a:rPr>
-              <a:t>as.numeric</a:t>
-            </a:r>
-            <a:r>
-              <a:rPr lang="en-US" dirty="0">
-                <a:latin typeface="Courier New" pitchFamily="49" charset="0"/>
-                <a:cs typeface="Courier New" pitchFamily="49" charset="0"/>
-              </a:rPr>
-              <a:t>(</a:t>
-            </a:r>
-            <a:r>
-              <a:rPr lang="en-US" dirty="0" err="1">
-                <a:latin typeface="Courier New" pitchFamily="49" charset="0"/>
-                <a:cs typeface="Courier New" pitchFamily="49" charset="0"/>
-              </a:rPr>
-              <a:t>mirna</a:t>
-            </a:r>
-            <a:r>
-              <a:rPr lang="en-US" dirty="0">
-                <a:latin typeface="Courier New" pitchFamily="49" charset="0"/>
-                <a:cs typeface="Courier New" pitchFamily="49" charset="0"/>
-              </a:rPr>
-              <a:t>['exp.hsa-miR-10b',]) ~ </a:t>
-            </a:r>
-            <a:r>
-              <a:rPr lang="en-US" b="1" dirty="0" err="1">
-                <a:latin typeface="Courier New" pitchFamily="49" charset="0"/>
-                <a:cs typeface="Courier New" pitchFamily="49" charset="0"/>
-              </a:rPr>
-              <a:t>as.numeric</a:t>
-            </a:r>
-            <a:r>
-              <a:rPr lang="en-US" dirty="0">
-                <a:latin typeface="Courier New" pitchFamily="49" charset="0"/>
-                <a:cs typeface="Courier New" pitchFamily="49" charset="0"/>
-              </a:rPr>
-              <a:t>(</a:t>
-            </a:r>
-            <a:r>
-              <a:rPr lang="en-US" dirty="0" err="1">
-                <a:latin typeface="Courier New" pitchFamily="49" charset="0"/>
-                <a:cs typeface="Courier New" pitchFamily="49" charset="0"/>
-              </a:rPr>
-              <a:t>cnv</a:t>
-            </a:r>
-            <a:r>
-              <a:rPr lang="en-US" dirty="0">
-                <a:latin typeface="Courier New" pitchFamily="49" charset="0"/>
-                <a:cs typeface="Courier New" pitchFamily="49" charset="0"/>
-              </a:rPr>
-              <a:t>['cnv.hsa-miR-10b',]), col = </a:t>
-            </a:r>
-            <a:r>
-              <a:rPr lang="en-US" b="1" dirty="0" err="1">
-                <a:latin typeface="Courier New" pitchFamily="49" charset="0"/>
-                <a:cs typeface="Courier New" pitchFamily="49" charset="0"/>
-              </a:rPr>
-              <a:t>rgb</a:t>
-            </a:r>
-            <a:r>
-              <a:rPr lang="en-US" dirty="0">
-                <a:latin typeface="Courier New" pitchFamily="49" charset="0"/>
-                <a:cs typeface="Courier New" pitchFamily="49" charset="0"/>
-              </a:rPr>
-              <a:t>(0</a:t>
-            </a:r>
-            <a:r>
-              <a:rPr lang="en-US" dirty="0" smtClean="0">
-                <a:latin typeface="Courier New" pitchFamily="49" charset="0"/>
-                <a:cs typeface="Courier New" pitchFamily="49" charset="0"/>
-              </a:rPr>
-              <a:t>, 0, 1, 0.5</a:t>
-            </a:r>
-            <a:r>
-              <a:rPr lang="en-US" dirty="0">
-                <a:latin typeface="Courier New" pitchFamily="49" charset="0"/>
-                <a:cs typeface="Courier New" pitchFamily="49" charset="0"/>
-              </a:rPr>
-              <a:t>), </a:t>
-            </a:r>
-            <a:r>
-              <a:rPr lang="en-US" dirty="0" err="1">
-                <a:latin typeface="Courier New" pitchFamily="49" charset="0"/>
-                <a:cs typeface="Courier New" pitchFamily="49" charset="0"/>
-              </a:rPr>
-              <a:t>pch</a:t>
-            </a:r>
-            <a:r>
-              <a:rPr lang="en-US" dirty="0">
-                <a:latin typeface="Courier New" pitchFamily="49" charset="0"/>
-                <a:cs typeface="Courier New" pitchFamily="49" charset="0"/>
-              </a:rPr>
-              <a:t> = 20, </a:t>
-            </a:r>
-            <a:r>
-              <a:rPr lang="en-US" dirty="0" err="1">
-                <a:latin typeface="Courier New" pitchFamily="49" charset="0"/>
-                <a:cs typeface="Courier New" pitchFamily="49" charset="0"/>
-              </a:rPr>
-              <a:t>xlab</a:t>
-            </a:r>
-            <a:r>
-              <a:rPr lang="en-US" dirty="0">
-                <a:latin typeface="Courier New" pitchFamily="49" charset="0"/>
-                <a:cs typeface="Courier New" pitchFamily="49" charset="0"/>
-              </a:rPr>
-              <a:t> = 'Copy Number', </a:t>
-            </a:r>
-            <a:r>
-              <a:rPr lang="en-US" dirty="0" err="1">
-                <a:latin typeface="Courier New" pitchFamily="49" charset="0"/>
-                <a:cs typeface="Courier New" pitchFamily="49" charset="0"/>
-              </a:rPr>
-              <a:t>ylab</a:t>
-            </a:r>
-            <a:r>
-              <a:rPr lang="en-US" dirty="0">
-                <a:latin typeface="Courier New" pitchFamily="49" charset="0"/>
-                <a:cs typeface="Courier New" pitchFamily="49" charset="0"/>
-              </a:rPr>
-              <a:t> = 'hsa-miR-10b Expression', main = 'hsa-miR-10b:\n Expression vs. Copy Number')</a:t>
-            </a:r>
-          </a:p>
-          <a:p>
-            <a:pPr>
-              <a:buClrTx/>
-              <a:buFontTx/>
-              <a:buNone/>
-            </a:pPr>
-            <a:endParaRPr lang="en-US" dirty="0">
-              <a:solidFill>
-                <a:srgbClr val="FF0000"/>
-              </a:solidFill>
-              <a:latin typeface="Courier New" pitchFamily="49" charset="0"/>
-              <a:cs typeface="Courier New" pitchFamily="49" charset="0"/>
-            </a:endParaRPr>
-          </a:p>
-          <a:p>
-            <a:pPr>
-              <a:buClrTx/>
-              <a:buFontTx/>
-              <a:buNone/>
-            </a:pPr>
-            <a:r>
-              <a:rPr lang="en-US" dirty="0">
-                <a:solidFill>
-                  <a:srgbClr val="FF0000"/>
-                </a:solidFill>
-                <a:latin typeface="Courier New" pitchFamily="49" charset="0"/>
-                <a:cs typeface="Courier New" pitchFamily="49" charset="0"/>
-              </a:rPr>
-              <a:t># Add a trend line to the plot</a:t>
-            </a:r>
-          </a:p>
-          <a:p>
-            <a:pPr>
-              <a:buClrTx/>
-              <a:buFontTx/>
-              <a:buNone/>
-            </a:pPr>
-            <a:r>
-              <a:rPr lang="en-US" dirty="0">
-                <a:latin typeface="Courier New" pitchFamily="49" charset="0"/>
-                <a:cs typeface="Courier New" pitchFamily="49" charset="0"/>
-              </a:rPr>
-              <a:t>lm1 = </a:t>
-            </a:r>
-            <a:r>
-              <a:rPr lang="en-US" b="1" dirty="0">
-                <a:latin typeface="Courier New" pitchFamily="49" charset="0"/>
-                <a:cs typeface="Courier New" pitchFamily="49" charset="0"/>
-              </a:rPr>
-              <a:t>lm</a:t>
-            </a:r>
-            <a:r>
-              <a:rPr lang="en-US" dirty="0">
-                <a:latin typeface="Courier New" pitchFamily="49" charset="0"/>
-                <a:cs typeface="Courier New" pitchFamily="49" charset="0"/>
-              </a:rPr>
-              <a:t>(</a:t>
-            </a:r>
-            <a:r>
-              <a:rPr lang="en-US" b="1" dirty="0" err="1">
-                <a:latin typeface="Courier New" pitchFamily="49" charset="0"/>
-                <a:cs typeface="Courier New" pitchFamily="49" charset="0"/>
-              </a:rPr>
-              <a:t>as.numeric</a:t>
-            </a:r>
-            <a:r>
-              <a:rPr lang="en-US" dirty="0">
-                <a:latin typeface="Courier New" pitchFamily="49" charset="0"/>
-                <a:cs typeface="Courier New" pitchFamily="49" charset="0"/>
-              </a:rPr>
-              <a:t>(</a:t>
-            </a:r>
-            <a:r>
-              <a:rPr lang="en-US" dirty="0" err="1">
-                <a:latin typeface="Courier New" pitchFamily="49" charset="0"/>
-                <a:cs typeface="Courier New" pitchFamily="49" charset="0"/>
-              </a:rPr>
-              <a:t>mirna</a:t>
-            </a:r>
-            <a:r>
-              <a:rPr lang="en-US" dirty="0">
-                <a:latin typeface="Courier New" pitchFamily="49" charset="0"/>
-                <a:cs typeface="Courier New" pitchFamily="49" charset="0"/>
-              </a:rPr>
-              <a:t>['exp.hsa-miR-10b',]) ~ </a:t>
-            </a:r>
-            <a:r>
-              <a:rPr lang="en-US" b="1" dirty="0" err="1">
-                <a:latin typeface="Courier New" pitchFamily="49" charset="0"/>
-                <a:cs typeface="Courier New" pitchFamily="49" charset="0"/>
-              </a:rPr>
-              <a:t>as.numeric</a:t>
-            </a:r>
-            <a:r>
-              <a:rPr lang="en-US" dirty="0">
-                <a:latin typeface="Courier New" pitchFamily="49" charset="0"/>
-                <a:cs typeface="Courier New" pitchFamily="49" charset="0"/>
-              </a:rPr>
-              <a:t>(</a:t>
-            </a:r>
-            <a:r>
-              <a:rPr lang="en-US" dirty="0" err="1">
-                <a:latin typeface="Courier New" pitchFamily="49" charset="0"/>
-                <a:cs typeface="Courier New" pitchFamily="49" charset="0"/>
-              </a:rPr>
-              <a:t>cnv</a:t>
-            </a:r>
-            <a:r>
-              <a:rPr lang="en-US" dirty="0">
-                <a:latin typeface="Courier New" pitchFamily="49" charset="0"/>
-                <a:cs typeface="Courier New" pitchFamily="49" charset="0"/>
-              </a:rPr>
-              <a:t>['cnv.hsa-miR-10b',]))</a:t>
-            </a:r>
-          </a:p>
-          <a:p>
-            <a:pPr>
-              <a:buClrTx/>
-              <a:buFontTx/>
-              <a:buNone/>
-            </a:pPr>
-            <a:r>
-              <a:rPr lang="en-US" b="1" dirty="0" err="1">
-                <a:latin typeface="Courier New" pitchFamily="49" charset="0"/>
-                <a:cs typeface="Courier New" pitchFamily="49" charset="0"/>
-              </a:rPr>
-              <a:t>abline</a:t>
-            </a:r>
-            <a:r>
-              <a:rPr lang="en-US" dirty="0">
-                <a:latin typeface="Courier New" pitchFamily="49" charset="0"/>
-                <a:cs typeface="Courier New" pitchFamily="49" charset="0"/>
-              </a:rPr>
-              <a:t>(lm1</a:t>
-            </a:r>
-            <a:r>
-              <a:rPr lang="en-US" dirty="0" smtClean="0">
-                <a:latin typeface="Courier New" pitchFamily="49" charset="0"/>
-                <a:cs typeface="Courier New" pitchFamily="49" charset="0"/>
-              </a:rPr>
-              <a:t>, col</a:t>
-            </a:r>
-            <a:r>
-              <a:rPr lang="en-US" dirty="0">
-                <a:latin typeface="Courier New" pitchFamily="49" charset="0"/>
-                <a:cs typeface="Courier New" pitchFamily="49" charset="0"/>
-              </a:rPr>
-              <a:t>='red</a:t>
-            </a:r>
-            <a:r>
-              <a:rPr lang="en-US" dirty="0" smtClean="0">
-                <a:latin typeface="Courier New" pitchFamily="49" charset="0"/>
-                <a:cs typeface="Courier New" pitchFamily="49" charset="0"/>
-              </a:rPr>
-              <a:t>', </a:t>
-            </a:r>
-            <a:r>
-              <a:rPr lang="en-US" dirty="0" err="1" smtClean="0">
-                <a:latin typeface="Courier New" pitchFamily="49" charset="0"/>
-                <a:cs typeface="Courier New" pitchFamily="49" charset="0"/>
-              </a:rPr>
-              <a:t>lty</a:t>
-            </a:r>
-            <a:r>
-              <a:rPr lang="en-US" dirty="0" smtClean="0">
-                <a:latin typeface="Courier New" pitchFamily="49" charset="0"/>
-                <a:cs typeface="Courier New" pitchFamily="49" charset="0"/>
-              </a:rPr>
-              <a:t>=1, </a:t>
-            </a:r>
-            <a:r>
-              <a:rPr lang="en-US" dirty="0" err="1" smtClean="0">
-                <a:latin typeface="Courier New" pitchFamily="49" charset="0"/>
-                <a:cs typeface="Courier New" pitchFamily="49" charset="0"/>
-              </a:rPr>
-              <a:t>lwd</a:t>
-            </a:r>
-            <a:r>
-              <a:rPr lang="en-US" dirty="0" smtClean="0">
-                <a:latin typeface="Courier New" pitchFamily="49" charset="0"/>
-                <a:cs typeface="Courier New" pitchFamily="49" charset="0"/>
-              </a:rPr>
-              <a:t>=1</a:t>
-            </a:r>
-            <a:r>
-              <a:rPr lang="en-US" dirty="0">
-                <a:latin typeface="Courier New" pitchFamily="49" charset="0"/>
-                <a:cs typeface="Courier New" pitchFamily="49" charset="0"/>
-              </a:rPr>
+              </a:rPr>
+              <a:t>~</a:t>
+            </a:r>
+            <a:r>
+              <a:rPr lang="en-US" dirty="0" smtClean="0"/>
+              <a:t> </a:t>
+            </a:r>
+            <a:r>
+              <a:rPr lang="en-US" dirty="0" err="1" smtClean="0"/>
+              <a:t>cnv.miRNA</a:t>
+            </a:r>
+            <a:r>
+              <a:rPr lang="en-US" dirty="0" smtClean="0"/>
               <a:t>)</a:t>
             </a:r>
-          </a:p>
-          <a:p>
-            <a:pPr>
-              <a:buClrTx/>
-              <a:buFontTx/>
-              <a:buNone/>
-            </a:pPr>
-            <a:endParaRPr lang="en-US" dirty="0" smtClean="0">
-              <a:solidFill>
-                <a:srgbClr val="FF0000"/>
-              </a:solidFill>
-              <a:latin typeface="Courier New" pitchFamily="49" charset="0"/>
-              <a:cs typeface="Courier New" pitchFamily="49" charset="0"/>
-            </a:endParaRPr>
           </a:p>
         </p:txBody>
       </p:sp>
     </p:spTree>
     <p:extLst>
       <p:ext uri="{BB962C8B-B14F-4D97-AF65-F5344CB8AC3E}">
-        <p14:creationId xmlns:p14="http://schemas.microsoft.com/office/powerpoint/2010/main" val="2338904598"/>
+        <p14:creationId xmlns:p14="http://schemas.microsoft.com/office/powerpoint/2010/main" val="4294702353"/>
       </p:ext>
     </p:extLst>
   </p:cSld>
@@ -19031,7 +18630,7 @@
           <a:p>
             <a:r>
               <a:rPr lang="en-US" dirty="0" smtClean="0"/>
-              <a:t>Plot Correlation</a:t>
+              <a:t>Calculating Correlation</a:t>
             </a:r>
             <a:endParaRPr lang="en-US" dirty="0"/>
           </a:p>
@@ -19047,10 +18646,15 @@
             <p:ph idx="1"/>
           </p:nvPr>
         </p:nvSpPr>
-        <p:spPr/>
+        <p:spPr>
+          <a:xfrm>
+            <a:off x="457200" y="1600200"/>
+            <a:ext cx="8229600" cy="4724400"/>
+          </a:xfrm>
+        </p:spPr>
         <p:txBody>
           <a:bodyPr>
-            <a:normAutofit fontScale="70000" lnSpcReduction="20000"/>
+            <a:normAutofit fontScale="40000" lnSpcReduction="20000"/>
           </a:bodyPr>
           <a:lstStyle/>
           <a:p>
@@ -19059,6 +18663,66 @@
               <a:buFontTx/>
               <a:buNone/>
             </a:pPr>
+            <a:r>
+              <a:rPr lang="en-US" sz="4000" dirty="0">
+                <a:latin typeface="Arial" pitchFamily="34" charset="0"/>
+                <a:cs typeface="Arial" pitchFamily="34" charset="0"/>
+              </a:rPr>
+              <a:t>Now lets calculate the </a:t>
+            </a:r>
+            <a:r>
+              <a:rPr lang="en-US" sz="4000" dirty="0" smtClean="0">
+                <a:latin typeface="Arial" pitchFamily="34" charset="0"/>
+                <a:cs typeface="Arial" pitchFamily="34" charset="0"/>
+              </a:rPr>
+              <a:t>fold-changes for each of the miRNAs, values are</a:t>
+            </a:r>
+          </a:p>
+          <a:p>
+            <a:pPr>
+              <a:buClrTx/>
+              <a:buFontTx/>
+              <a:buNone/>
+            </a:pPr>
+            <a:r>
+              <a:rPr lang="en-US" sz="4000" dirty="0" smtClean="0">
+                <a:latin typeface="Arial" pitchFamily="34" charset="0"/>
+                <a:cs typeface="Arial" pitchFamily="34" charset="0"/>
+              </a:rPr>
+              <a:t>log2 transformed so need to reverse this before calculating fold-changes:</a:t>
+            </a:r>
+            <a:endParaRPr lang="en-US" sz="4000" dirty="0">
+              <a:latin typeface="Arial" pitchFamily="34" charset="0"/>
+              <a:cs typeface="Arial" pitchFamily="34" charset="0"/>
+            </a:endParaRPr>
+          </a:p>
+          <a:p>
+            <a:pPr>
+              <a:buClrTx/>
+              <a:buFontTx/>
+              <a:buNone/>
+            </a:pPr>
+            <a:endParaRPr lang="en-US" sz="4000" dirty="0">
+              <a:latin typeface="Arial" pitchFamily="34" charset="0"/>
+              <a:cs typeface="Arial" pitchFamily="34" charset="0"/>
+            </a:endParaRPr>
+          </a:p>
+          <a:p>
+            <a:pPr>
+              <a:buClrTx/>
+              <a:buFontTx/>
+              <a:buNone/>
+            </a:pPr>
+            <a:r>
+              <a:rPr lang="en-US" dirty="0" smtClean="0">
+                <a:solidFill>
+                  <a:srgbClr val="FF0000"/>
+                </a:solidFill>
+                <a:latin typeface="Courier New" pitchFamily="49" charset="0"/>
+                <a:cs typeface="Courier New" pitchFamily="49" charset="0"/>
+              </a:rPr>
+              <a:t># Make a matrix to hold the Copy </a:t>
+            </a:r>
             <a:r>
               <a:rPr lang="en-US" dirty="0">
                 <a:solidFill>
@@ -19067,7 +18731,7 @@
                 <a:latin typeface="Courier New" pitchFamily="49" charset="0"/>
                 <a:cs typeface="Courier New" pitchFamily="49" charset="0"/>
               </a:rPr>
-              <a:t># Plot hsa-miR-10b expression vs. Copy Number levels</a:t>
+              <a:t>Number Variation data for each miRNA</a:t>
             </a:r>
           </a:p>
           <a:p>
@@ -19077,130 +18741,52 @@
               <a:buNone/>
             </a:pPr>
             <a:r>
-              <a:rPr lang="en-US" b="1" dirty="0">
-                <a:latin typeface="Courier New" pitchFamily="49" charset="0"/>
-                <a:cs typeface="Courier New" pitchFamily="49" charset="0"/>
-              </a:rPr>
-              <a:t>plot</a:t>
-            </a:r>
-            <a:r>
               <a:rPr lang="en-US" dirty="0">
-                <a:latin typeface="Courier New" pitchFamily="49" charset="0"/>
-                <a:cs typeface="Courier New" pitchFamily="49" charset="0"/>
-              </a:rPr>
-              <a:t>(</a:t>
-            </a:r>
-            <a:r>
-              <a:rPr lang="en-US" b="1" dirty="0" err="1">
-                <a:latin typeface="Courier New" pitchFamily="49" charset="0"/>
-                <a:cs typeface="Courier New" pitchFamily="49" charset="0"/>
-              </a:rPr>
-              <a:t>as.numeric</a:t>
+                <a:solidFill>
+                  <a:srgbClr val="FF0000"/>
+                </a:solidFill>
+                <a:latin typeface="Courier New" pitchFamily="49" charset="0"/>
+                <a:cs typeface="Courier New" pitchFamily="49" charset="0"/>
+              </a:rPr>
+              <a:t># </a:t>
+            </a:r>
+            <a:r>
+              <a:rPr lang="en-US" dirty="0" smtClean="0">
+                <a:solidFill>
+                  <a:srgbClr val="FF0000"/>
+                </a:solidFill>
+                <a:latin typeface="Courier New" pitchFamily="49" charset="0"/>
+                <a:cs typeface="Courier New" pitchFamily="49" charset="0"/>
+              </a:rPr>
+              <a:t>Most miRNAs should have a corresponding CNV entry</a:t>
+            </a:r>
+            <a:endParaRPr lang="en-US" dirty="0">
+              <a:solidFill>
+                <a:srgbClr val="FF0000"/>
+              </a:solidFill>
+              <a:latin typeface="Courier New" pitchFamily="49" charset="0"/>
+              <a:cs typeface="Courier New" pitchFamily="49" charset="0"/>
+            </a:endParaRPr>
+          </a:p>
+          <a:p>
+            <a:pPr>
+              <a:buClrTx/>
+              <a:buFontTx/>
+              <a:buNone/>
+            </a:pPr>
+            <a:r>
+              <a:rPr lang="en-US" dirty="0" err="1">
+                <a:latin typeface="Courier New" pitchFamily="49" charset="0"/>
+                <a:cs typeface="Courier New" pitchFamily="49" charset="0"/>
+              </a:rPr>
+              <a:t>cnv</a:t>
             </a:r>
             <a:r>
               <a:rPr lang="en-US" dirty="0">
                 <a:latin typeface="Courier New" pitchFamily="49" charset="0"/>
                 <a:cs typeface="Courier New" pitchFamily="49" charset="0"/>
               </a:rPr>
-              <a:t>(</a:t>
-            </a:r>
-            <a:r>
-              <a:rPr lang="en-US" dirty="0" err="1">
-                <a:latin typeface="Courier New" pitchFamily="49" charset="0"/>
-                <a:cs typeface="Courier New" pitchFamily="49" charset="0"/>
-              </a:rPr>
-              <a:t>mirna</a:t>
-            </a:r>
-            <a:r>
-              <a:rPr lang="en-US" dirty="0">
-                <a:latin typeface="Courier New" pitchFamily="49" charset="0"/>
-                <a:cs typeface="Courier New" pitchFamily="49" charset="0"/>
-              </a:rPr>
-              <a:t>['exp.hsa-miR-10b',]) ~ </a:t>
-            </a:r>
-            <a:r>
-              <a:rPr lang="en-US" b="1" dirty="0" err="1">
-                <a:latin typeface="Courier New" pitchFamily="49" charset="0"/>
-                <a:cs typeface="Courier New" pitchFamily="49" charset="0"/>
-              </a:rPr>
-              <a:t>as.numeric</a:t>
-            </a:r>
-            <a:r>
-              <a:rPr lang="en-US" dirty="0">
-                <a:latin typeface="Courier New" pitchFamily="49" charset="0"/>
-                <a:cs typeface="Courier New" pitchFamily="49" charset="0"/>
-              </a:rPr>
-              <a:t>(</a:t>
-            </a:r>
-            <a:r>
-              <a:rPr lang="en-US" dirty="0" err="1">
-                <a:latin typeface="Courier New" pitchFamily="49" charset="0"/>
-                <a:cs typeface="Courier New" pitchFamily="49" charset="0"/>
-              </a:rPr>
-              <a:t>cnv</a:t>
-            </a:r>
-            <a:r>
-              <a:rPr lang="en-US" dirty="0">
-                <a:latin typeface="Courier New" pitchFamily="49" charset="0"/>
-                <a:cs typeface="Courier New" pitchFamily="49" charset="0"/>
-              </a:rPr>
-              <a:t>['cnv.hsa-miR-10b',]), col = </a:t>
-            </a:r>
-            <a:r>
-              <a:rPr lang="en-US" b="1" dirty="0" err="1">
-                <a:latin typeface="Courier New" pitchFamily="49" charset="0"/>
-                <a:cs typeface="Courier New" pitchFamily="49" charset="0"/>
-              </a:rPr>
-              <a:t>rgb</a:t>
-            </a:r>
-            <a:r>
-              <a:rPr lang="en-US" dirty="0">
-                <a:latin typeface="Courier New" pitchFamily="49" charset="0"/>
-                <a:cs typeface="Courier New" pitchFamily="49" charset="0"/>
-              </a:rPr>
-              <a:t>(0, 0, 1, 0.5), </a:t>
-            </a:r>
-            <a:r>
-              <a:rPr lang="en-US" dirty="0" err="1">
-                <a:latin typeface="Courier New" pitchFamily="49" charset="0"/>
-                <a:cs typeface="Courier New" pitchFamily="49" charset="0"/>
-              </a:rPr>
-              <a:t>pch</a:t>
-            </a:r>
-            <a:r>
-              <a:rPr lang="en-US" dirty="0">
-                <a:latin typeface="Courier New" pitchFamily="49" charset="0"/>
-                <a:cs typeface="Courier New" pitchFamily="49" charset="0"/>
-              </a:rPr>
-              <a:t> = 20, </a:t>
-            </a:r>
-            <a:r>
-              <a:rPr lang="en-US" dirty="0" err="1">
-                <a:latin typeface="Courier New" pitchFamily="49" charset="0"/>
-                <a:cs typeface="Courier New" pitchFamily="49" charset="0"/>
-              </a:rPr>
-              <a:t>xlab</a:t>
-            </a:r>
-            <a:r>
-              <a:rPr lang="en-US" dirty="0">
-                <a:latin typeface="Courier New" pitchFamily="49" charset="0"/>
-                <a:cs typeface="Courier New" pitchFamily="49" charset="0"/>
-              </a:rPr>
-              <a:t> = 'Copy Number', </a:t>
-            </a:r>
-            <a:r>
-              <a:rPr lang="en-US" dirty="0" err="1">
-                <a:latin typeface="Courier New" pitchFamily="49" charset="0"/>
-                <a:cs typeface="Courier New" pitchFamily="49" charset="0"/>
-              </a:rPr>
-              <a:t>ylab</a:t>
-            </a:r>
-            <a:r>
-              <a:rPr lang="en-US" dirty="0">
-                <a:latin typeface="Courier New" pitchFamily="49" charset="0"/>
-                <a:cs typeface="Courier New" pitchFamily="49" charset="0"/>
-              </a:rPr>
-              <a:t> = 'hsa-miR-10b Expression', main = 'hsa-miR-10b:\n Expression vs. Copy Number')</a:t>
+              <a:t> = d1[2:360,]</a:t>
             </a:r>
           </a:p>
           <a:p>
@@ -19231,7 +18817,7 @@
                 <a:latin typeface="Courier New" pitchFamily="49" charset="0"/>
                 <a:cs typeface="Courier New" pitchFamily="49" charset="0"/>
               </a:rPr>
-              <a:t># Add a trend line to the plot</a:t>
+              <a:t># Run the analysis for hsa-miR-10b</a:t>
             </a:r>
           </a:p>
           <a:p>
@@ -19245,14 +18831,14 @@
                 <a:latin typeface="Courier New" pitchFamily="49" charset="0"/>
                 <a:cs typeface="Courier New" pitchFamily="49" charset="0"/>
               </a:rPr>
-              <a:t>lm1 = </a:t>
-            </a:r>
-            <a:r>
-              <a:rPr lang="en-US" b="1" dirty="0">
-                <a:latin typeface="Courier New" pitchFamily="49" charset="0"/>
-                <a:cs typeface="Courier New" pitchFamily="49" charset="0"/>
-              </a:rPr>
-              <a:t>lm</a:t>
+              <a:t>c1 = </a:t>
+            </a:r>
+            <a:r>
+              <a:rPr lang="en-US" b="1" dirty="0" err="1">
+                <a:latin typeface="Courier New" pitchFamily="49" charset="0"/>
+                <a:cs typeface="Courier New" pitchFamily="49" charset="0"/>
+              </a:rPr>
+              <a:t>cor.test</a:t>
             </a:r>
             <a:r>
               <a:rPr lang="en-US" dirty="0">
@@ -19280,6 +18866,34 @@
                 <a:latin typeface="Courier New" pitchFamily="49" charset="0"/>
                 <a:cs typeface="Courier New" pitchFamily="49" charset="0"/>
               </a:rPr>
+              <a:t>cnv</a:t>
+            </a:r>
+            <a:r>
+              <a:rPr lang="en-US" dirty="0">
+                <a:latin typeface="Courier New" pitchFamily="49" charset="0"/>
+                <a:cs typeface="Courier New" pitchFamily="49" charset="0"/>
+              </a:rPr>
+              <a:t>['cnv.hsa-miR-10b',]), </a:t>
+            </a:r>
+            <a:r>
+              <a:rPr lang="en-US" b="1" dirty="0" err="1">
+                <a:latin typeface="Courier New" pitchFamily="49" charset="0"/>
+                <a:cs typeface="Courier New" pitchFamily="49" charset="0"/>
+              </a:rPr>
+              <a:t>as.numeric</a:t>
+            </a:r>
+            <a:r>
+              <a:rPr lang="en-US" dirty="0">
+                <a:latin typeface="Courier New" pitchFamily="49" charset="0"/>
+                <a:cs typeface="Courier New" pitchFamily="49" charset="0"/>
+              </a:rPr>
+              <a:t>(</a:t>
+            </a:r>
+            <a:r>
+              <a:rPr lang="en-US" dirty="0" err="1">
+                <a:latin typeface="Courier New" pitchFamily="49" charset="0"/>
+                <a:cs typeface="Courier New" pitchFamily="49" charset="0"/>
+              </a:rPr>
               <a:t>mirna</a:t>
             </a:r>
             <a:r>
@@ -19287,35 +18901,7 @@
                 <a:latin typeface="Courier New" pitchFamily="49" charset="0"/>
                 <a:cs typeface="Courier New" pitchFamily="49" charset="0"/>
               </a:rPr>
-              <a:t>['exp.hsa-miR-10b',]) ~ </a:t>
-            </a:r>
-            <a:r>
-              <a:rPr lang="en-US" b="1" dirty="0" err="1">
-                <a:latin typeface="Courier New" pitchFamily="49" charset="0"/>
-                <a:cs typeface="Courier New" pitchFamily="49" charset="0"/>
-              </a:rPr>
-              <a:t>as.numeric</a:t>
-            </a:r>
-            <a:r>
-              <a:rPr lang="en-US" dirty="0">
-                <a:latin typeface="Courier New" pitchFamily="49" charset="0"/>
-                <a:cs typeface="Courier New" pitchFamily="49" charset="0"/>
-              </a:rPr>
-              <a:t>(</a:t>
-            </a:r>
-            <a:r>
-              <a:rPr lang="en-US" dirty="0" err="1">
-                <a:latin typeface="Courier New" pitchFamily="49" charset="0"/>
-                <a:cs typeface="Courier New" pitchFamily="49" charset="0"/>
-              </a:rPr>
-              <a:t>cnv</a:t>
-            </a:r>
-            <a:r>
-              <a:rPr lang="en-US" dirty="0">
-                <a:latin typeface="Courier New" pitchFamily="49" charset="0"/>
-                <a:cs typeface="Courier New" pitchFamily="49" charset="0"/>
-              </a:rPr>
-              <a:t>['cnv.hsa-miR-10b',]))</a:t>
+              <a:t>['exp.hsa-miR-10b',]), na.rm = T)</a:t>
             </a:r>
           </a:p>
           <a:p>
@@ -19324,11 +18910,304 @@
               <a:buFontTx/>
               <a:buNone/>
             </a:pPr>
+            <a:endParaRPr lang="en-US" dirty="0">
+              <a:solidFill>
+                <a:srgbClr val="FF0000"/>
+              </a:solidFill>
+              <a:latin typeface="Courier New" pitchFamily="49" charset="0"/>
+              <a:cs typeface="Courier New" pitchFamily="49" charset="0"/>
+            </a:endParaRPr>
+          </a:p>
+          <a:p>
+            <a:pPr>
+              <a:buClrTx/>
+              <a:buFontTx/>
+              <a:buNone/>
+            </a:pPr>
+            <a:r>
+              <a:rPr lang="en-US" dirty="0">
+                <a:solidFill>
+                  <a:srgbClr val="FF0000"/>
+                </a:solidFill>
+                <a:latin typeface="Courier New" pitchFamily="49" charset="0"/>
+                <a:cs typeface="Courier New" pitchFamily="49" charset="0"/>
+              </a:rPr>
+              <a:t># Plot hsa-miR-10b expression vs. Copy Number levels</a:t>
+            </a:r>
+          </a:p>
+          <a:p>
+            <a:pPr>
+              <a:buClrTx/>
+              <a:buFontTx/>
+              <a:buNone/>
+            </a:pPr>
+            <a:r>
+              <a:rPr lang="en-US" b="1" dirty="0">
+                <a:latin typeface="Courier New" pitchFamily="49" charset="0"/>
+                <a:cs typeface="Courier New" pitchFamily="49" charset="0"/>
+              </a:rPr>
+              <a:t>plot</a:t>
+            </a:r>
+            <a:r>
+              <a:rPr lang="en-US" dirty="0">
+                <a:latin typeface="Courier New" pitchFamily="49" charset="0"/>
+                <a:cs typeface="Courier New" pitchFamily="49" charset="0"/>
+              </a:rPr>
+              <a:t>(</a:t>
+            </a:r>
             <a:r>
               <a:rPr lang="en-US" b="1" dirty="0" err="1">
                 <a:latin typeface="Courier New" pitchFamily="49" charset="0"/>
                 <a:cs typeface="Courier New" pitchFamily="49" charset="0"/>
               </a:rPr>
+              <a:t>as.numeric</a:t>
+            </a:r>
+            <a:r>
+              <a:rPr lang="en-US" dirty="0">
+                <a:latin typeface="Courier New" pitchFamily="49" charset="0"/>
+                <a:cs typeface="Courier New" pitchFamily="49" charset="0"/>
+              </a:rPr>
+              <a:t>(</a:t>
+            </a:r>
+            <a:r>
+              <a:rPr lang="en-US" dirty="0" err="1">
+                <a:latin typeface="Courier New" pitchFamily="49" charset="0"/>
+                <a:cs typeface="Courier New" pitchFamily="49" charset="0"/>
+              </a:rPr>
+              <a:t>mirna</a:t>
+            </a:r>
+            <a:r>
+              <a:rPr lang="en-US" dirty="0">
+                <a:latin typeface="Courier New" pitchFamily="49" charset="0"/>
+                <a:cs typeface="Courier New" pitchFamily="49" charset="0"/>
+              </a:rPr>
+              <a:t>['exp.hsa-miR-10b',]) ~ </a:t>
+            </a:r>
+            <a:r>
+              <a:rPr lang="en-US" b="1" dirty="0" err="1">
+                <a:latin typeface="Courier New" pitchFamily="49" charset="0"/>
+                <a:cs typeface="Courier New" pitchFamily="49" charset="0"/>
+              </a:rPr>
+              <a:t>as.numeric</a:t>
+            </a:r>
+            <a:r>
+              <a:rPr lang="en-US" dirty="0">
+                <a:latin typeface="Courier New" pitchFamily="49" charset="0"/>
+                <a:cs typeface="Courier New" pitchFamily="49" charset="0"/>
+              </a:rPr>
+              <a:t>(</a:t>
+            </a:r>
+            <a:r>
+              <a:rPr lang="en-US" dirty="0" err="1">
+                <a:latin typeface="Courier New" pitchFamily="49" charset="0"/>
+                <a:cs typeface="Courier New" pitchFamily="49" charset="0"/>
+              </a:rPr>
+              <a:t>cnv</a:t>
+            </a:r>
+            <a:r>
+              <a:rPr lang="en-US" dirty="0">
+                <a:latin typeface="Courier New" pitchFamily="49" charset="0"/>
+                <a:cs typeface="Courier New" pitchFamily="49" charset="0"/>
+              </a:rPr>
+              <a:t>['cnv.hsa-miR-10b',]), col = </a:t>
+            </a:r>
+            <a:r>
+              <a:rPr lang="en-US" b="1" dirty="0" err="1">
+                <a:latin typeface="Courier New" pitchFamily="49" charset="0"/>
+                <a:cs typeface="Courier New" pitchFamily="49" charset="0"/>
+              </a:rPr>
+              <a:t>rgb</a:t>
+            </a:r>
+            <a:r>
+              <a:rPr lang="en-US" dirty="0">
+                <a:latin typeface="Courier New" pitchFamily="49" charset="0"/>
+                <a:cs typeface="Courier New" pitchFamily="49" charset="0"/>
+              </a:rPr>
+              <a:t>(0</a:t>
+            </a:r>
+            <a:r>
+              <a:rPr lang="en-US" dirty="0" smtClean="0">
+                <a:latin typeface="Courier New" pitchFamily="49" charset="0"/>
+                <a:cs typeface="Courier New" pitchFamily="49" charset="0"/>
+              </a:rPr>
+              <a:t>, 0, 1, 0.5</a:t>
+            </a:r>
+            <a:r>
+              <a:rPr lang="en-US" dirty="0">
+                <a:latin typeface="Courier New" pitchFamily="49" charset="0"/>
+                <a:cs typeface="Courier New" pitchFamily="49" charset="0"/>
+              </a:rPr>
+              <a:t>), </a:t>
+            </a:r>
+            <a:r>
+              <a:rPr lang="en-US" dirty="0" err="1">
+                <a:latin typeface="Courier New" pitchFamily="49" charset="0"/>
+                <a:cs typeface="Courier New" pitchFamily="49" charset="0"/>
+              </a:rPr>
+              <a:t>pch</a:t>
+            </a:r>
+            <a:r>
+              <a:rPr lang="en-US" dirty="0">
+                <a:latin typeface="Courier New" pitchFamily="49" charset="0"/>
+                <a:cs typeface="Courier New" pitchFamily="49" charset="0"/>
+              </a:rPr>
+              <a:t> = 20, </a:t>
+            </a:r>
+            <a:r>
+              <a:rPr lang="en-US" dirty="0" err="1">
+                <a:latin typeface="Courier New" pitchFamily="49" charset="0"/>
+                <a:cs typeface="Courier New" pitchFamily="49" charset="0"/>
+              </a:rPr>
+              <a:t>xlab</a:t>
+            </a:r>
+            <a:r>
+              <a:rPr lang="en-US" dirty="0">
+                <a:latin typeface="Courier New" pitchFamily="49" charset="0"/>
+                <a:cs typeface="Courier New" pitchFamily="49" charset="0"/>
+              </a:rPr>
+              <a:t> = 'Copy Number', </a:t>
+            </a:r>
+            <a:r>
+              <a:rPr lang="en-US" dirty="0" err="1">
+                <a:latin typeface="Courier New" pitchFamily="49" charset="0"/>
+                <a:cs typeface="Courier New" pitchFamily="49" charset="0"/>
+              </a:rPr>
+              <a:t>ylab</a:t>
+            </a:r>
+            <a:r>
+              <a:rPr lang="en-US" dirty="0">
+                <a:latin typeface="Courier New" pitchFamily="49" charset="0"/>
+                <a:cs typeface="Courier New" pitchFamily="49" charset="0"/>
+              </a:rPr>
+              <a:t> = 'hsa-miR-10b Expression', main = 'hsa-miR-10b:\n Expression vs. Copy Number')</a:t>
+            </a:r>
+          </a:p>
+          <a:p>
+            <a:pPr>
+              <a:buClrTx/>
+              <a:buFontTx/>
+              <a:buNone/>
+            </a:pPr>
+            <a:endParaRPr lang="en-US" dirty="0">
+              <a:solidFill>
+                <a:srgbClr val="FF0000"/>
+              </a:solidFill>
+              <a:latin typeface="Courier New" pitchFamily="49" charset="0"/>
+              <a:cs typeface="Courier New" pitchFamily="49" charset="0"/>
+            </a:endParaRPr>
+          </a:p>
+          <a:p>
+            <a:pPr>
+              <a:buClrTx/>
+              <a:buFontTx/>
+              <a:buNone/>
+            </a:pPr>
+            <a:r>
+              <a:rPr lang="en-US" dirty="0">
+                <a:solidFill>
+                  <a:srgbClr val="FF0000"/>
+                </a:solidFill>
+                <a:latin typeface="Courier New" pitchFamily="49" charset="0"/>
+                <a:cs typeface="Courier New" pitchFamily="49" charset="0"/>
+              </a:rPr>
+              <a:t># Add a trend line to the plot</a:t>
+            </a:r>
+          </a:p>
+          <a:p>
+            <a:pPr>
+              <a:buClrTx/>
+              <a:buFontTx/>
+              <a:buNone/>
+            </a:pPr>
+            <a:r>
+              <a:rPr lang="en-US" dirty="0">
+                <a:latin typeface="Courier New" pitchFamily="49" charset="0"/>
+                <a:cs typeface="Courier New" pitchFamily="49" charset="0"/>
+              </a:rPr>
+              <a:t>lm1 = </a:t>
+            </a:r>
+            <a:r>
+              <a:rPr lang="en-US" b="1" dirty="0">
+                <a:latin typeface="Courier New" pitchFamily="49" charset="0"/>
+                <a:cs typeface="Courier New" pitchFamily="49" charset="0"/>
+              </a:rPr>
+              <a:t>lm</a:t>
+            </a:r>
+            <a:r>
+              <a:rPr lang="en-US" dirty="0">
+                <a:latin typeface="Courier New" pitchFamily="49" charset="0"/>
+                <a:cs typeface="Courier New" pitchFamily="49" charset="0"/>
+              </a:rPr>
+              <a:t>(</a:t>
+            </a:r>
+            <a:r>
+              <a:rPr lang="en-US" b="1" dirty="0" err="1">
+                <a:latin typeface="Courier New" pitchFamily="49" charset="0"/>
+                <a:cs typeface="Courier New" pitchFamily="49" charset="0"/>
+              </a:rPr>
+              <a:t>as.numeric</a:t>
+            </a:r>
+            <a:r>
+              <a:rPr lang="en-US" dirty="0">
+                <a:latin typeface="Courier New" pitchFamily="49" charset="0"/>
+                <a:cs typeface="Courier New" pitchFamily="49" charset="0"/>
+              </a:rPr>
+              <a:t>(</a:t>
+            </a:r>
+            <a:r>
+              <a:rPr lang="en-US" dirty="0" err="1">
+                <a:latin typeface="Courier New" pitchFamily="49" charset="0"/>
+                <a:cs typeface="Courier New" pitchFamily="49" charset="0"/>
+              </a:rPr>
+              <a:t>mirna</a:t>
+            </a:r>
+            <a:r>
+              <a:rPr lang="en-US" dirty="0">
+                <a:latin typeface="Courier New" pitchFamily="49" charset="0"/>
+                <a:cs typeface="Courier New" pitchFamily="49" charset="0"/>
+              </a:rPr>
+              <a:t>['exp.hsa-miR-10b',]) ~ </a:t>
+            </a:r>
+            <a:r>
+              <a:rPr lang="en-US" b="1" dirty="0" err="1">
+                <a:latin typeface="Courier New" pitchFamily="49" charset="0"/>
+                <a:cs typeface="Courier New" pitchFamily="49" charset="0"/>
+              </a:rPr>
+              <a:t>as.numeric</a:t>
+            </a:r>
+            <a:r>
+              <a:rPr lang="en-US" dirty="0">
+                <a:latin typeface="Courier New" pitchFamily="49" charset="0"/>
+                <a:cs typeface="Courier New" pitchFamily="49" charset="0"/>
+              </a:rPr>
+              <a:t>(</a:t>
+            </a:r>
+            <a:r>
+              <a:rPr lang="en-US" dirty="0" err="1">
+                <a:latin typeface="Courier New" pitchFamily="49" charset="0"/>
+                <a:cs typeface="Courier New" pitchFamily="49" charset="0"/>
+              </a:rPr>
+              <a:t>cnv</a:t>
+            </a:r>
+            <a:r>
+              <a:rPr lang="en-US" dirty="0">
+                <a:latin typeface="Courier New" pitchFamily="49" charset="0"/>
+                <a:cs typeface="Courier New" pitchFamily="49" charset="0"/>
+              </a:rPr>
+              <a:t>['cnv.hsa-miR-10b',]))</a:t>
+            </a:r>
+          </a:p>
+          <a:p>
+            <a:pPr>
+              <a:buClrTx/>
+              <a:buFontTx/>
+              <a:buNone/>
+            </a:pPr>
+            <a:r>
+              <a:rPr lang="en-US" b="1" dirty="0" err="1">
+                <a:latin typeface="Courier New" pitchFamily="49" charset="0"/>
+                <a:cs typeface="Courier New" pitchFamily="49" charset="0"/>
+              </a:rPr>
               <a:t>abline</a:t>
             </a:r>
             <a:r>
@@ -19336,46 +19215,85 @@
                 <a:latin typeface="Courier New" pitchFamily="49" charset="0"/>
                 <a:cs typeface="Courier New" pitchFamily="49" charset="0"/>
               </a:rPr>
-              <a:t>(lm1, col='red', </a:t>
-            </a:r>
-            <a:r>
-              <a:rPr lang="en-US" dirty="0" err="1">
+              <a:t>(lm1</a:t>
+            </a:r>
+            <a:r>
+              <a:rPr lang="en-US" dirty="0" smtClean="0">
+                <a:latin typeface="Courier New" pitchFamily="49" charset="0"/>
+                <a:cs typeface="Courier New" pitchFamily="49" charset="0"/>
+              </a:rPr>
+              <a:t>, col</a:t>
+            </a:r>
+            <a:r>
+              <a:rPr lang="en-US" dirty="0">
+                <a:latin typeface="Courier New" pitchFamily="49" charset="0"/>
+                <a:cs typeface="Courier New" pitchFamily="49" charset="0"/>
+              </a:rPr>
+              <a:t>='red</a:t>
+            </a:r>
+            <a:r>
+              <a:rPr lang="en-US" dirty="0" smtClean="0">
+                <a:latin typeface="Courier New" pitchFamily="49" charset="0"/>
+                <a:cs typeface="Courier New" pitchFamily="49" charset="0"/>
+              </a:rPr>
+              <a:t>', </a:t>
+            </a:r>
+            <a:r>
+              <a:rPr lang="en-US" dirty="0" err="1" smtClean="0">
                 <a:latin typeface="Courier New" pitchFamily="49" charset="0"/>
                 <a:cs typeface="Courier New" pitchFamily="49" charset="0"/>
               </a:rPr>
               <a:t>lty</a:t>
             </a:r>
             <a:r>
+              <a:rPr lang="en-US" dirty="0" smtClean="0">
+                <a:latin typeface="Courier New" pitchFamily="49" charset="0"/>
+                <a:cs typeface="Courier New" pitchFamily="49" charset="0"/>
+              </a:rPr>
+              <a:t>=1, </a:t>
+            </a:r>
+            <a:r>
+              <a:rPr lang="en-US" dirty="0" err="1" smtClean="0">
+                <a:latin typeface="Courier New" pitchFamily="49" charset="0"/>
+                <a:cs typeface="Courier New" pitchFamily="49" charset="0"/>
+              </a:rPr>
+              <a:t>lwd</a:t>
+            </a:r>
+            <a:r>
+              <a:rPr lang="en-US" dirty="0" smtClean="0">
+                <a:latin typeface="Courier New" pitchFamily="49" charset="0"/>
+                <a:cs typeface="Courier New" pitchFamily="49" charset="0"/>
+              </a:rPr>
+              <a:t>=1</a:t>
+            </a:r>
+            <a:r>
               <a:rPr lang="en-US" dirty="0">
                 <a:latin typeface="Courier New" pitchFamily="49" charset="0"/>
                 <a:cs typeface="Courier New" pitchFamily="49" charset="0"/>
               </a:rPr>
-              <a:t>=1, </a:t>
-            </a:r>
-            <a:r>
-              <a:rPr lang="en-US" dirty="0" err="1">
-                <a:latin typeface="Courier New" pitchFamily="49" charset="0"/>
-                <a:cs typeface="Courier New" pitchFamily="49" charset="0"/>
-              </a:rPr>
-              <a:t>lwd</a:t>
-            </a:r>
-            <a:r>
-              <a:rPr lang="en-US" dirty="0">
-                <a:latin typeface="Courier New" pitchFamily="49" charset="0"/>
-                <a:cs typeface="Courier New" pitchFamily="49" charset="0"/>
-              </a:rPr>
-              <a:t>=1)</a:t>
-            </a:r>
-          </a:p>
-          <a:p>
-            <a:endParaRPr lang="en-US" dirty="0"/>
+              <a:t>)</a:t>
+            </a:r>
+          </a:p>
+          <a:p>
+            <a:pPr>
+              <a:buClrTx/>
+              <a:buFontTx/>
+              <a:buNone/>
+            </a:pPr>
+            <a:endParaRPr lang="en-US" dirty="0" smtClean="0">
+              <a:solidFill>
+                <a:srgbClr val="FF0000"/>
+              </a:solidFill>
+              <a:latin typeface="Courier New" pitchFamily="49" charset="0"/>
+              <a:cs typeface="Courier New" pitchFamily="49" charset="0"/>
+            </a:endParaRPr>
           </a:p>
         </p:txBody>
       </p:sp>
     </p:spTree>
     <p:extLst>
       <p:ext uri="{BB962C8B-B14F-4D97-AF65-F5344CB8AC3E}">
-        <p14:creationId xmlns:p14="http://schemas.microsoft.com/office/powerpoint/2010/main" val="3462739384"/>
+        <p14:creationId xmlns:p14="http://schemas.microsoft.com/office/powerpoint/2010/main" val="2338904598"/>
       </p:ext>
     </p:extLst>
   </p:cSld>
@@ -19421,132 +19339,356 @@
         </p:nvSpPr>
         <p:spPr/>
         <p:txBody>
+          <a:bodyPr/>
+          <a:lstStyle/>
+          <a:p>
+            <a:r>
+              <a:rPr lang="en-US" dirty="0" smtClean="0"/>
+              <a:t>Plot Correlation</a:t>
+            </a:r>
+            <a:endParaRPr lang="en-US" dirty="0"/>
+          </a:p>
+        </p:txBody>
+      </p:sp>
+      <p:sp>
+        <p:nvSpPr>
+          <p:cNvPr id="3" name="Content Placeholder 2"/>
+          <p:cNvSpPr>
+            <a:spLocks noGrp="1"/>
+          </p:cNvSpPr>
+          <p:nvPr>
+            <p:ph idx="1"/>
+          </p:nvPr>
+        </p:nvSpPr>
+        <p:spPr/>
+        <p:txBody>
           <a:bodyPr>
-            <a:normAutofit/>
+            <a:normAutofit fontScale="70000" lnSpcReduction="20000"/>
           </a:bodyPr>
           <a:lstStyle/>
           <a:p>
-            <a:r>
-              <a:rPr lang="en-US" dirty="0" smtClean="0"/>
-              <a:t>Not Associated with Copy Number</a:t>
-            </a:r>
+            <a:pPr>
+              <a:buClrTx/>
+              <a:buFontTx/>
+              <a:buNone/>
+            </a:pPr>
+            <a:r>
+              <a:rPr lang="en-US" dirty="0">
+                <a:solidFill>
+                  <a:srgbClr val="FF0000"/>
+                </a:solidFill>
+                <a:latin typeface="Courier New" pitchFamily="49" charset="0"/>
+                <a:cs typeface="Courier New" pitchFamily="49" charset="0"/>
+              </a:rPr>
+              <a:t># Plot hsa-miR-10b expression vs. Copy Number levels</a:t>
+            </a:r>
+          </a:p>
+          <a:p>
+            <a:pPr>
+              <a:buClrTx/>
+              <a:buFontTx/>
+              <a:buNone/>
+            </a:pPr>
+            <a:r>
+              <a:rPr lang="en-US" b="1" dirty="0">
+                <a:latin typeface="Courier New" pitchFamily="49" charset="0"/>
+                <a:cs typeface="Courier New" pitchFamily="49" charset="0"/>
+              </a:rPr>
+              <a:t>plot</a:t>
+            </a:r>
+            <a:r>
+              <a:rPr lang="en-US" dirty="0">
+                <a:latin typeface="Courier New" pitchFamily="49" charset="0"/>
+                <a:cs typeface="Courier New" pitchFamily="49" charset="0"/>
+              </a:rPr>
+              <a:t>(</a:t>
+            </a:r>
+            <a:r>
+              <a:rPr lang="en-US" b="1" dirty="0" err="1">
+                <a:latin typeface="Courier New" pitchFamily="49" charset="0"/>
+                <a:cs typeface="Courier New" pitchFamily="49" charset="0"/>
+              </a:rPr>
+              <a:t>as.numeric</a:t>
+            </a:r>
+            <a:r>
+              <a:rPr lang="en-US" dirty="0">
+                <a:latin typeface="Courier New" pitchFamily="49" charset="0"/>
+                <a:cs typeface="Courier New" pitchFamily="49" charset="0"/>
+              </a:rPr>
+              <a:t>(</a:t>
+            </a:r>
+            <a:r>
+              <a:rPr lang="en-US" dirty="0" err="1">
+                <a:latin typeface="Courier New" pitchFamily="49" charset="0"/>
+                <a:cs typeface="Courier New" pitchFamily="49" charset="0"/>
+              </a:rPr>
+              <a:t>mirna</a:t>
+            </a:r>
+            <a:r>
+              <a:rPr lang="en-US" dirty="0">
+                <a:latin typeface="Courier New" pitchFamily="49" charset="0"/>
+                <a:cs typeface="Courier New" pitchFamily="49" charset="0"/>
+              </a:rPr>
+              <a:t>['exp.hsa-miR-10b',]) ~ </a:t>
+            </a:r>
+            <a:r>
+              <a:rPr lang="en-US" b="1" dirty="0" err="1">
+                <a:latin typeface="Courier New" pitchFamily="49" charset="0"/>
+                <a:cs typeface="Courier New" pitchFamily="49" charset="0"/>
+              </a:rPr>
+              <a:t>as.numeric</a:t>
+            </a:r>
+            <a:r>
+              <a:rPr lang="en-US" dirty="0">
+                <a:latin typeface="Courier New" pitchFamily="49" charset="0"/>
+                <a:cs typeface="Courier New" pitchFamily="49" charset="0"/>
+              </a:rPr>
+              <a:t>(</a:t>
+            </a:r>
+            <a:r>
+              <a:rPr lang="en-US" dirty="0" err="1">
+                <a:latin typeface="Courier New" pitchFamily="49" charset="0"/>
+                <a:cs typeface="Courier New" pitchFamily="49" charset="0"/>
+              </a:rPr>
+              <a:t>cnv</a:t>
+            </a:r>
+            <a:r>
+              <a:rPr lang="en-US" dirty="0">
+                <a:latin typeface="Courier New" pitchFamily="49" charset="0"/>
+                <a:cs typeface="Courier New" pitchFamily="49" charset="0"/>
+              </a:rPr>
+              <a:t>['cnv.hsa-miR-10b',]), col = </a:t>
+            </a:r>
+            <a:r>
+              <a:rPr lang="en-US" b="1" dirty="0" err="1">
+                <a:latin typeface="Courier New" pitchFamily="49" charset="0"/>
+                <a:cs typeface="Courier New" pitchFamily="49" charset="0"/>
+              </a:rPr>
+              <a:t>rgb</a:t>
+            </a:r>
+            <a:r>
+              <a:rPr lang="en-US" dirty="0">
+                <a:latin typeface="Courier New" pitchFamily="49" charset="0"/>
+                <a:cs typeface="Courier New" pitchFamily="49" charset="0"/>
+              </a:rPr>
+              <a:t>(0, 0, 1, 0.5), </a:t>
+            </a:r>
+            <a:r>
+              <a:rPr lang="en-US" dirty="0" err="1">
+                <a:latin typeface="Courier New" pitchFamily="49" charset="0"/>
+                <a:cs typeface="Courier New" pitchFamily="49" charset="0"/>
+              </a:rPr>
+              <a:t>pch</a:t>
+            </a:r>
+            <a:r>
+              <a:rPr lang="en-US" dirty="0">
+                <a:latin typeface="Courier New" pitchFamily="49" charset="0"/>
+                <a:cs typeface="Courier New" pitchFamily="49" charset="0"/>
+              </a:rPr>
+              <a:t> = 20, </a:t>
+            </a:r>
+            <a:r>
+              <a:rPr lang="en-US" dirty="0" err="1">
+                <a:latin typeface="Courier New" pitchFamily="49" charset="0"/>
+                <a:cs typeface="Courier New" pitchFamily="49" charset="0"/>
+              </a:rPr>
+              <a:t>xlab</a:t>
+            </a:r>
+            <a:r>
+              <a:rPr lang="en-US" dirty="0">
+                <a:latin typeface="Courier New" pitchFamily="49" charset="0"/>
+                <a:cs typeface="Courier New" pitchFamily="49" charset="0"/>
+              </a:rPr>
+              <a:t> = 'Copy Number', </a:t>
+            </a:r>
+            <a:r>
+              <a:rPr lang="en-US" dirty="0" err="1">
+                <a:latin typeface="Courier New" pitchFamily="49" charset="0"/>
+                <a:cs typeface="Courier New" pitchFamily="49" charset="0"/>
+              </a:rPr>
+              <a:t>ylab</a:t>
+            </a:r>
+            <a:r>
+              <a:rPr lang="en-US" dirty="0">
+                <a:latin typeface="Courier New" pitchFamily="49" charset="0"/>
+                <a:cs typeface="Courier New" pitchFamily="49" charset="0"/>
+              </a:rPr>
+              <a:t> = 'hsa-miR-10b Expression', main = 'hsa-miR-10b:\n Expression vs. Copy Number')</a:t>
+            </a:r>
+          </a:p>
+          <a:p>
+            <a:pPr>
+              <a:buClrTx/>
+              <a:buFontTx/>
+              <a:buNone/>
+            </a:pPr>
+            <a:endParaRPr lang="en-US" dirty="0">
+              <a:solidFill>
+                <a:srgbClr val="FF0000"/>
+              </a:solidFill>
+              <a:latin typeface="Courier New" pitchFamily="49" charset="0"/>
+              <a:cs typeface="Courier New" pitchFamily="49" charset="0"/>
+            </a:endParaRPr>
+          </a:p>
+          <a:p>
+            <a:pPr>
+              <a:buClrTx/>
+              <a:buFontTx/>
+              <a:buNone/>
+            </a:pPr>
+            <a:r>
+              <a:rPr lang="en-US" dirty="0">
+                <a:solidFill>
+                  <a:srgbClr val="FF0000"/>
+                </a:solidFill>
+                <a:latin typeface="Courier New" pitchFamily="49" charset="0"/>
+                <a:cs typeface="Courier New" pitchFamily="49" charset="0"/>
+              </a:rPr>
+              <a:t># Add a trend line to the plot</a:t>
+            </a:r>
+          </a:p>
+          <a:p>
+            <a:pPr>
+              <a:buClrTx/>
+              <a:buFontTx/>
+              <a:buNone/>
+            </a:pPr>
+            <a:r>
+              <a:rPr lang="en-US" dirty="0">
+                <a:latin typeface="Courier New" pitchFamily="49" charset="0"/>
+                <a:cs typeface="Courier New" pitchFamily="49" charset="0"/>
+              </a:rPr>
+              <a:t>lm1 = </a:t>
+            </a:r>
+            <a:r>
+              <a:rPr lang="en-US" b="1" dirty="0">
+                <a:latin typeface="Courier New" pitchFamily="49" charset="0"/>
+                <a:cs typeface="Courier New" pitchFamily="49" charset="0"/>
+              </a:rPr>
+              <a:t>lm</a:t>
+            </a:r>
+            <a:r>
+              <a:rPr lang="en-US" dirty="0">
+                <a:latin typeface="Courier New" pitchFamily="49" charset="0"/>
+                <a:cs typeface="Courier New" pitchFamily="49" charset="0"/>
+              </a:rPr>
+              <a:t>(</a:t>
+            </a:r>
+            <a:r>
+              <a:rPr lang="en-US" b="1" dirty="0" err="1">
+                <a:latin typeface="Courier New" pitchFamily="49" charset="0"/>
+                <a:cs typeface="Courier New" pitchFamily="49" charset="0"/>
+              </a:rPr>
+              <a:t>as.numeric</a:t>
+            </a:r>
+            <a:r>
+              <a:rPr lang="en-US" dirty="0">
+                <a:latin typeface="Courier New" pitchFamily="49" charset="0"/>
+                <a:cs typeface="Courier New" pitchFamily="49" charset="0"/>
+              </a:rPr>
+              <a:t>(</a:t>
+            </a:r>
+            <a:r>
+              <a:rPr lang="en-US" dirty="0" err="1">
+                <a:latin typeface="Courier New" pitchFamily="49" charset="0"/>
+                <a:cs typeface="Courier New" pitchFamily="49" charset="0"/>
+              </a:rPr>
+              <a:t>mirna</a:t>
+            </a:r>
+            <a:r>
+              <a:rPr lang="en-US" dirty="0">
+                <a:latin typeface="Courier New" pitchFamily="49" charset="0"/>
+                <a:cs typeface="Courier New" pitchFamily="49" charset="0"/>
+              </a:rPr>
+              <a:t>['exp.hsa-miR-10b',]) ~ </a:t>
+            </a:r>
+            <a:r>
+              <a:rPr lang="en-US" b="1" dirty="0" err="1">
+                <a:latin typeface="Courier New" pitchFamily="49" charset="0"/>
+                <a:cs typeface="Courier New" pitchFamily="49" charset="0"/>
+              </a:rPr>
+              <a:t>as.numeric</a:t>
+            </a:r>
+            <a:r>
+              <a:rPr lang="en-US" dirty="0">
+                <a:latin typeface="Courier New" pitchFamily="49" charset="0"/>
+                <a:cs typeface="Courier New" pitchFamily="49" charset="0"/>
+              </a:rPr>
+              <a:t>(</a:t>
+            </a:r>
+            <a:r>
+              <a:rPr lang="en-US" dirty="0" err="1">
+                <a:latin typeface="Courier New" pitchFamily="49" charset="0"/>
+                <a:cs typeface="Courier New" pitchFamily="49" charset="0"/>
+              </a:rPr>
+              <a:t>cnv</a:t>
+            </a:r>
+            <a:r>
+              <a:rPr lang="en-US" dirty="0">
+                <a:latin typeface="Courier New" pitchFamily="49" charset="0"/>
+                <a:cs typeface="Courier New" pitchFamily="49" charset="0"/>
+              </a:rPr>
+              <a:t>['cnv.hsa-miR-10b',]))</a:t>
+            </a:r>
+          </a:p>
+          <a:p>
+            <a:pPr>
+              <a:buClrTx/>
+              <a:buFontTx/>
+              <a:buNone/>
+            </a:pPr>
+            <a:r>
+              <a:rPr lang="en-US" b="1" dirty="0" err="1">
+                <a:latin typeface="Courier New" pitchFamily="49" charset="0"/>
+                <a:cs typeface="Courier New" pitchFamily="49" charset="0"/>
+              </a:rPr>
+              <a:t>abline</a:t>
+            </a:r>
+            <a:r>
+              <a:rPr lang="en-US" dirty="0">
+                <a:latin typeface="Courier New" pitchFamily="49" charset="0"/>
+                <a:cs typeface="Courier New" pitchFamily="49" charset="0"/>
+              </a:rPr>
+              <a:t>(lm1, col='red', </a:t>
+            </a:r>
+            <a:r>
+              <a:rPr lang="en-US" dirty="0" err="1">
+                <a:latin typeface="Courier New" pitchFamily="49" charset="0"/>
+                <a:cs typeface="Courier New" pitchFamily="49" charset="0"/>
+              </a:rPr>
+              <a:t>lty</a:t>
+            </a:r>
+            <a:r>
+              <a:rPr lang="en-US" dirty="0">
+                <a:latin typeface="Courier New" pitchFamily="49" charset="0"/>
+                <a:cs typeface="Courier New" pitchFamily="49" charset="0"/>
+              </a:rPr>
+              <a:t>=1, </a:t>
+            </a:r>
+            <a:r>
+              <a:rPr lang="en-US" dirty="0" err="1">
+                <a:latin typeface="Courier New" pitchFamily="49" charset="0"/>
+                <a:cs typeface="Courier New" pitchFamily="49" charset="0"/>
+              </a:rPr>
+              <a:t>lwd</a:t>
+            </a:r>
+            <a:r>
+              <a:rPr lang="en-US" dirty="0">
+                <a:latin typeface="Courier New" pitchFamily="49" charset="0"/>
+                <a:cs typeface="Courier New" pitchFamily="49" charset="0"/>
+              </a:rPr>
+              <a:t>=1)</a:t>
+            </a:r>
+          </a:p>
+          <a:p>
             <a:endParaRPr lang="en-US" dirty="0"/>
-          </a:p>
-        </p:txBody>
-      </p:sp>
-      <p:pic>
-        <p:nvPicPr>
-          <p:cNvPr id="5" name="Picture 2"/>
-          <p:cNvPicPr>
-            <a:picLocks noGrp="1" noChangeAspect="1" noChangeArrowheads="1"/>
-          </p:cNvPicPr>
-          <p:nvPr>
-            <p:ph idx="1"/>
-          </p:nvPr>
-        </p:nvPicPr>
-        <p:blipFill rotWithShape="1">
-          <a:blip r:embed="rId3">
-            <a:extLst>
-              <a:ext uri="{28A0092B-C50C-407E-A947-70E740481C1C}">
-                <a14:useLocalDpi xmlns:a14="http://schemas.microsoft.com/office/drawing/2010/main" val="0"/>
-              </a:ext>
-            </a:extLst>
-          </a:blip>
-          <a:srcRect l="64052" t="12061" r="1961" b="26256"/>
-          <a:stretch/>
-        </p:blipFill>
-        <p:spPr bwMode="auto">
-          <a:xfrm>
-            <a:off x="381000" y="1583305"/>
-            <a:ext cx="4745417" cy="4665095"/>
-          </a:xfrm>
-          <a:prstGeom prst="rect">
-            <a:avLst/>
-          </a:prstGeom>
-          <a:noFill/>
-          <a:ln>
-            <a:noFill/>
-          </a:ln>
-          <a:effectLst/>
-          <a:extLst>
-            <a:ext uri="{909E8E84-426E-40DD-AFC4-6F175D3DCCD1}">
-              <a14:hiddenFill xmlns:a14="http://schemas.microsoft.com/office/drawing/2010/main">
-                <a:solidFill>
-                  <a:schemeClr val="accent1"/>
-                </a:solidFill>
-              </a14:hiddenFill>
-            </a:ext>
-            <a:ext uri="{91240B29-F687-4F45-9708-019B960494DF}">
-              <a14:hiddenLine xmlns:a14="http://schemas.microsoft.com/office/drawing/2010/main" w="9525">
-                <a:solidFill>
-                  <a:schemeClr val="tx1"/>
-                </a:solidFill>
-                <a:miter lim="800000"/>
-                <a:headEnd/>
-                <a:tailEnd/>
-              </a14:hiddenLine>
-            </a:ext>
-            <a:ext uri="{AF507438-7753-43E0-B8FC-AC1667EBCBE1}">
-              <a14:hiddenEffects xmlns:a14="http://schemas.microsoft.com/office/drawing/2010/main">
-                <a:effectLst>
-                  <a:outerShdw dist="35921" dir="2700000" algn="ctr" rotWithShape="0">
-                    <a:schemeClr val="bg2"/>
-                  </a:outerShdw>
-                </a:effectLst>
-              </a14:hiddenEffects>
-            </a:ext>
-          </a:extLst>
-        </p:spPr>
-      </p:pic>
-      <p:sp>
-        <p:nvSpPr>
-          <p:cNvPr id="6" name="TextBox 5"/>
-          <p:cNvSpPr txBox="1"/>
-          <p:nvPr/>
-        </p:nvSpPr>
-        <p:spPr>
-          <a:xfrm>
-            <a:off x="5715000" y="2819400"/>
-            <a:ext cx="1595309" cy="646331"/>
-          </a:xfrm>
-          <a:prstGeom prst="rect">
-            <a:avLst/>
-          </a:prstGeom>
-          <a:noFill/>
-        </p:spPr>
-        <p:txBody>
-          <a:bodyPr wrap="none" rtlCol="0">
-            <a:spAutoFit/>
-          </a:bodyPr>
-          <a:lstStyle/>
-          <a:p>
-            <a:r>
-              <a:rPr lang="en-US" dirty="0" smtClean="0"/>
-              <a:t>P-Value = </a:t>
-            </a:r>
-            <a:r>
-              <a:rPr lang="en-US" b="1" dirty="0" smtClean="0"/>
-              <a:t>0.51</a:t>
-            </a:r>
-            <a:endParaRPr lang="en-US" b="1" baseline="30000" dirty="0" smtClean="0"/>
-          </a:p>
-          <a:p>
-            <a:r>
-              <a:rPr lang="en-US" dirty="0" smtClean="0"/>
-              <a:t>R =            </a:t>
-            </a:r>
-            <a:r>
-              <a:rPr lang="en-US" b="1" dirty="0" smtClean="0"/>
-              <a:t>-0.03</a:t>
-            </a:r>
-            <a:endParaRPr lang="en-US" b="1" dirty="0"/>
           </a:p>
         </p:txBody>
       </p:sp>
     </p:spTree>
     <p:extLst>
       <p:ext uri="{BB962C8B-B14F-4D97-AF65-F5344CB8AC3E}">
-        <p14:creationId xmlns:p14="http://schemas.microsoft.com/office/powerpoint/2010/main" val="71371399"/>
+        <p14:creationId xmlns:p14="http://schemas.microsoft.com/office/powerpoint/2010/main" val="3462739384"/>
       </p:ext>
     </p:extLst>
   </p:cSld>
@@ -19870,932 +20012,132 @@
         </p:nvSpPr>
         <p:spPr/>
         <p:txBody>
-          <a:bodyPr/>
-          <a:lstStyle/>
-          <a:p>
-            <a:r>
-              <a:rPr lang="en-US" dirty="0" smtClean="0"/>
-              <a:t>Scaling it Up to Whole </a:t>
-            </a:r>
-            <a:r>
-              <a:rPr lang="en-US" dirty="0" err="1" smtClean="0"/>
-              <a:t>miRNAome</a:t>
-            </a:r>
-            <a:endParaRPr lang="en-US" dirty="0"/>
-          </a:p>
-        </p:txBody>
-      </p:sp>
-      <p:sp>
-        <p:nvSpPr>
-          <p:cNvPr id="3" name="Content Placeholder 2"/>
-          <p:cNvSpPr>
-            <a:spLocks noGrp="1"/>
-          </p:cNvSpPr>
-          <p:nvPr>
-            <p:ph idx="1"/>
-          </p:nvPr>
-        </p:nvSpPr>
-        <p:spPr/>
-        <p:txBody>
           <a:bodyPr>
-            <a:normAutofit fontScale="47500" lnSpcReduction="20000"/>
+            <a:normAutofit/>
           </a:bodyPr>
           <a:lstStyle/>
           <a:p>
-            <a:pPr marL="0" indent="0">
-              <a:buNone/>
-            </a:pPr>
-            <a:endParaRPr lang="en-US" dirty="0" smtClean="0">
-              <a:solidFill>
-                <a:srgbClr val="FF0000"/>
-              </a:solidFill>
-              <a:latin typeface="Courier New" pitchFamily="49" charset="0"/>
-              <a:cs typeface="Courier New" pitchFamily="49" charset="0"/>
-            </a:endParaRPr>
-          </a:p>
-          <a:p>
-            <a:pPr marL="0" indent="0">
-              <a:buNone/>
-            </a:pPr>
-            <a:endParaRPr lang="en-US" dirty="0">
-              <a:solidFill>
-                <a:srgbClr val="FF0000"/>
-              </a:solidFill>
-              <a:latin typeface="Courier New" pitchFamily="49" charset="0"/>
-              <a:cs typeface="Courier New" pitchFamily="49" charset="0"/>
-            </a:endParaRPr>
-          </a:p>
-          <a:p>
-            <a:pPr marL="0" indent="0">
-              <a:buNone/>
-            </a:pPr>
-            <a:r>
-              <a:rPr lang="en-US" dirty="0" smtClean="0">
+            <a:r>
+              <a:rPr lang="en-US" dirty="0" smtClean="0"/>
+              <a:t>Not Associated with Copy Number</a:t>
+            </a:r>
+            <a:endParaRPr lang="en-US" dirty="0"/>
+          </a:p>
+        </p:txBody>
+      </p:sp>
+      <p:pic>
+        <p:nvPicPr>
+          <p:cNvPr id="5" name="Picture 2"/>
+          <p:cNvPicPr>
+            <a:picLocks noGrp="1" noChangeAspect="1" noChangeArrowheads="1"/>
+          </p:cNvPicPr>
+          <p:nvPr>
+            <p:ph idx="1"/>
+          </p:nvPr>
+        </p:nvPicPr>
+        <p:blipFill rotWithShape="1">
+          <a:blip r:embed="rId3">
+            <a:extLst>
+              <a:ext uri="{28A0092B-C50C-407E-A947-70E740481C1C}">
+                <a14:useLocalDpi xmlns:a14="http://schemas.microsoft.com/office/drawing/2010/main" val="0"/>
+              </a:ext>
+            </a:extLst>
+          </a:blip>
+          <a:srcRect l="64052" t="12061" r="1961" b="26256"/>
+          <a:stretch/>
+        </p:blipFill>
+        <p:spPr bwMode="auto">
+          <a:xfrm>
+            <a:off x="381000" y="1583305"/>
+            <a:ext cx="4745417" cy="4665095"/>
+          </a:xfrm>
+          <a:prstGeom prst="rect">
+            <a:avLst/>
+          </a:prstGeom>
+          <a:noFill/>
+          <a:ln>
+            <a:noFill/>
+          </a:ln>
+          <a:effectLst/>
+          <a:extLst>
+            <a:ext uri="{909E8E84-426E-40DD-AFC4-6F175D3DCCD1}">
+              <a14:hiddenFill xmlns:a14="http://schemas.microsoft.com/office/drawing/2010/main">
                 <a:solidFill>
-                  <a:srgbClr val="FF0000"/>
+                  <a:schemeClr val="accent1"/>
                 </a:solidFill>
-                <a:latin typeface="Courier New" pitchFamily="49" charset="0"/>
-                <a:cs typeface="Courier New" pitchFamily="49" charset="0"/>
-              </a:rPr>
-              <a:t># </a:t>
-            </a:r>
-            <a:r>
-              <a:rPr lang="en-US" dirty="0">
+              </a14:hiddenFill>
+            </a:ext>
+            <a:ext uri="{91240B29-F687-4F45-9708-019B960494DF}">
+              <a14:hiddenLine xmlns:a14="http://schemas.microsoft.com/office/drawing/2010/main" w="9525">
                 <a:solidFill>
-                  <a:srgbClr val="FF0000"/>
+                  <a:schemeClr val="tx1"/>
                 </a:solidFill>
-                <a:latin typeface="Courier New" pitchFamily="49" charset="0"/>
-                <a:cs typeface="Courier New" pitchFamily="49" charset="0"/>
-              </a:rPr>
-              <a:t>Create a matrix to </a:t>
-            </a:r>
-            <a:r>
-              <a:rPr lang="en-US" dirty="0" err="1">
-                <a:solidFill>
-                  <a:srgbClr val="FF0000"/>
-                </a:solidFill>
-                <a:latin typeface="Courier New" pitchFamily="49" charset="0"/>
-                <a:cs typeface="Courier New" pitchFamily="49" charset="0"/>
-              </a:rPr>
-              <a:t>strore</a:t>
-            </a:r>
-            <a:r>
-              <a:rPr lang="en-US" dirty="0">
-                <a:solidFill>
-                  <a:srgbClr val="FF0000"/>
-                </a:solidFill>
-                <a:latin typeface="Courier New" pitchFamily="49" charset="0"/>
-                <a:cs typeface="Courier New" pitchFamily="49" charset="0"/>
-              </a:rPr>
-              <a:t> the output</a:t>
-            </a:r>
-          </a:p>
-          <a:p>
-            <a:pPr marL="0" indent="0">
-              <a:buNone/>
-            </a:pPr>
-            <a:r>
-              <a:rPr lang="en-US" dirty="0">
-                <a:latin typeface="Courier New" pitchFamily="49" charset="0"/>
-                <a:cs typeface="Courier New" pitchFamily="49" charset="0"/>
-              </a:rPr>
-              <a:t>m1 = </a:t>
-            </a:r>
-            <a:r>
-              <a:rPr lang="en-US" b="1" dirty="0" smtClean="0">
-                <a:latin typeface="Courier New" pitchFamily="49" charset="0"/>
-                <a:cs typeface="Courier New" pitchFamily="49" charset="0"/>
-              </a:rPr>
-              <a:t>matrix</a:t>
-            </a:r>
-            <a:r>
-              <a:rPr lang="en-US" dirty="0" smtClean="0">
-                <a:latin typeface="Courier New" pitchFamily="49" charset="0"/>
-                <a:cs typeface="Courier New" pitchFamily="49" charset="0"/>
-              </a:rPr>
-              <a:t>(</a:t>
-            </a:r>
-            <a:r>
-              <a:rPr lang="en-US" dirty="0" err="1" smtClean="0">
-                <a:latin typeface="Courier New" pitchFamily="49" charset="0"/>
-                <a:cs typeface="Courier New" pitchFamily="49" charset="0"/>
-              </a:rPr>
-              <a:t>nrow</a:t>
-            </a:r>
-            <a:r>
-              <a:rPr lang="en-US" b="1" dirty="0" smtClean="0">
-                <a:latin typeface="Courier New" pitchFamily="49" charset="0"/>
-                <a:cs typeface="Courier New" pitchFamily="49" charset="0"/>
-              </a:rPr>
-              <a:t> </a:t>
-            </a:r>
-            <a:r>
-              <a:rPr lang="en-US" dirty="0" smtClean="0">
-                <a:latin typeface="Courier New" pitchFamily="49" charset="0"/>
-                <a:cs typeface="Courier New" pitchFamily="49" charset="0"/>
-              </a:rPr>
-              <a:t>= 359, </a:t>
-            </a:r>
-            <a:r>
-              <a:rPr lang="en-US" dirty="0" err="1" smtClean="0">
-                <a:latin typeface="Courier New" pitchFamily="49" charset="0"/>
-                <a:cs typeface="Courier New" pitchFamily="49" charset="0"/>
-              </a:rPr>
-              <a:t>ncol</a:t>
-            </a:r>
-            <a:r>
-              <a:rPr lang="en-US" dirty="0" smtClean="0">
-                <a:latin typeface="Courier New" pitchFamily="49" charset="0"/>
-                <a:cs typeface="Courier New" pitchFamily="49" charset="0"/>
-              </a:rPr>
-              <a:t> = 2, </a:t>
-            </a:r>
-            <a:r>
-              <a:rPr lang="en-US" dirty="0" err="1" smtClean="0">
-                <a:latin typeface="Courier New" pitchFamily="49" charset="0"/>
-                <a:cs typeface="Courier New" pitchFamily="49" charset="0"/>
-              </a:rPr>
-              <a:t>dimnames</a:t>
-            </a:r>
-            <a:r>
-              <a:rPr lang="en-US" dirty="0" smtClean="0">
-                <a:latin typeface="Courier New" pitchFamily="49" charset="0"/>
-                <a:cs typeface="Courier New" pitchFamily="49" charset="0"/>
-              </a:rPr>
-              <a:t> = </a:t>
-            </a:r>
-            <a:r>
-              <a:rPr lang="en-US" b="1" dirty="0" smtClean="0">
-                <a:latin typeface="Courier New" pitchFamily="49" charset="0"/>
-                <a:cs typeface="Courier New" pitchFamily="49" charset="0"/>
-              </a:rPr>
-              <a:t>list</a:t>
-            </a:r>
-            <a:r>
-              <a:rPr lang="en-US" dirty="0" smtClean="0">
-                <a:latin typeface="Courier New" pitchFamily="49" charset="0"/>
-                <a:cs typeface="Courier New" pitchFamily="49" charset="0"/>
-              </a:rPr>
-              <a:t>(</a:t>
-            </a:r>
-            <a:r>
-              <a:rPr lang="en-US" b="1" dirty="0" err="1" smtClean="0">
-                <a:latin typeface="Courier New" pitchFamily="49" charset="0"/>
-                <a:cs typeface="Courier New" pitchFamily="49" charset="0"/>
-              </a:rPr>
-              <a:t>rownames</a:t>
-            </a:r>
-            <a:r>
-              <a:rPr lang="en-US" dirty="0" smtClean="0">
-                <a:latin typeface="Courier New" pitchFamily="49" charset="0"/>
-                <a:cs typeface="Courier New" pitchFamily="49" charset="0"/>
-              </a:rPr>
-              <a:t>(</a:t>
-            </a:r>
-            <a:r>
-              <a:rPr lang="en-US" dirty="0" err="1" smtClean="0">
-                <a:latin typeface="Courier New" pitchFamily="49" charset="0"/>
-                <a:cs typeface="Courier New" pitchFamily="49" charset="0"/>
-              </a:rPr>
-              <a:t>cnv</a:t>
-            </a:r>
-            <a:r>
-              <a:rPr lang="en-US" dirty="0" smtClean="0">
-                <a:latin typeface="Courier New" pitchFamily="49" charset="0"/>
-                <a:cs typeface="Courier New" pitchFamily="49" charset="0"/>
-              </a:rPr>
-              <a:t>), </a:t>
-            </a:r>
-            <a:r>
-              <a:rPr lang="en-US" b="1" dirty="0" smtClean="0">
-                <a:latin typeface="Courier New" pitchFamily="49" charset="0"/>
-                <a:cs typeface="Courier New" pitchFamily="49" charset="0"/>
-              </a:rPr>
-              <a:t>c</a:t>
-            </a:r>
-            <a:r>
-              <a:rPr lang="en-US" dirty="0">
-                <a:latin typeface="Courier New" pitchFamily="49" charset="0"/>
-                <a:cs typeface="Courier New" pitchFamily="49" charset="0"/>
-              </a:rPr>
-              <a:t>('</a:t>
-            </a:r>
-            <a:r>
-              <a:rPr lang="en-US" dirty="0" err="1">
-                <a:latin typeface="Courier New" pitchFamily="49" charset="0"/>
-                <a:cs typeface="Courier New" pitchFamily="49" charset="0"/>
-              </a:rPr>
-              <a:t>cor.r</a:t>
-            </a:r>
-            <a:r>
-              <a:rPr lang="en-US" dirty="0" smtClean="0">
-                <a:latin typeface="Courier New" pitchFamily="49" charset="0"/>
-                <a:cs typeface="Courier New" pitchFamily="49" charset="0"/>
-              </a:rPr>
-              <a:t>', '</a:t>
-            </a:r>
-            <a:r>
-              <a:rPr lang="en-US" dirty="0" err="1" smtClean="0">
-                <a:latin typeface="Courier New" pitchFamily="49" charset="0"/>
-                <a:cs typeface="Courier New" pitchFamily="49" charset="0"/>
-              </a:rPr>
-              <a:t>cor.p</a:t>
-            </a:r>
-            <a:r>
-              <a:rPr lang="en-US" dirty="0">
-                <a:latin typeface="Courier New" pitchFamily="49" charset="0"/>
-                <a:cs typeface="Courier New" pitchFamily="49" charset="0"/>
-              </a:rPr>
-              <a:t>')))</a:t>
-            </a:r>
-          </a:p>
-          <a:p>
-            <a:pPr marL="0" indent="0">
-              <a:buNone/>
-            </a:pPr>
-            <a:endParaRPr lang="en-US" dirty="0" smtClean="0">
-              <a:solidFill>
-                <a:srgbClr val="FF0000"/>
-              </a:solidFill>
-              <a:latin typeface="Courier New" pitchFamily="49" charset="0"/>
-              <a:cs typeface="Courier New" pitchFamily="49" charset="0"/>
-            </a:endParaRPr>
-          </a:p>
-          <a:p>
-            <a:pPr marL="0" indent="0">
-              <a:buNone/>
-            </a:pPr>
-            <a:r>
-              <a:rPr lang="en-US" dirty="0" smtClean="0">
-                <a:solidFill>
-                  <a:srgbClr val="FF0000"/>
-                </a:solidFill>
-                <a:latin typeface="Courier New" pitchFamily="49" charset="0"/>
-                <a:cs typeface="Courier New" pitchFamily="49" charset="0"/>
-              </a:rPr>
-              <a:t># </a:t>
-            </a:r>
-            <a:r>
-              <a:rPr lang="en-US" dirty="0">
-                <a:solidFill>
-                  <a:srgbClr val="FF0000"/>
-                </a:solidFill>
-                <a:latin typeface="Courier New" pitchFamily="49" charset="0"/>
-                <a:cs typeface="Courier New" pitchFamily="49" charset="0"/>
-              </a:rPr>
-              <a:t>Run the analysis</a:t>
-            </a:r>
-          </a:p>
-          <a:p>
-            <a:pPr marL="0" indent="0">
-              <a:buNone/>
-            </a:pPr>
-            <a:r>
-              <a:rPr lang="en-US" b="1" dirty="0">
-                <a:latin typeface="Courier New" pitchFamily="49" charset="0"/>
-                <a:cs typeface="Courier New" pitchFamily="49" charset="0"/>
-              </a:rPr>
-              <a:t>for</a:t>
-            </a:r>
-            <a:r>
-              <a:rPr lang="en-US" dirty="0">
-                <a:latin typeface="Courier New" pitchFamily="49" charset="0"/>
-                <a:cs typeface="Courier New" pitchFamily="49" charset="0"/>
-              </a:rPr>
-              <a:t>(</a:t>
-            </a:r>
-            <a:r>
-              <a:rPr lang="en-US" dirty="0" err="1">
-                <a:latin typeface="Courier New" pitchFamily="49" charset="0"/>
-                <a:cs typeface="Courier New" pitchFamily="49" charset="0"/>
-              </a:rPr>
-              <a:t>i</a:t>
-            </a:r>
-            <a:r>
-              <a:rPr lang="en-US" dirty="0">
-                <a:latin typeface="Courier New" pitchFamily="49" charset="0"/>
-                <a:cs typeface="Courier New" pitchFamily="49" charset="0"/>
-              </a:rPr>
-              <a:t> in </a:t>
-            </a:r>
-            <a:r>
-              <a:rPr lang="en-US" b="1" dirty="0" err="1">
-                <a:latin typeface="Courier New" pitchFamily="49" charset="0"/>
-                <a:cs typeface="Courier New" pitchFamily="49" charset="0"/>
-              </a:rPr>
-              <a:t>rownames</a:t>
-            </a:r>
-            <a:r>
-              <a:rPr lang="en-US" dirty="0">
-                <a:latin typeface="Courier New" pitchFamily="49" charset="0"/>
-                <a:cs typeface="Courier New" pitchFamily="49" charset="0"/>
-              </a:rPr>
-              <a:t>(</a:t>
-            </a:r>
-            <a:r>
-              <a:rPr lang="en-US" dirty="0" err="1">
-                <a:latin typeface="Courier New" pitchFamily="49" charset="0"/>
-                <a:cs typeface="Courier New" pitchFamily="49" charset="0"/>
-              </a:rPr>
-              <a:t>cnv</a:t>
-            </a:r>
-            <a:r>
-              <a:rPr lang="en-US" dirty="0">
-                <a:latin typeface="Courier New" pitchFamily="49" charset="0"/>
-                <a:cs typeface="Courier New" pitchFamily="49" charset="0"/>
-              </a:rPr>
-              <a:t>)) </a:t>
-            </a:r>
-            <a:r>
-              <a:rPr lang="en-US" dirty="0" smtClean="0">
-                <a:latin typeface="Courier New" pitchFamily="49" charset="0"/>
-                <a:cs typeface="Courier New" pitchFamily="49" charset="0"/>
-              </a:rPr>
-              <a:t>{</a:t>
-            </a:r>
-          </a:p>
-          <a:p>
-            <a:pPr marL="0" indent="0">
-              <a:buNone/>
-            </a:pPr>
-            <a:r>
-              <a:rPr lang="en-US" dirty="0">
-                <a:latin typeface="Courier New" pitchFamily="49" charset="0"/>
-                <a:cs typeface="Courier New" pitchFamily="49" charset="0"/>
-              </a:rPr>
-              <a:t> </a:t>
-            </a:r>
-            <a:r>
-              <a:rPr lang="en-US" dirty="0" smtClean="0">
-                <a:latin typeface="Courier New" pitchFamily="49" charset="0"/>
-                <a:cs typeface="Courier New" pitchFamily="49" charset="0"/>
-              </a:rPr>
-              <a:t> </a:t>
-            </a:r>
-            <a:r>
-              <a:rPr lang="en-US" dirty="0" smtClean="0">
-                <a:solidFill>
-                  <a:srgbClr val="FF0000"/>
-                </a:solidFill>
-                <a:latin typeface="Courier New" pitchFamily="49" charset="0"/>
-                <a:cs typeface="Courier New" pitchFamily="49" charset="0"/>
-              </a:rPr>
-              <a:t># Try function catches errors caused by missing data</a:t>
-            </a:r>
-          </a:p>
-          <a:p>
-            <a:pPr marL="0" indent="0">
-              <a:buNone/>
-            </a:pPr>
-            <a:r>
-              <a:rPr lang="en-US" dirty="0" smtClean="0">
-                <a:latin typeface="Courier New" pitchFamily="49" charset="0"/>
-                <a:cs typeface="Courier New" pitchFamily="49" charset="0"/>
-              </a:rPr>
-              <a:t>  c1 </a:t>
-            </a:r>
-            <a:r>
-              <a:rPr lang="en-US" dirty="0">
-                <a:latin typeface="Courier New" pitchFamily="49" charset="0"/>
-                <a:cs typeface="Courier New" pitchFamily="49" charset="0"/>
-              </a:rPr>
-              <a:t>= </a:t>
-            </a:r>
-            <a:r>
-              <a:rPr lang="en-US" b="1" dirty="0">
-                <a:latin typeface="Courier New" pitchFamily="49" charset="0"/>
-                <a:cs typeface="Courier New" pitchFamily="49" charset="0"/>
-              </a:rPr>
-              <a:t>try</a:t>
-            </a:r>
-            <a:r>
-              <a:rPr lang="en-US" dirty="0">
-                <a:latin typeface="Courier New" pitchFamily="49" charset="0"/>
-                <a:cs typeface="Courier New" pitchFamily="49" charset="0"/>
-              </a:rPr>
-              <a:t>(</a:t>
-            </a:r>
-            <a:r>
-              <a:rPr lang="en-US" b="1" dirty="0" err="1">
-                <a:latin typeface="Courier New" pitchFamily="49" charset="0"/>
-                <a:cs typeface="Courier New" pitchFamily="49" charset="0"/>
-              </a:rPr>
-              <a:t>cor.test</a:t>
-            </a:r>
-            <a:r>
-              <a:rPr lang="en-US" dirty="0">
-                <a:latin typeface="Courier New" pitchFamily="49" charset="0"/>
-                <a:cs typeface="Courier New" pitchFamily="49" charset="0"/>
-              </a:rPr>
-              <a:t>(</a:t>
-            </a:r>
-            <a:r>
-              <a:rPr lang="en-US" b="1" dirty="0" err="1">
-                <a:latin typeface="Courier New" pitchFamily="49" charset="0"/>
-                <a:cs typeface="Courier New" pitchFamily="49" charset="0"/>
-              </a:rPr>
-              <a:t>as.numeric</a:t>
-            </a:r>
-            <a:r>
-              <a:rPr lang="en-US" dirty="0">
-                <a:latin typeface="Courier New" pitchFamily="49" charset="0"/>
-                <a:cs typeface="Courier New" pitchFamily="49" charset="0"/>
-              </a:rPr>
-              <a:t>(</a:t>
-            </a:r>
-            <a:r>
-              <a:rPr lang="en-US" dirty="0" err="1">
-                <a:latin typeface="Courier New" pitchFamily="49" charset="0"/>
-                <a:cs typeface="Courier New" pitchFamily="49" charset="0"/>
-              </a:rPr>
-              <a:t>cnv</a:t>
-            </a:r>
-            <a:r>
-              <a:rPr lang="en-US" dirty="0">
-                <a:latin typeface="Courier New" pitchFamily="49" charset="0"/>
-                <a:cs typeface="Courier New" pitchFamily="49" charset="0"/>
-              </a:rPr>
-              <a:t>[</a:t>
-            </a:r>
-            <a:r>
-              <a:rPr lang="en-US" dirty="0" err="1">
-                <a:latin typeface="Courier New" pitchFamily="49" charset="0"/>
-                <a:cs typeface="Courier New" pitchFamily="49" charset="0"/>
-              </a:rPr>
-              <a:t>i</a:t>
-            </a:r>
-            <a:r>
-              <a:rPr lang="en-US" dirty="0">
-                <a:latin typeface="Courier New" pitchFamily="49" charset="0"/>
-                <a:cs typeface="Courier New" pitchFamily="49" charset="0"/>
-              </a:rPr>
-              <a:t>,]), </a:t>
-            </a:r>
-            <a:r>
-              <a:rPr lang="en-US" b="1" dirty="0" err="1">
-                <a:latin typeface="Courier New" pitchFamily="49" charset="0"/>
-                <a:cs typeface="Courier New" pitchFamily="49" charset="0"/>
-              </a:rPr>
-              <a:t>as.numeric</a:t>
-            </a:r>
-            <a:r>
-              <a:rPr lang="en-US" dirty="0">
-                <a:latin typeface="Courier New" pitchFamily="49" charset="0"/>
-                <a:cs typeface="Courier New" pitchFamily="49" charset="0"/>
-              </a:rPr>
-              <a:t>(</a:t>
-            </a:r>
-            <a:r>
-              <a:rPr lang="en-US" dirty="0" err="1">
-                <a:latin typeface="Courier New" pitchFamily="49" charset="0"/>
-                <a:cs typeface="Courier New" pitchFamily="49" charset="0"/>
-              </a:rPr>
-              <a:t>mirna</a:t>
-            </a:r>
-            <a:r>
-              <a:rPr lang="en-US" dirty="0">
-                <a:latin typeface="Courier New" pitchFamily="49" charset="0"/>
-                <a:cs typeface="Courier New" pitchFamily="49" charset="0"/>
-              </a:rPr>
-              <a:t>[</a:t>
-            </a:r>
-            <a:r>
-              <a:rPr lang="en-US" b="1" dirty="0">
-                <a:latin typeface="Courier New" pitchFamily="49" charset="0"/>
-                <a:cs typeface="Courier New" pitchFamily="49" charset="0"/>
-              </a:rPr>
-              <a:t>sub</a:t>
-            </a:r>
-            <a:r>
-              <a:rPr lang="en-US" dirty="0">
-                <a:latin typeface="Courier New" pitchFamily="49" charset="0"/>
-                <a:cs typeface="Courier New" pitchFamily="49" charset="0"/>
-              </a:rPr>
-              <a:t>('</a:t>
-            </a:r>
-            <a:r>
-              <a:rPr lang="en-US" dirty="0" err="1">
-                <a:latin typeface="Courier New" pitchFamily="49" charset="0"/>
-                <a:cs typeface="Courier New" pitchFamily="49" charset="0"/>
-              </a:rPr>
-              <a:t>cnv</a:t>
-            </a:r>
-            <a:r>
-              <a:rPr lang="en-US" dirty="0">
-                <a:latin typeface="Courier New" pitchFamily="49" charset="0"/>
-                <a:cs typeface="Courier New" pitchFamily="49" charset="0"/>
-              </a:rPr>
-              <a:t>','</a:t>
-            </a:r>
-            <a:r>
-              <a:rPr lang="en-US" dirty="0" err="1">
-                <a:latin typeface="Courier New" pitchFamily="49" charset="0"/>
-                <a:cs typeface="Courier New" pitchFamily="49" charset="0"/>
-              </a:rPr>
-              <a:t>exp</a:t>
-            </a:r>
-            <a:r>
-              <a:rPr lang="en-US" dirty="0">
-                <a:latin typeface="Courier New" pitchFamily="49" charset="0"/>
-                <a:cs typeface="Courier New" pitchFamily="49" charset="0"/>
-              </a:rPr>
-              <a:t>',</a:t>
-            </a:r>
-            <a:r>
-              <a:rPr lang="en-US" dirty="0" err="1">
-                <a:latin typeface="Courier New" pitchFamily="49" charset="0"/>
-                <a:cs typeface="Courier New" pitchFamily="49" charset="0"/>
-              </a:rPr>
-              <a:t>i</a:t>
-            </a:r>
-            <a:r>
-              <a:rPr lang="en-US" dirty="0" smtClean="0">
-                <a:latin typeface="Courier New" pitchFamily="49" charset="0"/>
-                <a:cs typeface="Courier New" pitchFamily="49" charset="0"/>
-              </a:rPr>
-              <a:t>),]), na.rm = T</a:t>
-            </a:r>
-            <a:r>
-              <a:rPr lang="en-US" dirty="0">
-                <a:latin typeface="Courier New" pitchFamily="49" charset="0"/>
-                <a:cs typeface="Courier New" pitchFamily="49" charset="0"/>
-              </a:rPr>
-              <a:t>), </a:t>
-            </a:r>
-            <a:r>
-              <a:rPr lang="en-US" dirty="0" smtClean="0">
-                <a:latin typeface="Courier New" pitchFamily="49" charset="0"/>
-                <a:cs typeface="Courier New" pitchFamily="49" charset="0"/>
-              </a:rPr>
-              <a:t>silent = T)\</a:t>
-            </a:r>
-          </a:p>
-          <a:p>
-            <a:pPr marL="0" indent="0">
-              <a:buNone/>
-            </a:pPr>
-            <a:r>
-              <a:rPr lang="en-US" dirty="0">
-                <a:solidFill>
-                  <a:srgbClr val="FF0000"/>
-                </a:solidFill>
-                <a:latin typeface="Courier New" pitchFamily="49" charset="0"/>
-                <a:cs typeface="Courier New" pitchFamily="49" charset="0"/>
-              </a:rPr>
-              <a:t> </a:t>
-            </a:r>
-            <a:r>
-              <a:rPr lang="en-US" dirty="0" smtClean="0">
-                <a:solidFill>
-                  <a:srgbClr val="FF0000"/>
-                </a:solidFill>
-                <a:latin typeface="Courier New" pitchFamily="49" charset="0"/>
-                <a:cs typeface="Courier New" pitchFamily="49" charset="0"/>
-              </a:rPr>
-              <a:t> # If there are no errors then adds values to matrix</a:t>
-            </a:r>
-            <a:endParaRPr lang="en-US" dirty="0">
-              <a:solidFill>
-                <a:srgbClr val="FF0000"/>
-              </a:solidFill>
-              <a:latin typeface="Courier New" pitchFamily="49" charset="0"/>
-              <a:cs typeface="Courier New" pitchFamily="49" charset="0"/>
-            </a:endParaRPr>
-          </a:p>
-          <a:p>
-            <a:pPr marL="0" indent="0">
-              <a:buNone/>
-            </a:pPr>
-            <a:r>
-              <a:rPr lang="en-US" dirty="0">
-                <a:latin typeface="Courier New" pitchFamily="49" charset="0"/>
-                <a:cs typeface="Courier New" pitchFamily="49" charset="0"/>
-              </a:rPr>
-              <a:t>  m1[</a:t>
-            </a:r>
-            <a:r>
-              <a:rPr lang="en-US" dirty="0" err="1">
-                <a:latin typeface="Courier New" pitchFamily="49" charset="0"/>
-                <a:cs typeface="Courier New" pitchFamily="49" charset="0"/>
-              </a:rPr>
-              <a:t>i</a:t>
-            </a:r>
-            <a:r>
-              <a:rPr lang="en-US" dirty="0">
-                <a:latin typeface="Courier New" pitchFamily="49" charset="0"/>
-                <a:cs typeface="Courier New" pitchFamily="49" charset="0"/>
-              </a:rPr>
-              <a:t>, '</a:t>
-            </a:r>
-            <a:r>
-              <a:rPr lang="en-US" dirty="0" err="1">
-                <a:latin typeface="Courier New" pitchFamily="49" charset="0"/>
-                <a:cs typeface="Courier New" pitchFamily="49" charset="0"/>
-              </a:rPr>
-              <a:t>cor.r</a:t>
-            </a:r>
-            <a:r>
-              <a:rPr lang="en-US" dirty="0">
-                <a:latin typeface="Courier New" pitchFamily="49" charset="0"/>
-                <a:cs typeface="Courier New" pitchFamily="49" charset="0"/>
-              </a:rPr>
-              <a:t>'] = </a:t>
-            </a:r>
-            <a:r>
-              <a:rPr lang="en-US" b="1" dirty="0" err="1">
-                <a:latin typeface="Courier New" pitchFamily="49" charset="0"/>
-                <a:cs typeface="Courier New" pitchFamily="49" charset="0"/>
-              </a:rPr>
-              <a:t>ifelse</a:t>
-            </a:r>
-            <a:r>
-              <a:rPr lang="en-US" dirty="0">
-                <a:latin typeface="Courier New" pitchFamily="49" charset="0"/>
-                <a:cs typeface="Courier New" pitchFamily="49" charset="0"/>
-              </a:rPr>
-              <a:t>(</a:t>
-            </a:r>
-            <a:r>
-              <a:rPr lang="en-US" b="1" dirty="0">
-                <a:latin typeface="Courier New" pitchFamily="49" charset="0"/>
-                <a:cs typeface="Courier New" pitchFamily="49" charset="0"/>
-              </a:rPr>
-              <a:t>class</a:t>
-            </a:r>
-            <a:r>
-              <a:rPr lang="en-US" dirty="0">
-                <a:latin typeface="Courier New" pitchFamily="49" charset="0"/>
-                <a:cs typeface="Courier New" pitchFamily="49" charset="0"/>
-              </a:rPr>
-              <a:t>(c1)=='try-error', 'NA', c1$estimate)</a:t>
-            </a:r>
-          </a:p>
-          <a:p>
-            <a:pPr marL="0" indent="0">
-              <a:buNone/>
-            </a:pPr>
-            <a:r>
-              <a:rPr lang="en-US" dirty="0">
-                <a:latin typeface="Courier New" pitchFamily="49" charset="0"/>
-                <a:cs typeface="Courier New" pitchFamily="49" charset="0"/>
-              </a:rPr>
-              <a:t>  m1[</a:t>
-            </a:r>
-            <a:r>
-              <a:rPr lang="en-US" dirty="0" err="1">
-                <a:latin typeface="Courier New" pitchFamily="49" charset="0"/>
-                <a:cs typeface="Courier New" pitchFamily="49" charset="0"/>
-              </a:rPr>
-              <a:t>i</a:t>
-            </a:r>
-            <a:r>
-              <a:rPr lang="en-US" dirty="0">
-                <a:latin typeface="Courier New" pitchFamily="49" charset="0"/>
-                <a:cs typeface="Courier New" pitchFamily="49" charset="0"/>
-              </a:rPr>
-              <a:t>, '</a:t>
-            </a:r>
-            <a:r>
-              <a:rPr lang="en-US" dirty="0" err="1">
-                <a:latin typeface="Courier New" pitchFamily="49" charset="0"/>
-                <a:cs typeface="Courier New" pitchFamily="49" charset="0"/>
-              </a:rPr>
-              <a:t>cor.p</a:t>
-            </a:r>
-            <a:r>
-              <a:rPr lang="en-US" dirty="0">
-                <a:latin typeface="Courier New" pitchFamily="49" charset="0"/>
-                <a:cs typeface="Courier New" pitchFamily="49" charset="0"/>
-              </a:rPr>
-              <a:t>'] = </a:t>
-            </a:r>
-            <a:r>
-              <a:rPr lang="en-US" b="1" dirty="0" err="1">
-                <a:latin typeface="Courier New" pitchFamily="49" charset="0"/>
-                <a:cs typeface="Courier New" pitchFamily="49" charset="0"/>
-              </a:rPr>
-              <a:t>ifelse</a:t>
-            </a:r>
-            <a:r>
-              <a:rPr lang="en-US" dirty="0">
-                <a:latin typeface="Courier New" pitchFamily="49" charset="0"/>
-                <a:cs typeface="Courier New" pitchFamily="49" charset="0"/>
-              </a:rPr>
-              <a:t>(</a:t>
-            </a:r>
-            <a:r>
-              <a:rPr lang="en-US" b="1" dirty="0">
-                <a:latin typeface="Courier New" pitchFamily="49" charset="0"/>
-                <a:cs typeface="Courier New" pitchFamily="49" charset="0"/>
-              </a:rPr>
-              <a:t>class</a:t>
-            </a:r>
-            <a:r>
-              <a:rPr lang="en-US" dirty="0">
-                <a:latin typeface="Courier New" pitchFamily="49" charset="0"/>
-                <a:cs typeface="Courier New" pitchFamily="49" charset="0"/>
-              </a:rPr>
-              <a:t>(c1)=='try-error', 'NA', c1$p.value)</a:t>
-            </a:r>
-          </a:p>
-          <a:p>
-            <a:pPr marL="0" indent="0">
-              <a:buNone/>
-            </a:pPr>
-            <a:r>
-              <a:rPr lang="en-US" dirty="0" smtClean="0">
-                <a:latin typeface="Courier New" pitchFamily="49" charset="0"/>
-                <a:cs typeface="Courier New" pitchFamily="49" charset="0"/>
-              </a:rPr>
-              <a:t>}</a:t>
-            </a:r>
-            <a:endParaRPr lang="en-US" dirty="0">
-              <a:latin typeface="Courier New" pitchFamily="49" charset="0"/>
-              <a:cs typeface="Courier New" pitchFamily="49" charset="0"/>
-            </a:endParaRPr>
-          </a:p>
-          <a:p>
-            <a:pPr marL="0" indent="0">
-              <a:buNone/>
-            </a:pPr>
-            <a:endParaRPr lang="en-US" dirty="0">
-              <a:latin typeface="Courier New" pitchFamily="49" charset="0"/>
-              <a:cs typeface="Courier New" pitchFamily="49" charset="0"/>
-            </a:endParaRPr>
-          </a:p>
-          <a:p>
-            <a:pPr marL="0" indent="0">
-              <a:buNone/>
-            </a:pPr>
-            <a:r>
-              <a:rPr lang="en-US" dirty="0">
-                <a:solidFill>
-                  <a:srgbClr val="FF0000"/>
-                </a:solidFill>
-                <a:latin typeface="Courier New" pitchFamily="49" charset="0"/>
-                <a:cs typeface="Courier New" pitchFamily="49" charset="0"/>
-              </a:rPr>
-              <a:t># Adjust </a:t>
-            </a:r>
-            <a:r>
-              <a:rPr lang="en-US" dirty="0" smtClean="0">
-                <a:solidFill>
-                  <a:srgbClr val="FF0000"/>
-                </a:solidFill>
-                <a:latin typeface="Courier New" pitchFamily="49" charset="0"/>
-                <a:cs typeface="Courier New" pitchFamily="49" charset="0"/>
-              </a:rPr>
-              <a:t>p-values and get rid of NA’s using </a:t>
-            </a:r>
-            <a:r>
-              <a:rPr lang="en-US" dirty="0" err="1" smtClean="0">
-                <a:solidFill>
-                  <a:srgbClr val="FF0000"/>
-                </a:solidFill>
-                <a:latin typeface="Courier New" pitchFamily="49" charset="0"/>
-                <a:cs typeface="Courier New" pitchFamily="49" charset="0"/>
-              </a:rPr>
-              <a:t>na.omit</a:t>
-            </a:r>
-            <a:endParaRPr lang="en-US" dirty="0">
-              <a:solidFill>
-                <a:srgbClr val="FF0000"/>
-              </a:solidFill>
-              <a:latin typeface="Courier New" pitchFamily="49" charset="0"/>
-              <a:cs typeface="Courier New" pitchFamily="49" charset="0"/>
-            </a:endParaRPr>
-          </a:p>
-          <a:p>
-            <a:pPr marL="0" indent="0">
-              <a:buNone/>
-            </a:pPr>
-            <a:r>
-              <a:rPr lang="en-US" dirty="0">
-                <a:latin typeface="Courier New" pitchFamily="49" charset="0"/>
-                <a:cs typeface="Courier New" pitchFamily="49" charset="0"/>
-              </a:rPr>
-              <a:t>m2 = </a:t>
-            </a:r>
-            <a:r>
-              <a:rPr lang="en-US" b="1" dirty="0" err="1">
-                <a:latin typeface="Courier New" pitchFamily="49" charset="0"/>
-                <a:cs typeface="Courier New" pitchFamily="49" charset="0"/>
-              </a:rPr>
-              <a:t>na.omit</a:t>
-            </a:r>
-            <a:r>
-              <a:rPr lang="en-US" dirty="0">
-                <a:latin typeface="Courier New" pitchFamily="49" charset="0"/>
-                <a:cs typeface="Courier New" pitchFamily="49" charset="0"/>
-              </a:rPr>
-              <a:t>(</a:t>
-            </a:r>
-            <a:r>
-              <a:rPr lang="en-US" b="1" dirty="0" err="1">
-                <a:latin typeface="Courier New" pitchFamily="49" charset="0"/>
-                <a:cs typeface="Courier New" pitchFamily="49" charset="0"/>
-              </a:rPr>
-              <a:t>cbind</a:t>
-            </a:r>
-            <a:r>
-              <a:rPr lang="en-US" dirty="0">
-                <a:latin typeface="Courier New" pitchFamily="49" charset="0"/>
-                <a:cs typeface="Courier New" pitchFamily="49" charset="0"/>
-              </a:rPr>
-              <a:t>(m1</a:t>
-            </a:r>
-            <a:r>
-              <a:rPr lang="en-US" dirty="0" smtClean="0">
-                <a:latin typeface="Courier New" pitchFamily="49" charset="0"/>
-                <a:cs typeface="Courier New" pitchFamily="49" charset="0"/>
-              </a:rPr>
-              <a:t>, </a:t>
-            </a:r>
-            <a:r>
-              <a:rPr lang="en-US" b="1" dirty="0" err="1" smtClean="0">
-                <a:latin typeface="Courier New" pitchFamily="49" charset="0"/>
-                <a:cs typeface="Courier New" pitchFamily="49" charset="0"/>
-              </a:rPr>
-              <a:t>p.adjust</a:t>
-            </a:r>
-            <a:r>
-              <a:rPr lang="en-US" dirty="0" smtClean="0">
-                <a:latin typeface="Courier New" pitchFamily="49" charset="0"/>
-                <a:cs typeface="Courier New" pitchFamily="49" charset="0"/>
-              </a:rPr>
-              <a:t>(</a:t>
-            </a:r>
-            <a:r>
-              <a:rPr lang="en-US" b="1" dirty="0" err="1" smtClean="0">
-                <a:latin typeface="Courier New" pitchFamily="49" charset="0"/>
-                <a:cs typeface="Courier New" pitchFamily="49" charset="0"/>
-              </a:rPr>
-              <a:t>as.numeric</a:t>
-            </a:r>
-            <a:r>
-              <a:rPr lang="en-US" dirty="0" smtClean="0">
-                <a:latin typeface="Courier New" pitchFamily="49" charset="0"/>
-                <a:cs typeface="Courier New" pitchFamily="49" charset="0"/>
-              </a:rPr>
-              <a:t>(m1</a:t>
-            </a:r>
-            <a:r>
-              <a:rPr lang="en-US" dirty="0">
-                <a:latin typeface="Courier New" pitchFamily="49" charset="0"/>
-                <a:cs typeface="Courier New" pitchFamily="49" charset="0"/>
-              </a:rPr>
-              <a:t>[,2</a:t>
-            </a:r>
-            <a:r>
-              <a:rPr lang="en-US" dirty="0" smtClean="0">
-                <a:latin typeface="Courier New" pitchFamily="49" charset="0"/>
-                <a:cs typeface="Courier New" pitchFamily="49" charset="0"/>
-              </a:rPr>
-              <a:t>]), method = 'BH</a:t>
-            </a:r>
-            <a:r>
-              <a:rPr lang="en-US" dirty="0">
-                <a:latin typeface="Courier New" pitchFamily="49" charset="0"/>
-                <a:cs typeface="Courier New" pitchFamily="49" charset="0"/>
-              </a:rPr>
-              <a:t>')))</a:t>
-            </a:r>
-          </a:p>
-          <a:p>
-            <a:pPr marL="0" indent="0">
-              <a:buNone/>
-            </a:pPr>
-            <a:endParaRPr lang="en-US" dirty="0" smtClean="0">
-              <a:latin typeface="Courier New" pitchFamily="49" charset="0"/>
-              <a:cs typeface="Courier New" pitchFamily="49" charset="0"/>
-            </a:endParaRPr>
+                <a:miter lim="800000"/>
+                <a:headEnd/>
+                <a:tailEnd/>
+              </a14:hiddenLine>
+            </a:ext>
+            <a:ext uri="{AF507438-7753-43E0-B8FC-AC1667EBCBE1}">
+              <a14:hiddenEffects xmlns:a14="http://schemas.microsoft.com/office/drawing/2010/main">
+                <a:effectLst>
+                  <a:outerShdw dist="35921" dir="2700000" algn="ctr" rotWithShape="0">
+                    <a:schemeClr val="bg2"/>
+                  </a:outerShdw>
+                </a:effectLst>
+              </a14:hiddenEffects>
+            </a:ext>
+          </a:extLst>
+        </p:spPr>
+      </p:pic>
+      <p:sp>
+        <p:nvSpPr>
+          <p:cNvPr id="6" name="TextBox 5"/>
+          <p:cNvSpPr txBox="1"/>
+          <p:nvPr/>
+        </p:nvSpPr>
+        <p:spPr>
+          <a:xfrm>
+            <a:off x="5715000" y="2819400"/>
+            <a:ext cx="1595309" cy="646331"/>
+          </a:xfrm>
+          <a:prstGeom prst="rect">
+            <a:avLst/>
+          </a:prstGeom>
+          <a:noFill/>
+        </p:spPr>
+        <p:txBody>
+          <a:bodyPr wrap="none" rtlCol="0">
+            <a:spAutoFit/>
+          </a:bodyPr>
+          <a:lstStyle/>
+          <a:p>
+            <a:r>
+              <a:rPr lang="en-US" dirty="0" smtClean="0"/>
+              <a:t>P-Value = </a:t>
+            </a:r>
+            <a:r>
+              <a:rPr lang="en-US" b="1" dirty="0" smtClean="0"/>
+              <a:t>0.51</a:t>
+            </a:r>
+            <a:endParaRPr lang="en-US" b="1" baseline="30000" dirty="0" smtClean="0"/>
+          </a:p>
+          <a:p>
+            <a:r>
+              <a:rPr lang="en-US" dirty="0" smtClean="0"/>
+              <a:t>R =            </a:t>
+            </a:r>
+            <a:r>
+              <a:rPr lang="en-US" b="1" dirty="0" smtClean="0"/>
+              <a:t>-0.03</a:t>
+            </a:r>
+            <a:endParaRPr lang="en-US" b="1" dirty="0"/>
           </a:p>
         </p:txBody>
       </p:sp>
     </p:spTree>
     <p:extLst>
       <p:ext uri="{BB962C8B-B14F-4D97-AF65-F5344CB8AC3E}">
-        <p14:creationId xmlns:p14="http://schemas.microsoft.com/office/powerpoint/2010/main" val="3725519474"/>
+        <p14:creationId xmlns:p14="http://schemas.microsoft.com/office/powerpoint/2010/main" val="71371399"/>
       </p:ext>
     </p:extLst>
   </p:cSld>
@@ -20846,7 +20188,11 @@
           <a:p>
             <a:r>
               <a:rPr lang="en-US" dirty="0" smtClean="0"/>
-              <a:t>Write Out Results</a:t>
+              <a:t>Scaling it Up to Whole </a:t>
+            </a:r>
+            <a:r>
+              <a:rPr lang="en-US" dirty="0" err="1" smtClean="0"/>
+              <a:t>miRNAome</a:t>
             </a:r>
             <a:endParaRPr lang="en-US" dirty="0"/>
           </a:p>
@@ -20864,105 +20210,15 @@
         </p:nvSpPr>
         <p:spPr/>
         <p:txBody>
-          <a:bodyPr/>
+          <a:bodyPr>
+            <a:normAutofit fontScale="47500" lnSpcReduction="20000"/>
+          </a:bodyPr>
           <a:lstStyle/>
           <a:p>
             <a:pPr marL="0" indent="0">
               <a:buNone/>
             </a:pPr>
-            <a:r>
-              <a:rPr lang="en-US" dirty="0" smtClean="0">
-                <a:cs typeface="Courier New" pitchFamily="49" charset="0"/>
-              </a:rPr>
-              <a:t>Write out the resulting correlations and sort them by the correlation coefficient:</a:t>
-            </a:r>
-          </a:p>
-          <a:p>
-            <a:pPr marL="0" indent="0">
-              <a:buNone/>
-            </a:pPr>
-            <a:endParaRPr lang="en-US" dirty="0">
-              <a:latin typeface="Courier New" pitchFamily="49" charset="0"/>
-              <a:cs typeface="Courier New" pitchFamily="49" charset="0"/>
-            </a:endParaRPr>
-          </a:p>
-          <a:p>
-            <a:pPr marL="0" indent="0">
-              <a:buNone/>
-            </a:pPr>
-            <a:r>
-              <a:rPr lang="en-US" sz="1800" dirty="0">
-                <a:solidFill>
-                  <a:srgbClr val="FF0000"/>
-                </a:solidFill>
-                <a:latin typeface="Courier New" pitchFamily="49" charset="0"/>
-                <a:cs typeface="Courier New" pitchFamily="49" charset="0"/>
-              </a:rPr>
-              <a:t># Create index ordered by correlation coefficient to sort the entire </a:t>
-            </a:r>
-            <a:r>
-              <a:rPr lang="en-US" sz="1800" dirty="0" smtClean="0">
-                <a:solidFill>
-                  <a:srgbClr val="FF0000"/>
-                </a:solidFill>
-                <a:latin typeface="Courier New" pitchFamily="49" charset="0"/>
-                <a:cs typeface="Courier New" pitchFamily="49" charset="0"/>
-              </a:rPr>
-              <a:t>matrix</a:t>
-            </a:r>
-          </a:p>
-          <a:p>
-            <a:pPr marL="0" indent="0">
-              <a:buNone/>
-            </a:pPr>
-            <a:r>
-              <a:rPr lang="en-US" sz="1800" dirty="0" smtClean="0">
-                <a:latin typeface="Courier New" pitchFamily="49" charset="0"/>
-                <a:cs typeface="Courier New" pitchFamily="49" charset="0"/>
-              </a:rPr>
-              <a:t>o1 </a:t>
-            </a:r>
-            <a:r>
-              <a:rPr lang="en-US" sz="1800" dirty="0">
-                <a:latin typeface="Courier New" pitchFamily="49" charset="0"/>
-                <a:cs typeface="Courier New" pitchFamily="49" charset="0"/>
-              </a:rPr>
-              <a:t>= </a:t>
-            </a:r>
-            <a:r>
-              <a:rPr lang="en-US" sz="1800" b="1" dirty="0">
-                <a:latin typeface="Courier New" pitchFamily="49" charset="0"/>
-                <a:cs typeface="Courier New" pitchFamily="49" charset="0"/>
-              </a:rPr>
-              <a:t>order</a:t>
-            </a:r>
-            <a:r>
-              <a:rPr lang="en-US" sz="1800" dirty="0">
-                <a:latin typeface="Courier New" pitchFamily="49" charset="0"/>
-                <a:cs typeface="Courier New" pitchFamily="49" charset="0"/>
-              </a:rPr>
-              <a:t>(m2[,1], </a:t>
-            </a:r>
-            <a:r>
-              <a:rPr lang="en-US" sz="1800" dirty="0" smtClean="0">
-                <a:latin typeface="Courier New" pitchFamily="49" charset="0"/>
-                <a:cs typeface="Courier New" pitchFamily="49" charset="0"/>
-              </a:rPr>
-              <a:t>decreasing = T</a:t>
-            </a:r>
-            <a:r>
-              <a:rPr lang="en-US" sz="1800" dirty="0">
-                <a:latin typeface="Courier New" pitchFamily="49" charset="0"/>
-                <a:cs typeface="Courier New" pitchFamily="49" charset="0"/>
-              </a:rPr>
-              <a:t>)</a:t>
-            </a:r>
-          </a:p>
-          <a:p>
-            <a:pPr marL="0" indent="0">
-              <a:buNone/>
-            </a:pPr>
-            <a:endParaRPr lang="en-US" sz="1800" dirty="0" smtClean="0">
+            <a:endParaRPr lang="en-US" dirty="0" smtClean="0">
               <a:solidFill>
                 <a:srgbClr val="FF0000"/>
               </a:solidFill>
@@ -20974,8 +20230,20 @@
             <a:pPr marL="0" indent="0">
               <a:buNone/>
             </a:pPr>
-            <a:r>
-              <a:rPr lang="en-US" sz="1800" dirty="0" smtClean="0">
+            <a:endParaRPr lang="en-US" dirty="0">
+              <a:solidFill>
+                <a:srgbClr val="FF0000"/>
+              </a:solidFill>
+              <a:latin typeface="Courier New" pitchFamily="49" charset="0"/>
+              <a:cs typeface="Courier New" pitchFamily="49" charset="0"/>
+            </a:endParaRPr>
+          </a:p>
+          <a:p>
+            <a:pPr marL="0" indent="0">
+              <a:buNone/>
+            </a:pPr>
+            <a:r>
+              <a:rPr lang="en-US" dirty="0" smtClean="0">
                 <a:solidFill>
                   <a:srgbClr val="FF0000"/>
                 </a:solidFill>
@@ -20985,14 +20253,34 @@
               <a:t># </a:t>
             </a:r>
             <a:r>
-              <a:rPr lang="en-US" sz="1800" dirty="0">
+              <a:rPr lang="en-US" dirty="0">
                 <a:solidFill>
                   <a:srgbClr val="FF0000"/>
                 </a:solidFill>
                 <a:latin typeface="Courier New" pitchFamily="49" charset="0"/>
                 <a:cs typeface="Courier New" pitchFamily="49" charset="0"/>
               </a:rPr>
-              <a:t>Write out results file</a:t>
+              <a:t>Create a matrix to </a:t>
+            </a:r>
+            <a:r>
+              <a:rPr lang="en-US" dirty="0" err="1">
+                <a:solidFill>
+                  <a:srgbClr val="FF0000"/>
+                </a:solidFill>
+                <a:latin typeface="Courier New" pitchFamily="49" charset="0"/>
+                <a:cs typeface="Courier New" pitchFamily="49" charset="0"/>
+              </a:rPr>
+              <a:t>strore</a:t>
+            </a:r>
+            <a:r>
+              <a:rPr lang="en-US" dirty="0">
+                <a:solidFill>
+                  <a:srgbClr val="FF0000"/>
+                </a:solidFill>
+                <a:latin typeface="Courier New" pitchFamily="49" charset="0"/>
+                <a:cs typeface="Courier New" pitchFamily="49" charset="0"/>
+              </a:rPr>
+              <a:t> the output</a:t>
             </a:r>
           </a:p>
           <a:p>
@@ -21000,33 +20288,827 @@
               <a:buNone/>
             </a:pPr>
             <a:r>
-              <a:rPr lang="en-US" sz="1800" b="1" dirty="0" smtClean="0">
-                <a:latin typeface="Courier New" pitchFamily="49" charset="0"/>
-                <a:cs typeface="Courier New" pitchFamily="49" charset="0"/>
-              </a:rPr>
-              <a:t>write.csv</a:t>
-            </a:r>
-            <a:r>
-              <a:rPr lang="en-US" sz="1800" dirty="0" smtClean="0">
-                <a:latin typeface="Courier New" pitchFamily="49" charset="0"/>
-                <a:cs typeface="Courier New" pitchFamily="49" charset="0"/>
-              </a:rPr>
-              <a:t>(m2[o1,], file = 'corTestCnvExp_miRNA_gbm.csv</a:t>
-            </a:r>
-            <a:r>
-              <a:rPr lang="en-US" sz="1800" dirty="0">
-                <a:latin typeface="Courier New" pitchFamily="49" charset="0"/>
-                <a:cs typeface="Courier New" pitchFamily="49" charset="0"/>
-              </a:rPr>
-              <a:t>')</a:t>
-            </a:r>
+              <a:rPr lang="en-US" dirty="0">
+                <a:latin typeface="Courier New" pitchFamily="49" charset="0"/>
+                <a:cs typeface="Courier New" pitchFamily="49" charset="0"/>
+              </a:rPr>
+              <a:t>m1 = </a:t>
+            </a:r>
+            <a:r>
+              <a:rPr lang="en-US" b="1" dirty="0" smtClean="0">
+                <a:latin typeface="Courier New" pitchFamily="49" charset="0"/>
+                <a:cs typeface="Courier New" pitchFamily="49" charset="0"/>
+              </a:rPr>
+              <a:t>matrix</a:t>
+            </a:r>
+            <a:r>
+              <a:rPr lang="en-US" dirty="0" smtClean="0">
+                <a:latin typeface="Courier New" pitchFamily="49" charset="0"/>
+                <a:cs typeface="Courier New" pitchFamily="49" charset="0"/>
+              </a:rPr>
+              <a:t>(</a:t>
+            </a:r>
+            <a:r>
+              <a:rPr lang="en-US" dirty="0" err="1" smtClean="0">
+                <a:latin typeface="Courier New" pitchFamily="49" charset="0"/>
+                <a:cs typeface="Courier New" pitchFamily="49" charset="0"/>
+              </a:rPr>
+              <a:t>nrow</a:t>
+            </a:r>
+            <a:r>
+              <a:rPr lang="en-US" b="1" dirty="0" smtClean="0">
+                <a:latin typeface="Courier New" pitchFamily="49" charset="0"/>
+                <a:cs typeface="Courier New" pitchFamily="49" charset="0"/>
+              </a:rPr>
+              <a:t> </a:t>
+            </a:r>
+            <a:r>
+              <a:rPr lang="en-US" dirty="0" smtClean="0">
+                <a:latin typeface="Courier New" pitchFamily="49" charset="0"/>
+                <a:cs typeface="Courier New" pitchFamily="49" charset="0"/>
+              </a:rPr>
+              <a:t>= 359, </a:t>
+            </a:r>
+            <a:r>
+              <a:rPr lang="en-US" dirty="0" err="1" smtClean="0">
+                <a:latin typeface="Courier New" pitchFamily="49" charset="0"/>
+                <a:cs typeface="Courier New" pitchFamily="49" charset="0"/>
+              </a:rPr>
+              <a:t>ncol</a:t>
+            </a:r>
+            <a:r>
+              <a:rPr lang="en-US" dirty="0" smtClean="0">
+                <a:latin typeface="Courier New" pitchFamily="49" charset="0"/>
+                <a:cs typeface="Courier New" pitchFamily="49" charset="0"/>
+              </a:rPr>
+              <a:t> = 2, </a:t>
+            </a:r>
+            <a:r>
+              <a:rPr lang="en-US" dirty="0" err="1" smtClean="0">
+                <a:latin typeface="Courier New" pitchFamily="49" charset="0"/>
+                <a:cs typeface="Courier New" pitchFamily="49" charset="0"/>
+              </a:rPr>
+              <a:t>dimnames</a:t>
+            </a:r>
+            <a:r>
+              <a:rPr lang="en-US" dirty="0" smtClean="0">
+                <a:latin typeface="Courier New" pitchFamily="49" charset="0"/>
+                <a:cs typeface="Courier New" pitchFamily="49" charset="0"/>
+              </a:rPr>
+              <a:t> = </a:t>
+            </a:r>
+            <a:r>
+              <a:rPr lang="en-US" b="1" dirty="0" smtClean="0">
+                <a:latin typeface="Courier New" pitchFamily="49" charset="0"/>
+                <a:cs typeface="Courier New" pitchFamily="49" charset="0"/>
+              </a:rPr>
+              <a:t>list</a:t>
+            </a:r>
+            <a:r>
+              <a:rPr lang="en-US" dirty="0" smtClean="0">
+                <a:latin typeface="Courier New" pitchFamily="49" charset="0"/>
+                <a:cs typeface="Courier New" pitchFamily="49" charset="0"/>
+              </a:rPr>
+              <a:t>(</a:t>
+            </a:r>
+            <a:r>
+              <a:rPr lang="en-US" b="1" dirty="0" err="1" smtClean="0">
+                <a:latin typeface="Courier New" pitchFamily="49" charset="0"/>
+                <a:cs typeface="Courier New" pitchFamily="49" charset="0"/>
+              </a:rPr>
+              <a:t>rownames</a:t>
+            </a:r>
+            <a:r>
+              <a:rPr lang="en-US" dirty="0" smtClean="0">
+                <a:latin typeface="Courier New" pitchFamily="49" charset="0"/>
+                <a:cs typeface="Courier New" pitchFamily="49" charset="0"/>
+              </a:rPr>
+              <a:t>(</a:t>
+            </a:r>
+            <a:r>
+              <a:rPr lang="en-US" dirty="0" err="1" smtClean="0">
+                <a:latin typeface="Courier New" pitchFamily="49" charset="0"/>
+                <a:cs typeface="Courier New" pitchFamily="49" charset="0"/>
+              </a:rPr>
+              <a:t>cnv</a:t>
+            </a:r>
+            <a:r>
+              <a:rPr lang="en-US" dirty="0" smtClean="0">
+                <a:latin typeface="Courier New" pitchFamily="49" charset="0"/>
+                <a:cs typeface="Courier New" pitchFamily="49" charset="0"/>
+              </a:rPr>
+              <a:t>), </a:t>
+            </a:r>
+            <a:r>
+              <a:rPr lang="en-US" b="1" dirty="0" smtClean="0">
+                <a:latin typeface="Courier New" pitchFamily="49" charset="0"/>
+                <a:cs typeface="Courier New" pitchFamily="49" charset="0"/>
+              </a:rPr>
+              <a:t>c</a:t>
+            </a:r>
+            <a:r>
+              <a:rPr lang="en-US" dirty="0">
+                <a:latin typeface="Courier New" pitchFamily="49" charset="0"/>
+                <a:cs typeface="Courier New" pitchFamily="49" charset="0"/>
+              </a:rPr>
+              <a:t>('</a:t>
+            </a:r>
+            <a:r>
+              <a:rPr lang="en-US" dirty="0" err="1">
+                <a:latin typeface="Courier New" pitchFamily="49" charset="0"/>
+                <a:cs typeface="Courier New" pitchFamily="49" charset="0"/>
+              </a:rPr>
+              <a:t>cor.r</a:t>
+            </a:r>
+            <a:r>
+              <a:rPr lang="en-US" dirty="0" smtClean="0">
+                <a:latin typeface="Courier New" pitchFamily="49" charset="0"/>
+                <a:cs typeface="Courier New" pitchFamily="49" charset="0"/>
+              </a:rPr>
+              <a:t>', '</a:t>
+            </a:r>
+            <a:r>
+              <a:rPr lang="en-US" dirty="0" err="1" smtClean="0">
+                <a:latin typeface="Courier New" pitchFamily="49" charset="0"/>
+                <a:cs typeface="Courier New" pitchFamily="49" charset="0"/>
+              </a:rPr>
+              <a:t>cor.p</a:t>
+            </a:r>
+            <a:r>
+              <a:rPr lang="en-US" dirty="0">
+                <a:latin typeface="Courier New" pitchFamily="49" charset="0"/>
+                <a:cs typeface="Courier New" pitchFamily="49" charset="0"/>
+              </a:rPr>
+              <a:t>')))</a:t>
+            </a:r>
+          </a:p>
+          <a:p>
+            <a:pPr marL="0" indent="0">
+              <a:buNone/>
+            </a:pPr>
+            <a:endParaRPr lang="en-US" dirty="0" smtClean="0">
+              <a:solidFill>
+                <a:srgbClr val="FF0000"/>
+              </a:solidFill>
+              <a:latin typeface="Courier New" pitchFamily="49" charset="0"/>
+              <a:cs typeface="Courier New" pitchFamily="49" charset="0"/>
+            </a:endParaRPr>
+          </a:p>
+          <a:p>
+            <a:pPr marL="0" indent="0">
+              <a:buNone/>
+            </a:pPr>
+            <a:r>
+              <a:rPr lang="en-US" dirty="0" smtClean="0">
+                <a:solidFill>
+                  <a:srgbClr val="FF0000"/>
+                </a:solidFill>
+                <a:latin typeface="Courier New" pitchFamily="49" charset="0"/>
+                <a:cs typeface="Courier New" pitchFamily="49" charset="0"/>
+              </a:rPr>
+              <a:t># </a:t>
+            </a:r>
+            <a:r>
+              <a:rPr lang="en-US" dirty="0">
+                <a:solidFill>
+                  <a:srgbClr val="FF0000"/>
+                </a:solidFill>
+                <a:latin typeface="Courier New" pitchFamily="49" charset="0"/>
+                <a:cs typeface="Courier New" pitchFamily="49" charset="0"/>
+              </a:rPr>
+              <a:t>Run the analysis</a:t>
+            </a:r>
+          </a:p>
+          <a:p>
+            <a:pPr marL="0" indent="0">
+              <a:buNone/>
+            </a:pPr>
+            <a:r>
+              <a:rPr lang="en-US" b="1" dirty="0">
+                <a:latin typeface="Courier New" pitchFamily="49" charset="0"/>
+                <a:cs typeface="Courier New" pitchFamily="49" charset="0"/>
+              </a:rPr>
+              <a:t>for</a:t>
+            </a:r>
+            <a:r>
+              <a:rPr lang="en-US" dirty="0">
+                <a:latin typeface="Courier New" pitchFamily="49" charset="0"/>
+                <a:cs typeface="Courier New" pitchFamily="49" charset="0"/>
+              </a:rPr>
+              <a:t>(</a:t>
+            </a:r>
+            <a:r>
+              <a:rPr lang="en-US" dirty="0" err="1">
+                <a:latin typeface="Courier New" pitchFamily="49" charset="0"/>
+                <a:cs typeface="Courier New" pitchFamily="49" charset="0"/>
+              </a:rPr>
+              <a:t>i</a:t>
+            </a:r>
+            <a:r>
+              <a:rPr lang="en-US" dirty="0">
+                <a:latin typeface="Courier New" pitchFamily="49" charset="0"/>
+                <a:cs typeface="Courier New" pitchFamily="49" charset="0"/>
+              </a:rPr>
+              <a:t> in </a:t>
+            </a:r>
+            <a:r>
+              <a:rPr lang="en-US" b="1" dirty="0" err="1">
+                <a:latin typeface="Courier New" pitchFamily="49" charset="0"/>
+                <a:cs typeface="Courier New" pitchFamily="49" charset="0"/>
+              </a:rPr>
+              <a:t>rownames</a:t>
+            </a:r>
+            <a:r>
+              <a:rPr lang="en-US" dirty="0">
+                <a:latin typeface="Courier New" pitchFamily="49" charset="0"/>
+                <a:cs typeface="Courier New" pitchFamily="49" charset="0"/>
+              </a:rPr>
+              <a:t>(</a:t>
+            </a:r>
+            <a:r>
+              <a:rPr lang="en-US" dirty="0" err="1">
+                <a:latin typeface="Courier New" pitchFamily="49" charset="0"/>
+                <a:cs typeface="Courier New" pitchFamily="49" charset="0"/>
+              </a:rPr>
+              <a:t>cnv</a:t>
+            </a:r>
+            <a:r>
+              <a:rPr lang="en-US" dirty="0">
+                <a:latin typeface="Courier New" pitchFamily="49" charset="0"/>
+                <a:cs typeface="Courier New" pitchFamily="49" charset="0"/>
+              </a:rPr>
+              <a:t>)) </a:t>
+            </a:r>
+            <a:r>
+              <a:rPr lang="en-US" dirty="0" smtClean="0">
+                <a:latin typeface="Courier New" pitchFamily="49" charset="0"/>
+                <a:cs typeface="Courier New" pitchFamily="49" charset="0"/>
+              </a:rPr>
+              <a:t>{</a:t>
+            </a:r>
+          </a:p>
+          <a:p>
+            <a:pPr marL="0" indent="0">
+              <a:buNone/>
+            </a:pPr>
+            <a:r>
+              <a:rPr lang="en-US" dirty="0">
+                <a:latin typeface="Courier New" pitchFamily="49" charset="0"/>
+                <a:cs typeface="Courier New" pitchFamily="49" charset="0"/>
+              </a:rPr>
+              <a:t> </a:t>
+            </a:r>
+            <a:r>
+              <a:rPr lang="en-US" dirty="0" smtClean="0">
+                <a:latin typeface="Courier New" pitchFamily="49" charset="0"/>
+                <a:cs typeface="Courier New" pitchFamily="49" charset="0"/>
+              </a:rPr>
+              <a:t> </a:t>
+            </a:r>
+            <a:r>
+              <a:rPr lang="en-US" dirty="0" smtClean="0">
+                <a:solidFill>
+                  <a:srgbClr val="FF0000"/>
+                </a:solidFill>
+                <a:latin typeface="Courier New" pitchFamily="49" charset="0"/>
+                <a:cs typeface="Courier New" pitchFamily="49" charset="0"/>
+              </a:rPr>
+              <a:t># Try function catches errors caused by missing data</a:t>
+            </a:r>
+          </a:p>
+          <a:p>
+            <a:pPr marL="0" indent="0">
+              <a:buNone/>
+            </a:pPr>
+            <a:r>
+              <a:rPr lang="en-US" dirty="0" smtClean="0">
+                <a:latin typeface="Courier New" pitchFamily="49" charset="0"/>
+                <a:cs typeface="Courier New" pitchFamily="49" charset="0"/>
+              </a:rPr>
+              <a:t>  c1 </a:t>
+            </a:r>
+            <a:r>
+              <a:rPr lang="en-US" dirty="0">
+                <a:latin typeface="Courier New" pitchFamily="49" charset="0"/>
+                <a:cs typeface="Courier New" pitchFamily="49" charset="0"/>
+              </a:rPr>
+              <a:t>= </a:t>
+            </a:r>
+            <a:r>
+              <a:rPr lang="en-US" b="1" dirty="0">
+                <a:latin typeface="Courier New" pitchFamily="49" charset="0"/>
+                <a:cs typeface="Courier New" pitchFamily="49" charset="0"/>
+              </a:rPr>
+              <a:t>try</a:t>
+            </a:r>
+            <a:r>
+              <a:rPr lang="en-US" dirty="0">
+                <a:latin typeface="Courier New" pitchFamily="49" charset="0"/>
+                <a:cs typeface="Courier New" pitchFamily="49" charset="0"/>
+              </a:rPr>
+              <a:t>(</a:t>
+            </a:r>
+            <a:r>
+              <a:rPr lang="en-US" b="1" dirty="0" err="1">
+                <a:latin typeface="Courier New" pitchFamily="49" charset="0"/>
+                <a:cs typeface="Courier New" pitchFamily="49" charset="0"/>
+              </a:rPr>
+              <a:t>cor.test</a:t>
+            </a:r>
+            <a:r>
+              <a:rPr lang="en-US" dirty="0">
+                <a:latin typeface="Courier New" pitchFamily="49" charset="0"/>
+                <a:cs typeface="Courier New" pitchFamily="49" charset="0"/>
+              </a:rPr>
+              <a:t>(</a:t>
+            </a:r>
+            <a:r>
+              <a:rPr lang="en-US" b="1" dirty="0" err="1">
+                <a:latin typeface="Courier New" pitchFamily="49" charset="0"/>
+                <a:cs typeface="Courier New" pitchFamily="49" charset="0"/>
+              </a:rPr>
+              <a:t>as.numeric</a:t>
+            </a:r>
+            <a:r>
+              <a:rPr lang="en-US" dirty="0">
+                <a:latin typeface="Courier New" pitchFamily="49" charset="0"/>
+                <a:cs typeface="Courier New" pitchFamily="49" charset="0"/>
+              </a:rPr>
+              <a:t>(</a:t>
+            </a:r>
+            <a:r>
+              <a:rPr lang="en-US" dirty="0" err="1">
+                <a:latin typeface="Courier New" pitchFamily="49" charset="0"/>
+                <a:cs typeface="Courier New" pitchFamily="49" charset="0"/>
+              </a:rPr>
+              <a:t>cnv</a:t>
+            </a:r>
+            <a:r>
+              <a:rPr lang="en-US" dirty="0">
+                <a:latin typeface="Courier New" pitchFamily="49" charset="0"/>
+                <a:cs typeface="Courier New" pitchFamily="49" charset="0"/>
+              </a:rPr>
+              <a:t>[</a:t>
+            </a:r>
+            <a:r>
+              <a:rPr lang="en-US" dirty="0" err="1">
+                <a:latin typeface="Courier New" pitchFamily="49" charset="0"/>
+                <a:cs typeface="Courier New" pitchFamily="49" charset="0"/>
+              </a:rPr>
+              <a:t>i</a:t>
+            </a:r>
+            <a:r>
+              <a:rPr lang="en-US" dirty="0">
+                <a:latin typeface="Courier New" pitchFamily="49" charset="0"/>
+                <a:cs typeface="Courier New" pitchFamily="49" charset="0"/>
+              </a:rPr>
+              <a:t>,]), </a:t>
+            </a:r>
+            <a:r>
+              <a:rPr lang="en-US" b="1" dirty="0" err="1">
+                <a:latin typeface="Courier New" pitchFamily="49" charset="0"/>
+                <a:cs typeface="Courier New" pitchFamily="49" charset="0"/>
+              </a:rPr>
+              <a:t>as.numeric</a:t>
+            </a:r>
+            <a:r>
+              <a:rPr lang="en-US" dirty="0">
+                <a:latin typeface="Courier New" pitchFamily="49" charset="0"/>
+                <a:cs typeface="Courier New" pitchFamily="49" charset="0"/>
+              </a:rPr>
+              <a:t>(</a:t>
+            </a:r>
+            <a:r>
+              <a:rPr lang="en-US" dirty="0" err="1">
+                <a:latin typeface="Courier New" pitchFamily="49" charset="0"/>
+                <a:cs typeface="Courier New" pitchFamily="49" charset="0"/>
+              </a:rPr>
+              <a:t>mirna</a:t>
+            </a:r>
+            <a:r>
+              <a:rPr lang="en-US" dirty="0">
+                <a:latin typeface="Courier New" pitchFamily="49" charset="0"/>
+                <a:cs typeface="Courier New" pitchFamily="49" charset="0"/>
+              </a:rPr>
+              <a:t>[</a:t>
+            </a:r>
+            <a:r>
+              <a:rPr lang="en-US" b="1" dirty="0">
+                <a:latin typeface="Courier New" pitchFamily="49" charset="0"/>
+                <a:cs typeface="Courier New" pitchFamily="49" charset="0"/>
+              </a:rPr>
+              <a:t>sub</a:t>
+            </a:r>
+            <a:r>
+              <a:rPr lang="en-US" dirty="0">
+                <a:latin typeface="Courier New" pitchFamily="49" charset="0"/>
+                <a:cs typeface="Courier New" pitchFamily="49" charset="0"/>
+              </a:rPr>
+              <a:t>('</a:t>
+            </a:r>
+            <a:r>
+              <a:rPr lang="en-US" dirty="0" err="1">
+                <a:latin typeface="Courier New" pitchFamily="49" charset="0"/>
+                <a:cs typeface="Courier New" pitchFamily="49" charset="0"/>
+              </a:rPr>
+              <a:t>cnv</a:t>
+            </a:r>
+            <a:r>
+              <a:rPr lang="en-US" dirty="0">
+                <a:latin typeface="Courier New" pitchFamily="49" charset="0"/>
+                <a:cs typeface="Courier New" pitchFamily="49" charset="0"/>
+              </a:rPr>
+              <a:t>','</a:t>
+            </a:r>
+            <a:r>
+              <a:rPr lang="en-US" dirty="0" err="1">
+                <a:latin typeface="Courier New" pitchFamily="49" charset="0"/>
+                <a:cs typeface="Courier New" pitchFamily="49" charset="0"/>
+              </a:rPr>
+              <a:t>exp</a:t>
+            </a:r>
+            <a:r>
+              <a:rPr lang="en-US" dirty="0">
+                <a:latin typeface="Courier New" pitchFamily="49" charset="0"/>
+                <a:cs typeface="Courier New" pitchFamily="49" charset="0"/>
+              </a:rPr>
+              <a:t>',</a:t>
+            </a:r>
+            <a:r>
+              <a:rPr lang="en-US" dirty="0" err="1">
+                <a:latin typeface="Courier New" pitchFamily="49" charset="0"/>
+                <a:cs typeface="Courier New" pitchFamily="49" charset="0"/>
+              </a:rPr>
+              <a:t>i</a:t>
+            </a:r>
+            <a:r>
+              <a:rPr lang="en-US" dirty="0" smtClean="0">
+                <a:latin typeface="Courier New" pitchFamily="49" charset="0"/>
+                <a:cs typeface="Courier New" pitchFamily="49" charset="0"/>
+              </a:rPr>
+              <a:t>),]), na.rm = T</a:t>
+            </a:r>
+            <a:r>
+              <a:rPr lang="en-US" dirty="0">
+                <a:latin typeface="Courier New" pitchFamily="49" charset="0"/>
+                <a:cs typeface="Courier New" pitchFamily="49" charset="0"/>
+              </a:rPr>
+              <a:t>), </a:t>
+            </a:r>
+            <a:r>
+              <a:rPr lang="en-US" dirty="0" smtClean="0">
+                <a:latin typeface="Courier New" pitchFamily="49" charset="0"/>
+                <a:cs typeface="Courier New" pitchFamily="49" charset="0"/>
+              </a:rPr>
+              <a:t>silent = T)\</a:t>
+            </a:r>
+          </a:p>
+          <a:p>
+            <a:pPr marL="0" indent="0">
+              <a:buNone/>
+            </a:pPr>
+            <a:r>
+              <a:rPr lang="en-US" dirty="0">
+                <a:solidFill>
+                  <a:srgbClr val="FF0000"/>
+                </a:solidFill>
+                <a:latin typeface="Courier New" pitchFamily="49" charset="0"/>
+                <a:cs typeface="Courier New" pitchFamily="49" charset="0"/>
+              </a:rPr>
+              <a:t> </a:t>
+            </a:r>
+            <a:r>
+              <a:rPr lang="en-US" dirty="0" smtClean="0">
+                <a:solidFill>
+                  <a:srgbClr val="FF0000"/>
+                </a:solidFill>
+                <a:latin typeface="Courier New" pitchFamily="49" charset="0"/>
+                <a:cs typeface="Courier New" pitchFamily="49" charset="0"/>
+              </a:rPr>
+              <a:t> # If there are no errors then adds values to matrix</a:t>
+            </a:r>
+            <a:endParaRPr lang="en-US" dirty="0">
+              <a:solidFill>
+                <a:srgbClr val="FF0000"/>
+              </a:solidFill>
+              <a:latin typeface="Courier New" pitchFamily="49" charset="0"/>
+              <a:cs typeface="Courier New" pitchFamily="49" charset="0"/>
+            </a:endParaRPr>
+          </a:p>
+          <a:p>
+            <a:pPr marL="0" indent="0">
+              <a:buNone/>
+            </a:pPr>
+            <a:r>
+              <a:rPr lang="en-US" dirty="0">
+                <a:latin typeface="Courier New" pitchFamily="49" charset="0"/>
+                <a:cs typeface="Courier New" pitchFamily="49" charset="0"/>
+              </a:rPr>
+              <a:t>  m1[</a:t>
+            </a:r>
+            <a:r>
+              <a:rPr lang="en-US" dirty="0" err="1">
+                <a:latin typeface="Courier New" pitchFamily="49" charset="0"/>
+                <a:cs typeface="Courier New" pitchFamily="49" charset="0"/>
+              </a:rPr>
+              <a:t>i</a:t>
+            </a:r>
+            <a:r>
+              <a:rPr lang="en-US" dirty="0">
+                <a:latin typeface="Courier New" pitchFamily="49" charset="0"/>
+                <a:cs typeface="Courier New" pitchFamily="49" charset="0"/>
+              </a:rPr>
+              <a:t>, '</a:t>
+            </a:r>
+            <a:r>
+              <a:rPr lang="en-US" dirty="0" err="1">
+                <a:latin typeface="Courier New" pitchFamily="49" charset="0"/>
+                <a:cs typeface="Courier New" pitchFamily="49" charset="0"/>
+              </a:rPr>
+              <a:t>cor.r</a:t>
+            </a:r>
+            <a:r>
+              <a:rPr lang="en-US" dirty="0">
+                <a:latin typeface="Courier New" pitchFamily="49" charset="0"/>
+                <a:cs typeface="Courier New" pitchFamily="49" charset="0"/>
+              </a:rPr>
+              <a:t>'] = </a:t>
+            </a:r>
+            <a:r>
+              <a:rPr lang="en-US" b="1" dirty="0" err="1">
+                <a:latin typeface="Courier New" pitchFamily="49" charset="0"/>
+                <a:cs typeface="Courier New" pitchFamily="49" charset="0"/>
+              </a:rPr>
+              <a:t>ifelse</a:t>
+            </a:r>
+            <a:r>
+              <a:rPr lang="en-US" dirty="0">
+                <a:latin typeface="Courier New" pitchFamily="49" charset="0"/>
+                <a:cs typeface="Courier New" pitchFamily="49" charset="0"/>
+              </a:rPr>
+              <a:t>(</a:t>
+            </a:r>
+            <a:r>
+              <a:rPr lang="en-US" b="1" dirty="0">
+                <a:latin typeface="Courier New" pitchFamily="49" charset="0"/>
+                <a:cs typeface="Courier New" pitchFamily="49" charset="0"/>
+              </a:rPr>
+              <a:t>class</a:t>
+            </a:r>
+            <a:r>
+              <a:rPr lang="en-US" dirty="0">
+                <a:latin typeface="Courier New" pitchFamily="49" charset="0"/>
+                <a:cs typeface="Courier New" pitchFamily="49" charset="0"/>
+              </a:rPr>
+              <a:t>(c1)=='try-error', 'NA', c1$estimate)</a:t>
+            </a:r>
+          </a:p>
+          <a:p>
+            <a:pPr marL="0" indent="0">
+              <a:buNone/>
+            </a:pPr>
+            <a:r>
+              <a:rPr lang="en-US" dirty="0">
+                <a:latin typeface="Courier New" pitchFamily="49" charset="0"/>
+                <a:cs typeface="Courier New" pitchFamily="49" charset="0"/>
+              </a:rPr>
+              <a:t>  m1[</a:t>
+            </a:r>
+            <a:r>
+              <a:rPr lang="en-US" dirty="0" err="1">
+                <a:latin typeface="Courier New" pitchFamily="49" charset="0"/>
+                <a:cs typeface="Courier New" pitchFamily="49" charset="0"/>
+              </a:rPr>
+              <a:t>i</a:t>
+            </a:r>
+            <a:r>
+              <a:rPr lang="en-US" dirty="0">
+                <a:latin typeface="Courier New" pitchFamily="49" charset="0"/>
+                <a:cs typeface="Courier New" pitchFamily="49" charset="0"/>
+              </a:rPr>
+              <a:t>, '</a:t>
+            </a:r>
+            <a:r>
+              <a:rPr lang="en-US" dirty="0" err="1">
+                <a:latin typeface="Courier New" pitchFamily="49" charset="0"/>
+                <a:cs typeface="Courier New" pitchFamily="49" charset="0"/>
+              </a:rPr>
+              <a:t>cor.p</a:t>
+            </a:r>
+            <a:r>
+              <a:rPr lang="en-US" dirty="0">
+                <a:latin typeface="Courier New" pitchFamily="49" charset="0"/>
+                <a:cs typeface="Courier New" pitchFamily="49" charset="0"/>
+              </a:rPr>
+              <a:t>'] = </a:t>
+            </a:r>
+            <a:r>
+              <a:rPr lang="en-US" b="1" dirty="0" err="1">
+                <a:latin typeface="Courier New" pitchFamily="49" charset="0"/>
+                <a:cs typeface="Courier New" pitchFamily="49" charset="0"/>
+              </a:rPr>
+              <a:t>ifelse</a:t>
+            </a:r>
+            <a:r>
+              <a:rPr lang="en-US" dirty="0">
+                <a:latin typeface="Courier New" pitchFamily="49" charset="0"/>
+                <a:cs typeface="Courier New" pitchFamily="49" charset="0"/>
+              </a:rPr>
+              <a:t>(</a:t>
+            </a:r>
+            <a:r>
+              <a:rPr lang="en-US" b="1" dirty="0">
+                <a:latin typeface="Courier New" pitchFamily="49" charset="0"/>
+                <a:cs typeface="Courier New" pitchFamily="49" charset="0"/>
+              </a:rPr>
+              <a:t>class</a:t>
+            </a:r>
+            <a:r>
+              <a:rPr lang="en-US" dirty="0">
+                <a:latin typeface="Courier New" pitchFamily="49" charset="0"/>
+                <a:cs typeface="Courier New" pitchFamily="49" charset="0"/>
+              </a:rPr>
+              <a:t>(c1)=='try-error', 'NA', c1$p.value)</a:t>
+            </a:r>
+          </a:p>
+          <a:p>
+            <a:pPr marL="0" indent="0">
+              <a:buNone/>
+            </a:pPr>
+            <a:r>
+              <a:rPr lang="en-US" dirty="0" smtClean="0">
+                <a:latin typeface="Courier New" pitchFamily="49" charset="0"/>
+                <a:cs typeface="Courier New" pitchFamily="49" charset="0"/>
+              </a:rPr>
+              <a:t>}</a:t>
+            </a:r>
+            <a:endParaRPr lang="en-US" dirty="0">
+              <a:latin typeface="Courier New" pitchFamily="49" charset="0"/>
+              <a:cs typeface="Courier New" pitchFamily="49" charset="0"/>
+            </a:endParaRPr>
+          </a:p>
+          <a:p>
+            <a:pPr marL="0" indent="0">
+              <a:buNone/>
+            </a:pPr>
+            <a:endParaRPr lang="en-US" dirty="0">
+              <a:latin typeface="Courier New" pitchFamily="49" charset="0"/>
+              <a:cs typeface="Courier New" pitchFamily="49" charset="0"/>
+            </a:endParaRPr>
+          </a:p>
+          <a:p>
+            <a:pPr marL="0" indent="0">
+              <a:buNone/>
+            </a:pPr>
+            <a:r>
+              <a:rPr lang="en-US" dirty="0">
+                <a:solidFill>
+                  <a:srgbClr val="FF0000"/>
+                </a:solidFill>
+                <a:latin typeface="Courier New" pitchFamily="49" charset="0"/>
+                <a:cs typeface="Courier New" pitchFamily="49" charset="0"/>
+              </a:rPr>
+              <a:t># Adjust </a:t>
+            </a:r>
+            <a:r>
+              <a:rPr lang="en-US" dirty="0" smtClean="0">
+                <a:solidFill>
+                  <a:srgbClr val="FF0000"/>
+                </a:solidFill>
+                <a:latin typeface="Courier New" pitchFamily="49" charset="0"/>
+                <a:cs typeface="Courier New" pitchFamily="49" charset="0"/>
+              </a:rPr>
+              <a:t>p-values and get rid of NA’s using </a:t>
+            </a:r>
+            <a:r>
+              <a:rPr lang="en-US" dirty="0" err="1" smtClean="0">
+                <a:solidFill>
+                  <a:srgbClr val="FF0000"/>
+                </a:solidFill>
+                <a:latin typeface="Courier New" pitchFamily="49" charset="0"/>
+                <a:cs typeface="Courier New" pitchFamily="49" charset="0"/>
+              </a:rPr>
+              <a:t>na.omit</a:t>
+            </a:r>
+            <a:endParaRPr lang="en-US" dirty="0">
+              <a:solidFill>
+                <a:srgbClr val="FF0000"/>
+              </a:solidFill>
+              <a:latin typeface="Courier New" pitchFamily="49" charset="0"/>
+              <a:cs typeface="Courier New" pitchFamily="49" charset="0"/>
+            </a:endParaRPr>
+          </a:p>
+          <a:p>
+            <a:pPr marL="0" indent="0">
+              <a:buNone/>
+            </a:pPr>
+            <a:r>
+              <a:rPr lang="en-US" dirty="0">
+                <a:latin typeface="Courier New" pitchFamily="49" charset="0"/>
+                <a:cs typeface="Courier New" pitchFamily="49" charset="0"/>
+              </a:rPr>
+              <a:t>m2 = </a:t>
+            </a:r>
+            <a:r>
+              <a:rPr lang="en-US" b="1" dirty="0" err="1">
+                <a:latin typeface="Courier New" pitchFamily="49" charset="0"/>
+                <a:cs typeface="Courier New" pitchFamily="49" charset="0"/>
+              </a:rPr>
+              <a:t>na.omit</a:t>
+            </a:r>
+            <a:r>
+              <a:rPr lang="en-US" dirty="0">
+                <a:latin typeface="Courier New" pitchFamily="49" charset="0"/>
+                <a:cs typeface="Courier New" pitchFamily="49" charset="0"/>
+              </a:rPr>
+              <a:t>(</a:t>
+            </a:r>
+            <a:r>
+              <a:rPr lang="en-US" b="1" dirty="0" err="1">
+                <a:latin typeface="Courier New" pitchFamily="49" charset="0"/>
+                <a:cs typeface="Courier New" pitchFamily="49" charset="0"/>
+              </a:rPr>
+              <a:t>cbind</a:t>
+            </a:r>
+            <a:r>
+              <a:rPr lang="en-US" dirty="0">
+                <a:latin typeface="Courier New" pitchFamily="49" charset="0"/>
+                <a:cs typeface="Courier New" pitchFamily="49" charset="0"/>
+              </a:rPr>
+              <a:t>(m1</a:t>
+            </a:r>
+            <a:r>
+              <a:rPr lang="en-US" dirty="0" smtClean="0">
+                <a:latin typeface="Courier New" pitchFamily="49" charset="0"/>
+                <a:cs typeface="Courier New" pitchFamily="49" charset="0"/>
+              </a:rPr>
+              <a:t>, </a:t>
+            </a:r>
+            <a:r>
+              <a:rPr lang="en-US" b="1" dirty="0" err="1" smtClean="0">
+                <a:latin typeface="Courier New" pitchFamily="49" charset="0"/>
+                <a:cs typeface="Courier New" pitchFamily="49" charset="0"/>
+              </a:rPr>
+              <a:t>p.adjust</a:t>
+            </a:r>
+            <a:r>
+              <a:rPr lang="en-US" dirty="0" smtClean="0">
+                <a:latin typeface="Courier New" pitchFamily="49" charset="0"/>
+                <a:cs typeface="Courier New" pitchFamily="49" charset="0"/>
+              </a:rPr>
+              <a:t>(</a:t>
+            </a:r>
+            <a:r>
+              <a:rPr lang="en-US" b="1" dirty="0" err="1" smtClean="0">
+                <a:latin typeface="Courier New" pitchFamily="49" charset="0"/>
+                <a:cs typeface="Courier New" pitchFamily="49" charset="0"/>
+              </a:rPr>
+              <a:t>as.numeric</a:t>
+            </a:r>
+            <a:r>
+              <a:rPr lang="en-US" dirty="0" smtClean="0">
+                <a:latin typeface="Courier New" pitchFamily="49" charset="0"/>
+                <a:cs typeface="Courier New" pitchFamily="49" charset="0"/>
+              </a:rPr>
+              <a:t>(m1</a:t>
+            </a:r>
+            <a:r>
+              <a:rPr lang="en-US" dirty="0">
+                <a:latin typeface="Courier New" pitchFamily="49" charset="0"/>
+                <a:cs typeface="Courier New" pitchFamily="49" charset="0"/>
+              </a:rPr>
+              <a:t>[,2</a:t>
+            </a:r>
+            <a:r>
+              <a:rPr lang="en-US" dirty="0" smtClean="0">
+                <a:latin typeface="Courier New" pitchFamily="49" charset="0"/>
+                <a:cs typeface="Courier New" pitchFamily="49" charset="0"/>
+              </a:rPr>
+              <a:t>]), method = 'BH</a:t>
+            </a:r>
+            <a:r>
+              <a:rPr lang="en-US" dirty="0">
+                <a:latin typeface="Courier New" pitchFamily="49" charset="0"/>
+                <a:cs typeface="Courier New" pitchFamily="49" charset="0"/>
+              </a:rPr>
+              <a:t>')))</a:t>
+            </a:r>
+          </a:p>
+          <a:p>
+            <a:pPr marL="0" indent="0">
+              <a:buNone/>
+            </a:pPr>
+            <a:endParaRPr lang="en-US" dirty="0" smtClean="0">
+              <a:latin typeface="Courier New" pitchFamily="49" charset="0"/>
+              <a:cs typeface="Courier New" pitchFamily="49" charset="0"/>
+            </a:endParaRPr>
           </a:p>
         </p:txBody>
       </p:sp>
     </p:spTree>
     <p:extLst>
       <p:ext uri="{BB962C8B-B14F-4D97-AF65-F5344CB8AC3E}">
-        <p14:creationId xmlns:p14="http://schemas.microsoft.com/office/powerpoint/2010/main" val="4128117719"/>
+        <p14:creationId xmlns:p14="http://schemas.microsoft.com/office/powerpoint/2010/main" val="3725519474"/>
       </p:ext>
     </p:extLst>
   </p:cSld>
@@ -21077,6 +21159,237 @@
           <a:p>
             <a:r>
               <a:rPr lang="en-US" dirty="0" smtClean="0"/>
+              <a:t>Write Out Results</a:t>
+            </a:r>
+            <a:endParaRPr lang="en-US" dirty="0"/>
+          </a:p>
+        </p:txBody>
+      </p:sp>
+      <p:sp>
+        <p:nvSpPr>
+          <p:cNvPr id="3" name="Content Placeholder 2"/>
+          <p:cNvSpPr>
+            <a:spLocks noGrp="1"/>
+          </p:cNvSpPr>
+          <p:nvPr>
+            <p:ph idx="1"/>
+          </p:nvPr>
+        </p:nvSpPr>
+        <p:spPr/>
+        <p:txBody>
+          <a:bodyPr/>
+          <a:lstStyle/>
+          <a:p>
+            <a:pPr marL="0" indent="0">
+              <a:buNone/>
+            </a:pPr>
+            <a:r>
+              <a:rPr lang="en-US" dirty="0" smtClean="0">
+                <a:cs typeface="Courier New" pitchFamily="49" charset="0"/>
+              </a:rPr>
+              <a:t>Write out the resulting correlations and sort them by the correlation coefficient:</a:t>
+            </a:r>
+          </a:p>
+          <a:p>
+            <a:pPr marL="0" indent="0">
+              <a:buNone/>
+            </a:pPr>
+            <a:endParaRPr lang="en-US" dirty="0">
+              <a:latin typeface="Courier New" pitchFamily="49" charset="0"/>
+              <a:cs typeface="Courier New" pitchFamily="49" charset="0"/>
+            </a:endParaRPr>
+          </a:p>
+          <a:p>
+            <a:pPr marL="0" indent="0">
+              <a:buNone/>
+            </a:pPr>
+            <a:r>
+              <a:rPr lang="en-US" sz="1800" dirty="0">
+                <a:solidFill>
+                  <a:srgbClr val="FF0000"/>
+                </a:solidFill>
+                <a:latin typeface="Courier New" pitchFamily="49" charset="0"/>
+                <a:cs typeface="Courier New" pitchFamily="49" charset="0"/>
+              </a:rPr>
+              <a:t># Create index ordered by correlation coefficient to sort the entire </a:t>
+            </a:r>
+            <a:r>
+              <a:rPr lang="en-US" sz="1800" dirty="0" smtClean="0">
+                <a:solidFill>
+                  <a:srgbClr val="FF0000"/>
+                </a:solidFill>
+                <a:latin typeface="Courier New" pitchFamily="49" charset="0"/>
+                <a:cs typeface="Courier New" pitchFamily="49" charset="0"/>
+              </a:rPr>
+              <a:t>matrix</a:t>
+            </a:r>
+          </a:p>
+          <a:p>
+            <a:pPr marL="0" indent="0">
+              <a:buNone/>
+            </a:pPr>
+            <a:r>
+              <a:rPr lang="en-US" sz="1800" dirty="0" smtClean="0">
+                <a:latin typeface="Courier New" pitchFamily="49" charset="0"/>
+                <a:cs typeface="Courier New" pitchFamily="49" charset="0"/>
+              </a:rPr>
+              <a:t>o1 </a:t>
+            </a:r>
+            <a:r>
+              <a:rPr lang="en-US" sz="1800" dirty="0">
+                <a:latin typeface="Courier New" pitchFamily="49" charset="0"/>
+                <a:cs typeface="Courier New" pitchFamily="49" charset="0"/>
+              </a:rPr>
+              <a:t>= </a:t>
+            </a:r>
+            <a:r>
+              <a:rPr lang="en-US" sz="1800" b="1" dirty="0">
+                <a:latin typeface="Courier New" pitchFamily="49" charset="0"/>
+                <a:cs typeface="Courier New" pitchFamily="49" charset="0"/>
+              </a:rPr>
+              <a:t>order</a:t>
+            </a:r>
+            <a:r>
+              <a:rPr lang="en-US" sz="1800" dirty="0">
+                <a:latin typeface="Courier New" pitchFamily="49" charset="0"/>
+                <a:cs typeface="Courier New" pitchFamily="49" charset="0"/>
+              </a:rPr>
+              <a:t>(m2[,1], </a:t>
+            </a:r>
+            <a:r>
+              <a:rPr lang="en-US" sz="1800" dirty="0" smtClean="0">
+                <a:latin typeface="Courier New" pitchFamily="49" charset="0"/>
+                <a:cs typeface="Courier New" pitchFamily="49" charset="0"/>
+              </a:rPr>
+              <a:t>decreasing = T</a:t>
+            </a:r>
+            <a:r>
+              <a:rPr lang="en-US" sz="1800" dirty="0">
+                <a:latin typeface="Courier New" pitchFamily="49" charset="0"/>
+                <a:cs typeface="Courier New" pitchFamily="49" charset="0"/>
+              </a:rPr>
+              <a:t>)</a:t>
+            </a:r>
+          </a:p>
+          <a:p>
+            <a:pPr marL="0" indent="0">
+              <a:buNone/>
+            </a:pPr>
+            <a:endParaRPr lang="en-US" sz="1800" dirty="0" smtClean="0">
+              <a:solidFill>
+                <a:srgbClr val="FF0000"/>
+              </a:solidFill>
+              <a:latin typeface="Courier New" pitchFamily="49" charset="0"/>
+              <a:cs typeface="Courier New" pitchFamily="49" charset="0"/>
+            </a:endParaRPr>
+          </a:p>
+          <a:p>
+            <a:pPr marL="0" indent="0">
+              <a:buNone/>
+            </a:pPr>
+            <a:r>
+              <a:rPr lang="en-US" sz="1800" dirty="0" smtClean="0">
+                <a:solidFill>
+                  <a:srgbClr val="FF0000"/>
+                </a:solidFill>
+                <a:latin typeface="Courier New" pitchFamily="49" charset="0"/>
+                <a:cs typeface="Courier New" pitchFamily="49" charset="0"/>
+              </a:rPr>
+              <a:t># </a:t>
+            </a:r>
+            <a:r>
+              <a:rPr lang="en-US" sz="1800" dirty="0">
+                <a:solidFill>
+                  <a:srgbClr val="FF0000"/>
+                </a:solidFill>
+                <a:latin typeface="Courier New" pitchFamily="49" charset="0"/>
+                <a:cs typeface="Courier New" pitchFamily="49" charset="0"/>
+              </a:rPr>
+              <a:t>Write out results file</a:t>
+            </a:r>
+          </a:p>
+          <a:p>
+            <a:pPr marL="0" indent="0">
+              <a:buNone/>
+            </a:pPr>
+            <a:r>
+              <a:rPr lang="en-US" sz="1800" b="1" dirty="0" smtClean="0">
+                <a:latin typeface="Courier New" pitchFamily="49" charset="0"/>
+                <a:cs typeface="Courier New" pitchFamily="49" charset="0"/>
+              </a:rPr>
+              <a:t>write.csv</a:t>
+            </a:r>
+            <a:r>
+              <a:rPr lang="en-US" sz="1800" dirty="0" smtClean="0">
+                <a:latin typeface="Courier New" pitchFamily="49" charset="0"/>
+                <a:cs typeface="Courier New" pitchFamily="49" charset="0"/>
+              </a:rPr>
+              <a:t>(m2[o1,], file = 'corTestCnvExp_miRNA_gbm.csv</a:t>
+            </a:r>
+            <a:r>
+              <a:rPr lang="en-US" sz="1800" dirty="0">
+                <a:latin typeface="Courier New" pitchFamily="49" charset="0"/>
+                <a:cs typeface="Courier New" pitchFamily="49" charset="0"/>
+              </a:rPr>
+              <a:t>')</a:t>
+            </a:r>
+          </a:p>
+        </p:txBody>
+      </p:sp>
+    </p:spTree>
+    <p:extLst>
+      <p:ext uri="{BB962C8B-B14F-4D97-AF65-F5344CB8AC3E}">
+        <p14:creationId xmlns:p14="http://schemas.microsoft.com/office/powerpoint/2010/main" val="4128117719"/>
+      </p:ext>
+    </p:extLst>
+  </p:cSld>
+  <p:clrMapOvr>
+    <a:masterClrMapping/>
+  </p:clrMapOvr>
+  <p:timing>
+    <p:tnLst>
+      <p:par>
+        <p:cTn id="1" dur="indefinite" restart="never" nodeType="tmRoot"/>
+      </p:par>
+    </p:tnLst>
+  </p:timing>
+</p:sld>
+</file>
+
+<file path=ppt/slides/slide43.xml><?xml version="1.0" encoding="utf-8"?>
+<p:sld xmlns:a="http://schemas.openxmlformats.org/drawingml/2006/main" xmlns:r="http://schemas.openxmlformats.org/officeDocument/2006/relationships" xmlns:p="http://schemas.openxmlformats.org/presentationml/2006/main">
+  <p:cSld>
+    <p:spTree>
+      <p:nvGrpSpPr>
+        <p:cNvPr id="1" name=""/>
+        <p:cNvGrpSpPr/>
+        <p:nvPr/>
+      </p:nvGrpSpPr>
+      <p:grpSpPr>
+        <a:xfrm>
+          <a:off x="0" y="0"/>
+          <a:ext cx="0" cy="0"/>
+          <a:chOff x="0" y="0"/>
+          <a:chExt cx="0" cy="0"/>
+        </a:xfrm>
+      </p:grpSpPr>
+      <p:sp>
+        <p:nvSpPr>
+          <p:cNvPr id="2" name="Title 1"/>
+          <p:cNvSpPr>
+            <a:spLocks noGrp="1"/>
+          </p:cNvSpPr>
+          <p:nvPr>
+            <p:ph type="title"/>
+          </p:nvPr>
+        </p:nvSpPr>
+        <p:spPr/>
+        <p:txBody>
+          <a:bodyPr/>
+          <a:lstStyle/>
+          <a:p>
+            <a:r>
+              <a:rPr lang="en-US" dirty="0" smtClean="0"/>
               <a:t>Plot Top 15 Correlations</a:t>
             </a:r>
             <a:endParaRPr lang="en-US" dirty="0"/>
@@ -21351,7 +21664,35 @@
                 <a:latin typeface="Courier New" pitchFamily="49" charset="0"/>
                 <a:cs typeface="Courier New" pitchFamily="49" charset="0"/>
               </a:rPr>
-              <a:t>(d2[</a:t>
+              <a:t>(</a:t>
+            </a:r>
+            <a:r>
+              <a:rPr lang="en-US" b="1" dirty="0" err="1" smtClean="0">
+                <a:latin typeface="Courier New" pitchFamily="49" charset="0"/>
+                <a:cs typeface="Courier New" pitchFamily="49" charset="0"/>
+              </a:rPr>
+              <a:t>as.numeric</a:t>
+            </a:r>
+            <a:r>
+              <a:rPr lang="en-US" dirty="0" smtClean="0">
+                <a:latin typeface="Courier New" pitchFamily="49" charset="0"/>
+                <a:cs typeface="Courier New" pitchFamily="49" charset="0"/>
+              </a:rPr>
+              <a:t>(</a:t>
+            </a:r>
+            <a:r>
+              <a:rPr lang="en-US" dirty="0" err="1" smtClean="0">
+                <a:latin typeface="Courier New" pitchFamily="49" charset="0"/>
+                <a:cs typeface="Courier New" pitchFamily="49" charset="0"/>
+              </a:rPr>
+              <a:t>mirna</a:t>
+            </a:r>
+            <a:r>
+              <a:rPr lang="en-US" dirty="0" smtClean="0">
+                <a:latin typeface="Courier New" pitchFamily="49" charset="0"/>
+                <a:cs typeface="Courier New" pitchFamily="49" charset="0"/>
+              </a:rPr>
+              <a:t>[</a:t>
             </a:r>
             <a:r>
               <a:rPr lang="en-US" b="1" dirty="0" smtClean="0">
@@ -21379,7 +21720,7 @@
                 <a:latin typeface="Courier New" pitchFamily="49" charset="0"/>
                 <a:cs typeface="Courier New" pitchFamily="49" charset="0"/>
               </a:rPr>
-              <a:t> = ''),] ~</a:t>
+              <a:t> = ''),]) ~</a:t>
             </a:r>
           </a:p>
           <a:p>
@@ -21391,7 +21732,35 @@
                 <a:latin typeface="Courier New" pitchFamily="49" charset="0"/>
                 <a:cs typeface="Courier New" pitchFamily="49" charset="0"/>
               </a:rPr>
-              <a:t>       d2[</a:t>
+              <a:t>       </a:t>
+            </a:r>
+            <a:r>
+              <a:rPr lang="en-US" b="1" dirty="0" err="1" smtClean="0">
+                <a:latin typeface="Courier New" pitchFamily="49" charset="0"/>
+                <a:cs typeface="Courier New" pitchFamily="49" charset="0"/>
+              </a:rPr>
+              <a:t>as.numeric</a:t>
+            </a:r>
+            <a:r>
+              <a:rPr lang="en-US" dirty="0" smtClean="0">
+                <a:latin typeface="Courier New" pitchFamily="49" charset="0"/>
+                <a:cs typeface="Courier New" pitchFamily="49" charset="0"/>
+              </a:rPr>
+              <a:t>(</a:t>
+            </a:r>
+            <a:r>
+              <a:rPr lang="en-US" dirty="0" err="1" smtClean="0">
+                <a:latin typeface="Courier New" pitchFamily="49" charset="0"/>
+                <a:cs typeface="Courier New" pitchFamily="49" charset="0"/>
+              </a:rPr>
+              <a:t>cnv</a:t>
+            </a:r>
+            <a:r>
+              <a:rPr lang="en-US" dirty="0" smtClean="0">
+                <a:latin typeface="Courier New" pitchFamily="49" charset="0"/>
+                <a:cs typeface="Courier New" pitchFamily="49" charset="0"/>
+              </a:rPr>
+              <a:t>[</a:t>
             </a:r>
             <a:r>
               <a:rPr lang="en-US" b="1" dirty="0" smtClean="0">
@@ -21433,7 +21802,7 @@
                 <a:latin typeface="Courier New" pitchFamily="49" charset="0"/>
                 <a:cs typeface="Courier New" pitchFamily="49" charset="0"/>
               </a:rPr>
-              <a:t> = ''),], col = </a:t>
+              <a:t> = ''),]), col = </a:t>
             </a:r>
             <a:r>
               <a:rPr lang="en-US" dirty="0" err="1" smtClean="0">
@@ -21568,7 +21937,35 @@
                 <a:latin typeface="Courier New" pitchFamily="49" charset="0"/>
                 <a:cs typeface="Courier New" pitchFamily="49" charset="0"/>
               </a:rPr>
-              <a:t>(d2[</a:t>
+              <a:t>(</a:t>
+            </a:r>
+            <a:r>
+              <a:rPr lang="en-US" b="1" dirty="0" err="1" smtClean="0">
+                <a:latin typeface="Courier New" pitchFamily="49" charset="0"/>
+                <a:cs typeface="Courier New" pitchFamily="49" charset="0"/>
+              </a:rPr>
+              <a:t>as.numeric</a:t>
+            </a:r>
+            <a:r>
+              <a:rPr lang="en-US" dirty="0" smtClean="0">
+                <a:latin typeface="Courier New" pitchFamily="49" charset="0"/>
+                <a:cs typeface="Courier New" pitchFamily="49" charset="0"/>
+              </a:rPr>
+              <a:t>(</a:t>
+            </a:r>
+            <a:r>
+              <a:rPr lang="en-US" dirty="0" err="1" smtClean="0">
+                <a:latin typeface="Courier New" pitchFamily="49" charset="0"/>
+                <a:cs typeface="Courier New" pitchFamily="49" charset="0"/>
+              </a:rPr>
+              <a:t>mirna</a:t>
+            </a:r>
+            <a:r>
+              <a:rPr lang="en-US" dirty="0" smtClean="0">
+                <a:latin typeface="Courier New" pitchFamily="49" charset="0"/>
+                <a:cs typeface="Courier New" pitchFamily="49" charset="0"/>
+              </a:rPr>
+              <a:t>[</a:t>
             </a:r>
             <a:r>
               <a:rPr lang="en-US" b="1" dirty="0" smtClean="0">
@@ -21596,7 +21993,7 @@
                 <a:latin typeface="Courier New" pitchFamily="49" charset="0"/>
                 <a:cs typeface="Courier New" pitchFamily="49" charset="0"/>
               </a:rPr>
-              <a:t> = ''),] ~</a:t>
+              <a:t> = ''),]) ~</a:t>
             </a:r>
           </a:p>
           <a:p>
@@ -21608,7 +22005,35 @@
                 <a:latin typeface="Courier New" pitchFamily="49" charset="0"/>
                 <a:cs typeface="Courier New" pitchFamily="49" charset="0"/>
               </a:rPr>
-              <a:t>           d2[</a:t>
+              <a:t>           </a:t>
+            </a:r>
+            <a:r>
+              <a:rPr lang="en-US" b="1" dirty="0" err="1" smtClean="0">
+                <a:latin typeface="Courier New" pitchFamily="49" charset="0"/>
+                <a:cs typeface="Courier New" pitchFamily="49" charset="0"/>
+              </a:rPr>
+              <a:t>as.numeric</a:t>
+            </a:r>
+            <a:r>
+              <a:rPr lang="en-US" dirty="0" smtClean="0">
+                <a:latin typeface="Courier New" pitchFamily="49" charset="0"/>
+                <a:cs typeface="Courier New" pitchFamily="49" charset="0"/>
+              </a:rPr>
+              <a:t>(</a:t>
+            </a:r>
+            <a:r>
+              <a:rPr lang="en-US" dirty="0" err="1" smtClean="0">
+                <a:latin typeface="Courier New" pitchFamily="49" charset="0"/>
+                <a:cs typeface="Courier New" pitchFamily="49" charset="0"/>
+              </a:rPr>
+              <a:t>cnv</a:t>
+            </a:r>
+            <a:r>
+              <a:rPr lang="en-US" dirty="0" smtClean="0">
+                <a:latin typeface="Courier New" pitchFamily="49" charset="0"/>
+                <a:cs typeface="Courier New" pitchFamily="49" charset="0"/>
+              </a:rPr>
+              <a:t>[</a:t>
             </a:r>
             <a:r>
               <a:rPr lang="en-US" b="1" dirty="0" smtClean="0">
@@ -21650,7 +22075,7 @@
                 <a:latin typeface="Courier New" pitchFamily="49" charset="0"/>
                 <a:cs typeface="Courier New" pitchFamily="49" charset="0"/>
               </a:rPr>
-              <a:t> = ''),])</a:t>
+              <a:t> = ''),]))</a:t>
             </a:r>
           </a:p>
           <a:p>
@@ -21781,7 +22206,7 @@
 </p:sld>
 </file>
 
-<file path=ppt/slides/slide43.xml><?xml version="1.0" encoding="utf-8"?>
+<file path=ppt/slides/slide44.xml><?xml version="1.0" encoding="utf-8"?>
 <p:sld xmlns:a="http://schemas.openxmlformats.org/drawingml/2006/main" xmlns:r="http://schemas.openxmlformats.org/officeDocument/2006/relationships" xmlns:p="http://schemas.openxmlformats.org/presentationml/2006/main">
   <p:cSld>
     <p:spTree>
@@ -21905,7 +22330,7 @@
         <p:spPr>
           <a:xfrm>
             <a:off x="5715000" y="2819400"/>
-            <a:ext cx="2217274" cy="646331"/>
+            <a:ext cx="2342244" cy="2031325"/>
           </a:xfrm>
           <a:prstGeom prst="rect">
             <a:avLst/>
@@ -21919,6 +22344,12 @@
           <a:lstStyle/>
           <a:p>
             <a:r>
+              <a:rPr lang="en-US" b="1" dirty="0" smtClean="0"/>
+              <a:t>Correlation</a:t>
+            </a:r>
+          </a:p>
+          <a:p>
+            <a:r>
               <a:rPr lang="en-US" dirty="0" smtClean="0"/>
               <a:t>P-Value = </a:t>
             </a:r>
@@ -21940,7 +22371,32 @@
               <a:rPr lang="en-US" b="1" dirty="0" smtClean="0"/>
               <a:t>0.77</a:t>
             </a:r>
-            <a:endParaRPr lang="en-US" b="1" dirty="0"/>
+          </a:p>
+          <a:p>
+            <a:r>
+              <a:rPr lang="en-US" b="1" dirty="0"/>
+              <a:t/>
+            </a:r>
+            <a:br>
+              <a:rPr lang="en-US" b="1" dirty="0"/>
+            </a:br>
+            <a:r>
+              <a:rPr lang="en-US" b="1" dirty="0" smtClean="0"/>
+              <a:t>Differential Expression</a:t>
+            </a:r>
+          </a:p>
+          <a:p>
+            <a:r>
+              <a:rPr lang="en-US" dirty="0" smtClean="0"/>
+              <a:t>Fold-change = 0.85</a:t>
+            </a:r>
+          </a:p>
+          <a:p>
+            <a:r>
+              <a:rPr lang="en-US" dirty="0" smtClean="0"/>
+              <a:t>P-Value =         0.82</a:t>
+            </a:r>
+            <a:endParaRPr lang="en-US" dirty="0"/>
           </a:p>
         </p:txBody>
       </p:sp>
@@ -21964,7 +22420,7 @@
 </p:sld>
 </file>
 
-<file path=ppt/slides/slide44.xml><?xml version="1.0" encoding="utf-8"?>
+<file path=ppt/slides/slide45.xml><?xml version="1.0" encoding="utf-8"?>
 <p:sld xmlns:a="http://schemas.openxmlformats.org/drawingml/2006/main" xmlns:r="http://schemas.openxmlformats.org/officeDocument/2006/relationships" xmlns:p="http://schemas.openxmlformats.org/presentationml/2006/main">
   <p:cSld>
     <p:spTree>
@@ -22022,7 +22478,7 @@
         <p:spPr>
           <a:xfrm>
             <a:off x="5715000" y="2819400"/>
-            <a:ext cx="2217274" cy="646331"/>
+            <a:ext cx="2520242" cy="2031325"/>
           </a:xfrm>
           <a:prstGeom prst="rect">
             <a:avLst/>
@@ -22036,21 +22492,27 @@
           <a:lstStyle/>
           <a:p>
             <a:r>
-              <a:rPr lang="en-US" dirty="0" smtClean="0"/>
+              <a:rPr lang="en-US" b="1" dirty="0"/>
+              <a:t>Correlation</a:t>
+            </a:r>
+          </a:p>
+          <a:p>
+            <a:r>
+              <a:rPr lang="en-US" dirty="0"/>
               <a:t>P-Value = </a:t>
             </a:r>
             <a:r>
-              <a:rPr lang="en-US" b="1" dirty="0" smtClean="0"/>
+              <a:rPr lang="en-US" b="1" dirty="0"/>
               <a:t>&lt; 2.2 x 10</a:t>
             </a:r>
             <a:r>
-              <a:rPr lang="en-US" b="1" baseline="30000" dirty="0" smtClean="0"/>
+              <a:rPr lang="en-US" b="1" baseline="30000" dirty="0"/>
               <a:t>-16</a:t>
             </a:r>
           </a:p>
           <a:p>
             <a:r>
-              <a:rPr lang="en-US" dirty="0" smtClean="0"/>
+              <a:rPr lang="en-US" dirty="0"/>
               <a:t>R =            </a:t>
             </a:r>
             <a:r>
@@ -22058,6 +22520,45 @@
               <a:t>0.45</a:t>
             </a:r>
             <a:endParaRPr lang="en-US" b="1" dirty="0"/>
+          </a:p>
+          <a:p>
+            <a:r>
+              <a:rPr lang="en-US" b="1" dirty="0"/>
+              <a:t/>
+            </a:r>
+            <a:br>
+              <a:rPr lang="en-US" b="1" dirty="0"/>
+            </a:br>
+            <a:r>
+              <a:rPr lang="en-US" b="1" dirty="0"/>
+              <a:t>Differential Expression</a:t>
+            </a:r>
+          </a:p>
+          <a:p>
+            <a:r>
+              <a:rPr lang="en-US" dirty="0"/>
+              <a:t>Fold-change = </a:t>
+            </a:r>
+            <a:r>
+              <a:rPr lang="en-US" b="1" dirty="0" smtClean="0"/>
+              <a:t>-4.1</a:t>
+            </a:r>
+            <a:endParaRPr lang="en-US" b="1" dirty="0"/>
+          </a:p>
+          <a:p>
+            <a:r>
+              <a:rPr lang="en-US" dirty="0"/>
+              <a:t>P-Value =         </a:t>
+            </a:r>
+            <a:r>
+              <a:rPr lang="en-US" b="1" dirty="0" smtClean="0"/>
+              <a:t>1.33 x 10</a:t>
+            </a:r>
+            <a:r>
+              <a:rPr lang="en-US" b="1" baseline="30000" dirty="0" smtClean="0"/>
+              <a:t>-8</a:t>
+            </a:r>
+            <a:endParaRPr lang="en-US" b="1" baseline="30000" dirty="0"/>
           </a:p>
         </p:txBody>
       </p:sp>
@@ -22147,7 +22648,7 @@
 </p:sld>
 </file>
 
-<file path=ppt/slides/slide45.xml><?xml version="1.0" encoding="utf-8"?>
+<file path=ppt/slides/slide46.xml><?xml version="1.0" encoding="utf-8"?>
 <p:sld xmlns:a="http://schemas.openxmlformats.org/drawingml/2006/main" xmlns:r="http://schemas.openxmlformats.org/officeDocument/2006/relationships" xmlns:p="http://schemas.openxmlformats.org/presentationml/2006/main">
   <p:cSld>
     <p:spTree>
@@ -22205,7 +22706,7 @@
         <p:spPr>
           <a:xfrm>
             <a:off x="5715000" y="2819400"/>
-            <a:ext cx="2217274" cy="646331"/>
+            <a:ext cx="2428870" cy="2031325"/>
           </a:xfrm>
           <a:prstGeom prst="rect">
             <a:avLst/>
@@ -22219,21 +22720,27 @@
           <a:lstStyle/>
           <a:p>
             <a:r>
-              <a:rPr lang="en-US" dirty="0" smtClean="0"/>
+              <a:rPr lang="en-US" b="1" dirty="0"/>
+              <a:t>Correlation</a:t>
+            </a:r>
+          </a:p>
+          <a:p>
+            <a:r>
+              <a:rPr lang="en-US" dirty="0"/>
               <a:t>P-Value = </a:t>
             </a:r>
             <a:r>
-              <a:rPr lang="en-US" b="1" dirty="0" smtClean="0"/>
+              <a:rPr lang="en-US" b="1" dirty="0"/>
               <a:t>&lt; 2.2 x 10</a:t>
             </a:r>
             <a:r>
-              <a:rPr lang="en-US" b="1" baseline="30000" dirty="0" smtClean="0"/>
+              <a:rPr lang="en-US" b="1" baseline="30000" dirty="0"/>
               <a:t>-16</a:t>
             </a:r>
           </a:p>
           <a:p>
             <a:r>
-              <a:rPr lang="en-US" dirty="0" smtClean="0"/>
+              <a:rPr lang="en-US" dirty="0"/>
               <a:t>R =            </a:t>
             </a:r>
             <a:r>
@@ -22241,6 +22748,45 @@
               <a:t>0.50</a:t>
             </a:r>
             <a:endParaRPr lang="en-US" b="1" dirty="0"/>
+          </a:p>
+          <a:p>
+            <a:r>
+              <a:rPr lang="en-US" b="1" dirty="0"/>
+              <a:t/>
+            </a:r>
+            <a:br>
+              <a:rPr lang="en-US" b="1" dirty="0"/>
+            </a:br>
+            <a:r>
+              <a:rPr lang="en-US" b="1" dirty="0"/>
+              <a:t>Differential Expression</a:t>
+            </a:r>
+          </a:p>
+          <a:p>
+            <a:r>
+              <a:rPr lang="en-US" dirty="0"/>
+              <a:t>Fold-change = </a:t>
+            </a:r>
+            <a:r>
+              <a:rPr lang="en-US" b="1" dirty="0" smtClean="0"/>
+              <a:t>2.2</a:t>
+            </a:r>
+            <a:endParaRPr lang="en-US" b="1" dirty="0"/>
+          </a:p>
+          <a:p>
+            <a:r>
+              <a:rPr lang="en-US" dirty="0"/>
+              <a:t>P-Value =         </a:t>
+            </a:r>
+            <a:r>
+              <a:rPr lang="en-US" b="1" dirty="0" smtClean="0"/>
+              <a:t>2.0 x10</a:t>
+            </a:r>
+            <a:r>
+              <a:rPr lang="en-US" b="1" baseline="30000" dirty="0" smtClean="0"/>
+              <a:t>-10</a:t>
+            </a:r>
+            <a:endParaRPr lang="en-US" b="1" baseline="30000" dirty="0"/>
           </a:p>
         </p:txBody>
       </p:sp>
@@ -22330,7 +22876,7 @@
 </p:sld>
 </file>
 
-<file path=ppt/slides/slide46.xml><?xml version="1.0" encoding="utf-8"?>
+<file path=ppt/slides/slide47.xml><?xml version="1.0" encoding="utf-8"?>
 <p:sld xmlns:a="http://schemas.openxmlformats.org/drawingml/2006/main" xmlns:r="http://schemas.openxmlformats.org/officeDocument/2006/relationships" xmlns:p="http://schemas.openxmlformats.org/presentationml/2006/main">
   <p:cSld>
     <p:spTree>
